--- a/Questions/Question 1/README.pptx
+++ b/Questions/Question 1/README.pptx
@@ -7,6 +7,8 @@
   <p:sldIdLst>
     <p:sldId id="256" r:id="rId2"/>
     <p:sldId id="257" r:id="rId3"/>
+    <p:sldId id="258" r:id="rId4"/>
+    <p:sldId id="259" r:id="rId5"/>
   </p:sldIdLst>
   <p:sldSz cx="9144000" cy="5143500" type="screen16x9"/>
   <p:notesSz cx="6858000" cy="9144000"/>
@@ -3116,7 +3118,7 @@
             </a:pPr>
             <a:r>
               <a:rPr/>
-              <a:t>My PowerPoint Presentation</a:t>
+              <a:t>Question 1: Systematic AI Fund</a:t>
             </a:r>
           </a:p>
         </p:txBody>
@@ -3148,7 +3150,7 @@
             <a:br/>
             <a:r>
               <a:rPr/>
-              <a:t>Your Name</a:t>
+              <a:t>Liam Andrew Beattie - 22562435</a:t>
             </a:r>
           </a:p>
         </p:txBody>
@@ -3210,7 +3212,12 @@
             <p:ph type="title"/>
           </p:nvPr>
         </p:nvSpPr>
-        <p:spPr/>
+        <p:spPr>
+          <a:xfrm>
+            <a:off x="457201" y="204787"/>
+            <a:ext cx="3008313" cy="871538"/>
+          </a:xfrm>
+        </p:spPr>
         <p:txBody>
           <a:bodyPr/>
           <a:lstStyle/>
@@ -3227,12 +3234,12 @@
       </p:sp>
       <p:sp>
         <p:nvSpPr>
-          <p:cNvPr id="3" name="Content Placeholder 2"/>
-          <p:cNvSpPr>
-            <a:spLocks noGrp="1"/>
-          </p:cNvSpPr>
-          <p:nvPr>
-            <p:ph idx="1"/>
+          <p:cNvPr id="4" name="Text Placeholder 3"/>
+          <p:cNvSpPr>
+            <a:spLocks noGrp="1"/>
+          </p:cNvSpPr>
+          <p:nvPr>
+            <p:ph idx="2" sz="half" type="body"/>
           </p:nvPr>
         </p:nvSpPr>
         <p:spPr/>
@@ -3277,7 +3284,37 @@
                 </a:solidFill>
                 <a:latin typeface="Courier"/>
               </a:rPr>
-              <a:t>rm</a:t>
+              <a:t>ggplot</a:t>
+            </a:r>
+            <a:r>
+              <a:rPr>
+                <a:latin typeface="Courier"/>
+              </a:rPr>
+              <a:t>(combined_rolling </a:t>
+            </a:r>
+            <a:r>
+              <a:rPr>
+                <a:solidFill>
+                  <a:srgbClr val="4070A0"/>
+                </a:solidFill>
+                <a:latin typeface="Courier"/>
+              </a:rPr>
+              <a:t>%&gt;%</a:t>
+            </a:r>
+            <a:r>
+              <a:rPr>
+                <a:latin typeface="Courier"/>
+              </a:rPr>
+              <a:t> </a:t>
+            </a:r>
+            <a:r>
+              <a:rPr>
+                <a:solidFill>
+                  <a:srgbClr val="06287E"/>
+                </a:solidFill>
+                <a:latin typeface="Courier"/>
+              </a:rPr>
+              <a:t>filter</a:t>
             </a:r>
             <a:r>
               <a:rPr>
@@ -3288,11 +3325,111 @@
             <a:r>
               <a:rPr>
                 <a:solidFill>
+                  <a:srgbClr val="4070A0"/>
+                </a:solidFill>
+                <a:latin typeface="Courier"/>
+              </a:rPr>
+              <a:t>!</a:t>
+            </a:r>
+            <a:r>
+              <a:rPr>
+                <a:solidFill>
+                  <a:srgbClr val="06287E"/>
+                </a:solidFill>
+                <a:latin typeface="Courier"/>
+              </a:rPr>
+              <a:t>is.na</a:t>
+            </a:r>
+            <a:r>
+              <a:rPr>
+                <a:latin typeface="Courier"/>
+              </a:rPr>
+              <a:t>(rolling_return)), </a:t>
+            </a:r>
+            <a:r>
+              <a:rPr>
+                <a:solidFill>
+                  <a:srgbClr val="06287E"/>
+                </a:solidFill>
+                <a:latin typeface="Courier"/>
+              </a:rPr>
+              <a:t>aes</a:t>
+            </a:r>
+            <a:r>
+              <a:rPr>
+                <a:latin typeface="Courier"/>
+              </a:rPr>
+              <a:t>(</a:t>
+            </a:r>
+            <a:r>
+              <a:rPr>
+                <a:solidFill>
                   <a:srgbClr val="7D9029"/>
                 </a:solidFill>
                 <a:latin typeface="Courier"/>
               </a:rPr>
-              <a:t>list =</a:t>
+              <a:t>x =</a:t>
+            </a:r>
+            <a:r>
+              <a:rPr>
+                <a:latin typeface="Courier"/>
+              </a:rPr>
+              <a:t> rolling_return, </a:t>
+            </a:r>
+            <a:r>
+              <a:rPr>
+                <a:solidFill>
+                  <a:srgbClr val="7D9029"/>
+                </a:solidFill>
+                <a:latin typeface="Courier"/>
+              </a:rPr>
+              <a:t>fill =</a:t>
+            </a:r>
+            <a:r>
+              <a:rPr>
+                <a:latin typeface="Courier"/>
+              </a:rPr>
+              <a:t> Type)) </a:t>
+            </a:r>
+            <a:r>
+              <a:rPr>
+                <a:solidFill>
+                  <a:srgbClr val="4070A0"/>
+                </a:solidFill>
+                <a:latin typeface="Courier"/>
+              </a:rPr>
+              <a:t>+</a:t>
+            </a:r>
+            <a:br/>
+            <a:r>
+              <a:rPr>
+                <a:latin typeface="Courier"/>
+              </a:rPr>
+              <a:t>  </a:t>
+            </a:r>
+            <a:r>
+              <a:rPr>
+                <a:solidFill>
+                  <a:srgbClr val="06287E"/>
+                </a:solidFill>
+                <a:latin typeface="Courier"/>
+              </a:rPr>
+              <a:t>geom_density</a:t>
+            </a:r>
+            <a:r>
+              <a:rPr>
+                <a:latin typeface="Courier"/>
+              </a:rPr>
+              <a:t>(</a:t>
+            </a:r>
+            <a:r>
+              <a:rPr>
+                <a:solidFill>
+                  <a:srgbClr val="7D9029"/>
+                </a:solidFill>
+                <a:latin typeface="Courier"/>
+              </a:rPr>
+              <a:t>alpha =</a:t>
             </a:r>
             <a:r>
               <a:rPr>
@@ -3303,17 +3440,93 @@
             <a:r>
               <a:rPr>
                 <a:solidFill>
+                  <a:srgbClr val="40A070"/>
+                </a:solidFill>
+                <a:latin typeface="Courier"/>
+              </a:rPr>
+              <a:t>0.6</a:t>
+            </a:r>
+            <a:r>
+              <a:rPr>
+                <a:latin typeface="Courier"/>
+              </a:rPr>
+              <a:t>) </a:t>
+            </a:r>
+            <a:r>
+              <a:rPr>
+                <a:solidFill>
+                  <a:srgbClr val="4070A0"/>
+                </a:solidFill>
+                <a:latin typeface="Courier"/>
+              </a:rPr>
+              <a:t>+</a:t>
+            </a:r>
+            <a:r>
+              <a:rPr>
+                <a:latin typeface="Courier"/>
+              </a:rPr>
+              <a:t>  </a:t>
+            </a:r>
+            <a:r>
+              <a:rPr i="1">
+                <a:solidFill>
+                  <a:srgbClr val="60A0B0"/>
+                </a:solidFill>
+                <a:latin typeface="Courier"/>
+              </a:rPr>
+              <a:t># Semi-transparent density plots</a:t>
+            </a:r>
+            <a:br/>
+            <a:r>
+              <a:rPr>
+                <a:latin typeface="Courier"/>
+              </a:rPr>
+              <a:t>  </a:t>
+            </a:r>
+            <a:r>
+              <a:rPr>
+                <a:solidFill>
                   <a:srgbClr val="06287E"/>
                 </a:solidFill>
                 <a:latin typeface="Courier"/>
               </a:rPr>
-              <a:t>ls</a:t>
-            </a:r>
-            <a:r>
-              <a:rPr>
-                <a:latin typeface="Courier"/>
-              </a:rPr>
-              <a:t>()) </a:t>
+              <a:t>facet_wrap</a:t>
+            </a:r>
+            <a:r>
+              <a:rPr>
+                <a:latin typeface="Courier"/>
+              </a:rPr>
+              <a:t>(</a:t>
+            </a:r>
+            <a:r>
+              <a:rPr>
+                <a:solidFill>
+                  <a:srgbClr val="4070A0"/>
+                </a:solidFill>
+                <a:latin typeface="Courier"/>
+              </a:rPr>
+              <a:t>~</a:t>
+            </a:r>
+            <a:r>
+              <a:rPr>
+                <a:latin typeface="Courier"/>
+              </a:rPr>
+              <a:t> Period) </a:t>
+            </a:r>
+            <a:r>
+              <a:rPr>
+                <a:solidFill>
+                  <a:srgbClr val="4070A0"/>
+                </a:solidFill>
+                <a:latin typeface="Courier"/>
+              </a:rPr>
+              <a:t>+</a:t>
+            </a:r>
+            <a:r>
+              <a:rPr>
+                <a:latin typeface="Courier"/>
+              </a:rPr>
+              <a:t>  </a:t>
             </a:r>
             <a:r>
               <a:rPr i="1">
@@ -3322,17 +3535,203 @@
                 </a:solidFill>
                 <a:latin typeface="Courier"/>
               </a:rPr>
-              <a:t># Clean your environment:</a:t>
+              <a:t># Facet by rolling period</a:t>
             </a:r>
             <a:br/>
             <a:r>
               <a:rPr>
+                <a:latin typeface="Courier"/>
+              </a:rPr>
+              <a:t>  </a:t>
+            </a:r>
+            <a:r>
+              <a:rPr>
                 <a:solidFill>
                   <a:srgbClr val="06287E"/>
                 </a:solidFill>
                 <a:latin typeface="Courier"/>
               </a:rPr>
-              <a:t>gc</a:t>
+              <a:t>labs</a:t>
+            </a:r>
+            <a:r>
+              <a:rPr>
+                <a:latin typeface="Courier"/>
+              </a:rPr>
+              <a:t>(</a:t>
+            </a:r>
+            <a:br/>
+            <a:r>
+              <a:rPr>
+                <a:latin typeface="Courier"/>
+              </a:rPr>
+              <a:t>    </a:t>
+            </a:r>
+            <a:r>
+              <a:rPr>
+                <a:solidFill>
+                  <a:srgbClr val="7D9029"/>
+                </a:solidFill>
+                <a:latin typeface="Courier"/>
+              </a:rPr>
+              <a:t>title =</a:t>
+            </a:r>
+            <a:r>
+              <a:rPr>
+                <a:latin typeface="Courier"/>
+              </a:rPr>
+              <a:t> </a:t>
+            </a:r>
+            <a:r>
+              <a:rPr>
+                <a:solidFill>
+                  <a:srgbClr val="4070A0"/>
+                </a:solidFill>
+                <a:latin typeface="Courier"/>
+              </a:rPr>
+              <a:t>"Density of Rolling Returns by Period"</a:t>
+            </a:r>
+            <a:r>
+              <a:rPr>
+                <a:latin typeface="Courier"/>
+              </a:rPr>
+              <a:t>,</a:t>
+            </a:r>
+            <a:br/>
+            <a:r>
+              <a:rPr>
+                <a:latin typeface="Courier"/>
+              </a:rPr>
+              <a:t>    </a:t>
+            </a:r>
+            <a:r>
+              <a:rPr>
+                <a:solidFill>
+                  <a:srgbClr val="7D9029"/>
+                </a:solidFill>
+                <a:latin typeface="Courier"/>
+              </a:rPr>
+              <a:t>x =</a:t>
+            </a:r>
+            <a:r>
+              <a:rPr>
+                <a:latin typeface="Courier"/>
+              </a:rPr>
+              <a:t> </a:t>
+            </a:r>
+            <a:r>
+              <a:rPr>
+                <a:solidFill>
+                  <a:srgbClr val="4070A0"/>
+                </a:solidFill>
+                <a:latin typeface="Courier"/>
+              </a:rPr>
+              <a:t>"Rolling Return"</a:t>
+            </a:r>
+            <a:r>
+              <a:rPr>
+                <a:latin typeface="Courier"/>
+              </a:rPr>
+              <a:t>,</a:t>
+            </a:r>
+            <a:br/>
+            <a:r>
+              <a:rPr>
+                <a:latin typeface="Courier"/>
+              </a:rPr>
+              <a:t>    </a:t>
+            </a:r>
+            <a:r>
+              <a:rPr>
+                <a:solidFill>
+                  <a:srgbClr val="7D9029"/>
+                </a:solidFill>
+                <a:latin typeface="Courier"/>
+              </a:rPr>
+              <a:t>y =</a:t>
+            </a:r>
+            <a:r>
+              <a:rPr>
+                <a:latin typeface="Courier"/>
+              </a:rPr>
+              <a:t> </a:t>
+            </a:r>
+            <a:r>
+              <a:rPr>
+                <a:solidFill>
+                  <a:srgbClr val="4070A0"/>
+                </a:solidFill>
+                <a:latin typeface="Courier"/>
+              </a:rPr>
+              <a:t>"Density"</a:t>
+            </a:r>
+            <a:r>
+              <a:rPr>
+                <a:latin typeface="Courier"/>
+              </a:rPr>
+              <a:t>,</a:t>
+            </a:r>
+            <a:br/>
+            <a:r>
+              <a:rPr>
+                <a:latin typeface="Courier"/>
+              </a:rPr>
+              <a:t>    </a:t>
+            </a:r>
+            <a:r>
+              <a:rPr>
+                <a:solidFill>
+                  <a:srgbClr val="7D9029"/>
+                </a:solidFill>
+                <a:latin typeface="Courier"/>
+              </a:rPr>
+              <a:t>fill =</a:t>
+            </a:r>
+            <a:r>
+              <a:rPr>
+                <a:latin typeface="Courier"/>
+              </a:rPr>
+              <a:t> </a:t>
+            </a:r>
+            <a:r>
+              <a:rPr>
+                <a:solidFill>
+                  <a:srgbClr val="4070A0"/>
+                </a:solidFill>
+                <a:latin typeface="Courier"/>
+              </a:rPr>
+              <a:t>"Type"</a:t>
+            </a:r>
+            <a:br/>
+            <a:r>
+              <a:rPr>
+                <a:latin typeface="Courier"/>
+              </a:rPr>
+              <a:t>  ) </a:t>
+            </a:r>
+            <a:r>
+              <a:rPr>
+                <a:solidFill>
+                  <a:srgbClr val="4070A0"/>
+                </a:solidFill>
+                <a:latin typeface="Courier"/>
+              </a:rPr>
+              <a:t>+</a:t>
+            </a:r>
+            <a:br/>
+            <a:r>
+              <a:rPr>
+                <a:latin typeface="Courier"/>
+              </a:rPr>
+              <a:t>  </a:t>
+            </a:r>
+            <a:r>
+              <a:rPr>
+                <a:solidFill>
+                  <a:srgbClr val="06287E"/>
+                </a:solidFill>
+                <a:latin typeface="Courier"/>
+              </a:rPr>
+              <a:t>theme_bw</a:t>
             </a:r>
             <a:r>
               <a:rPr>
@@ -3341,13 +3740,232 @@
               <a:t>() </a:t>
             </a:r>
             <a:r>
+              <a:rPr>
+                <a:solidFill>
+                  <a:srgbClr val="4070A0"/>
+                </a:solidFill>
+                <a:latin typeface="Courier"/>
+              </a:rPr>
+              <a:t>+</a:t>
+            </a:r>
+            <a:r>
+              <a:rPr>
+                <a:latin typeface="Courier"/>
+              </a:rPr>
+              <a:t>  </a:t>
+            </a:r>
+            <a:r>
               <a:rPr i="1">
                 <a:solidFill>
                   <a:srgbClr val="60A0B0"/>
                 </a:solidFill>
                 <a:latin typeface="Courier"/>
               </a:rPr>
-              <a:t># garbage collection - It can be useful to call gc after a large object has been removed, as this may prompt R to return memory to the operating system.</a:t>
+              <a:t># Clean theme</a:t>
+            </a:r>
+            <a:br/>
+            <a:r>
+              <a:rPr>
+                <a:latin typeface="Courier"/>
+              </a:rPr>
+              <a:t>  </a:t>
+            </a:r>
+            <a:r>
+              <a:rPr>
+                <a:solidFill>
+                  <a:srgbClr val="06287E"/>
+                </a:solidFill>
+                <a:latin typeface="Courier"/>
+              </a:rPr>
+              <a:t>theme</a:t>
+            </a:r>
+            <a:r>
+              <a:rPr>
+                <a:latin typeface="Courier"/>
+              </a:rPr>
+              <a:t>(</a:t>
+            </a:r>
+            <a:br/>
+            <a:r>
+              <a:rPr>
+                <a:latin typeface="Courier"/>
+              </a:rPr>
+              <a:t>    </a:t>
+            </a:r>
+            <a:r>
+              <a:rPr>
+                <a:solidFill>
+                  <a:srgbClr val="7D9029"/>
+                </a:solidFill>
+                <a:latin typeface="Courier"/>
+              </a:rPr>
+              <a:t>plot.title =</a:t>
+            </a:r>
+            <a:r>
+              <a:rPr>
+                <a:latin typeface="Courier"/>
+              </a:rPr>
+              <a:t> </a:t>
+            </a:r>
+            <a:r>
+              <a:rPr>
+                <a:solidFill>
+                  <a:srgbClr val="06287E"/>
+                </a:solidFill>
+                <a:latin typeface="Courier"/>
+              </a:rPr>
+              <a:t>element_text</a:t>
+            </a:r>
+            <a:r>
+              <a:rPr>
+                <a:latin typeface="Courier"/>
+              </a:rPr>
+              <a:t>(</a:t>
+            </a:r>
+            <a:r>
+              <a:rPr>
+                <a:solidFill>
+                  <a:srgbClr val="7D9029"/>
+                </a:solidFill>
+                <a:latin typeface="Courier"/>
+              </a:rPr>
+              <a:t>hjust =</a:t>
+            </a:r>
+            <a:r>
+              <a:rPr>
+                <a:latin typeface="Courier"/>
+              </a:rPr>
+              <a:t> </a:t>
+            </a:r>
+            <a:r>
+              <a:rPr>
+                <a:solidFill>
+                  <a:srgbClr val="40A070"/>
+                </a:solidFill>
+                <a:latin typeface="Courier"/>
+              </a:rPr>
+              <a:t>0.5</a:t>
+            </a:r>
+            <a:r>
+              <a:rPr>
+                <a:latin typeface="Courier"/>
+              </a:rPr>
+              <a:t>),</a:t>
+            </a:r>
+            <a:br/>
+            <a:r>
+              <a:rPr>
+                <a:latin typeface="Courier"/>
+              </a:rPr>
+              <a:t>    </a:t>
+            </a:r>
+            <a:r>
+              <a:rPr>
+                <a:solidFill>
+                  <a:srgbClr val="7D9029"/>
+                </a:solidFill>
+                <a:latin typeface="Courier"/>
+              </a:rPr>
+              <a:t>legend.position =</a:t>
+            </a:r>
+            <a:r>
+              <a:rPr>
+                <a:latin typeface="Courier"/>
+              </a:rPr>
+              <a:t> </a:t>
+            </a:r>
+            <a:r>
+              <a:rPr>
+                <a:solidFill>
+                  <a:srgbClr val="4070A0"/>
+                </a:solidFill>
+                <a:latin typeface="Courier"/>
+              </a:rPr>
+              <a:t>"bottom"</a:t>
+            </a:r>
+            <a:br/>
+            <a:r>
+              <a:rPr>
+                <a:latin typeface="Courier"/>
+              </a:rPr>
+              <a:t>  )</a:t>
+            </a:r>
+          </a:p>
+        </p:txBody>
+      </p:sp>
+      <p:pic>
+        <p:nvPicPr>
+          <p:cNvPr descr="README_files/figure-pptx/unnamed-chunk-1-1.png" id="0" name="Picture 1"/>
+          <p:cNvPicPr>
+            <a:picLocks noGrp="1" noChangeAspect="1"/>
+          </p:cNvPicPr>
+          <p:nvPr/>
+        </p:nvPicPr>
+        <p:blipFill>
+          <a:blip r:embed="rId2"/>
+          <a:stretch>
+            <a:fillRect/>
+          </a:stretch>
+        </p:blipFill>
+        <p:spPr bwMode="auto">
+          <a:xfrm>
+            <a:off x="3568700" y="355600"/>
+            <a:ext cx="5105400" cy="4089400"/>
+          </a:xfrm>
+          <a:prstGeom prst="rect">
+            <a:avLst/>
+          </a:prstGeom>
+          <a:noFill/>
+          <a:ln w="9525">
+            <a:noFill/>
+            <a:headEnd/>
+            <a:tailEnd/>
+          </a:ln>
+        </p:spPr>
+      </p:pic>
+    </p:spTree>
+  </p:cSld>
+</p:sld>
+</file>
+
+<file path=ppt/slides/slide3.xml><?xml version="1.0" encoding="utf-8"?>
+<p:sld xmlns:a="http://schemas.openxmlformats.org/drawingml/2006/main" xmlns:r="http://schemas.openxmlformats.org/officeDocument/2006/relationships" xmlns:p="http://schemas.openxmlformats.org/presentationml/2006/main">
+  <p:cSld>
+    <p:spTree>
+      <p:nvGrpSpPr>
+        <p:cNvPr id="1" name=""/>
+        <p:cNvGrpSpPr/>
+        <p:nvPr/>
+      </p:nvGrpSpPr>
+      <p:grpSpPr>
+        <a:xfrm>
+          <a:off x="0" y="0"/>
+          <a:ext cx="0" cy="0"/>
+          <a:chOff x="0" y="0"/>
+          <a:chExt cx="0" cy="0"/>
+        </a:xfrm>
+      </p:grpSpPr>
+      <p:sp>
+        <p:nvSpPr>
+          <p:cNvPr id="3" name="Content Placeholder 2"/>
+          <p:cNvSpPr>
+            <a:spLocks noGrp="1"/>
+          </p:cNvSpPr>
+          <p:nvPr>
+            <p:ph idx="1"/>
+          </p:nvPr>
+        </p:nvSpPr>
+        <p:spPr/>
+        <p:txBody>
+          <a:bodyPr/>
+          <a:lstStyle/>
+          <a:p>
+            <a:pPr lvl="0" indent="0" marL="0">
+              <a:buNone/>
+            </a:pPr>
+            <a:r>
+              <a:rPr/>
+              <a:t> ***</a:t>
             </a:r>
           </a:p>
           <a:p>
@@ -3355,14 +3973,338 @@
               <a:buNone/>
             </a:pPr>
             <a:r>
-              <a:rPr>
-                <a:latin typeface="Courier"/>
-              </a:rPr>
-              <a:t>##          used (Mb) gc trigger (Mb) max used (Mb)
-## Ncells 486908 26.1    1047937   56   686457 36.7
-## Vcells 902049  6.9    8388608   64  1876679 14.4</a:t>
-            </a:r>
-          </a:p>
+              <a:rPr i="1">
+                <a:solidFill>
+                  <a:srgbClr val="60A0B0"/>
+                </a:solidFill>
+                <a:latin typeface="Courier"/>
+              </a:rPr>
+              <a:t># Calculate rolling volatility for the benchmark (BM)</a:t>
+            </a:r>
+            <a:br/>
+            <a:r>
+              <a:rPr>
+                <a:latin typeface="Courier"/>
+              </a:rPr>
+              <a:t>BM_volatility </a:t>
+            </a:r>
+            <a:r>
+              <a:rPr>
+                <a:solidFill>
+                  <a:srgbClr val="007020"/>
+                </a:solidFill>
+                <a:latin typeface="Courier"/>
+              </a:rPr>
+              <a:t>&lt;-</a:t>
+            </a:r>
+            <a:r>
+              <a:rPr>
+                <a:latin typeface="Courier"/>
+              </a:rPr>
+              <a:t> </a:t>
+            </a:r>
+            <a:r>
+              <a:rPr>
+                <a:solidFill>
+                  <a:srgbClr val="06287E"/>
+                </a:solidFill>
+                <a:latin typeface="Courier"/>
+              </a:rPr>
+              <a:t>calculate_rolling_volatility</a:t>
+            </a:r>
+            <a:r>
+              <a:rPr>
+                <a:latin typeface="Courier"/>
+              </a:rPr>
+              <a:t>(BM</a:t>
+            </a:r>
+            <a:r>
+              <a:rPr>
+                <a:solidFill>
+                  <a:srgbClr val="4070A0"/>
+                </a:solidFill>
+                <a:latin typeface="Courier"/>
+              </a:rPr>
+              <a:t>$</a:t>
+            </a:r>
+            <a:r>
+              <a:rPr>
+                <a:latin typeface="Courier"/>
+              </a:rPr>
+              <a:t>Returns, BM</a:t>
+            </a:r>
+            <a:r>
+              <a:rPr>
+                <a:solidFill>
+                  <a:srgbClr val="4070A0"/>
+                </a:solidFill>
+                <a:latin typeface="Courier"/>
+              </a:rPr>
+              <a:t>$</a:t>
+            </a:r>
+            <a:r>
+              <a:rPr>
+                <a:latin typeface="Courier"/>
+              </a:rPr>
+              <a:t>date, </a:t>
+            </a:r>
+            <a:r>
+              <a:rPr>
+                <a:solidFill>
+                  <a:srgbClr val="7D9029"/>
+                </a:solidFill>
+                <a:latin typeface="Courier"/>
+              </a:rPr>
+              <a:t>window_size =</a:t>
+            </a:r>
+            <a:r>
+              <a:rPr>
+                <a:latin typeface="Courier"/>
+              </a:rPr>
+              <a:t> </a:t>
+            </a:r>
+            <a:r>
+              <a:rPr>
+                <a:solidFill>
+                  <a:srgbClr val="40A070"/>
+                </a:solidFill>
+                <a:latin typeface="Courier"/>
+              </a:rPr>
+              <a:t>20</a:t>
+            </a:r>
+            <a:r>
+              <a:rPr>
+                <a:latin typeface="Courier"/>
+              </a:rPr>
+              <a:t>) </a:t>
+            </a:r>
+            <a:r>
+              <a:rPr>
+                <a:solidFill>
+                  <a:srgbClr val="4070A0"/>
+                </a:solidFill>
+                <a:latin typeface="Courier"/>
+              </a:rPr>
+              <a:t>%&gt;%</a:t>
+            </a:r>
+            <a:br/>
+            <a:r>
+              <a:rPr>
+                <a:latin typeface="Courier"/>
+              </a:rPr>
+              <a:t>  </a:t>
+            </a:r>
+            <a:r>
+              <a:rPr>
+                <a:solidFill>
+                  <a:srgbClr val="06287E"/>
+                </a:solidFill>
+                <a:latin typeface="Courier"/>
+              </a:rPr>
+              <a:t>mutate</a:t>
+            </a:r>
+            <a:r>
+              <a:rPr>
+                <a:latin typeface="Courier"/>
+              </a:rPr>
+              <a:t>(</a:t>
+            </a:r>
+            <a:r>
+              <a:rPr>
+                <a:solidFill>
+                  <a:srgbClr val="7D9029"/>
+                </a:solidFill>
+                <a:latin typeface="Courier"/>
+              </a:rPr>
+              <a:t>Volatility_Regime =</a:t>
+            </a:r>
+            <a:r>
+              <a:rPr>
+                <a:latin typeface="Courier"/>
+              </a:rPr>
+              <a:t> </a:t>
+            </a:r>
+            <a:r>
+              <a:rPr>
+                <a:solidFill>
+                  <a:srgbClr val="06287E"/>
+                </a:solidFill>
+                <a:latin typeface="Courier"/>
+              </a:rPr>
+              <a:t>stratify_volatility_regimes</a:t>
+            </a:r>
+            <a:r>
+              <a:rPr>
+                <a:latin typeface="Courier"/>
+              </a:rPr>
+              <a:t>(Rolling_Volatility))</a:t>
+            </a:r>
+            <a:br/>
+            <a:br/>
+            <a:br/>
+            <a:br/>
+            <a:br/>
+            <a:r>
+              <a:rPr i="1">
+                <a:solidFill>
+                  <a:srgbClr val="60A0B0"/>
+                </a:solidFill>
+                <a:latin typeface="Courier"/>
+              </a:rPr>
+              <a:t># Merge volatility regimes with combined rolling returns</a:t>
+            </a:r>
+            <a:br/>
+            <a:r>
+              <a:rPr>
+                <a:latin typeface="Courier"/>
+              </a:rPr>
+              <a:t>combined_rolling </a:t>
+            </a:r>
+            <a:r>
+              <a:rPr>
+                <a:solidFill>
+                  <a:srgbClr val="007020"/>
+                </a:solidFill>
+                <a:latin typeface="Courier"/>
+              </a:rPr>
+              <a:t>&lt;-</a:t>
+            </a:r>
+            <a:r>
+              <a:rPr>
+                <a:latin typeface="Courier"/>
+              </a:rPr>
+              <a:t> combined_rolling </a:t>
+            </a:r>
+            <a:r>
+              <a:rPr>
+                <a:solidFill>
+                  <a:srgbClr val="4070A0"/>
+                </a:solidFill>
+                <a:latin typeface="Courier"/>
+              </a:rPr>
+              <a:t>%&gt;%</a:t>
+            </a:r>
+            <a:br/>
+            <a:r>
+              <a:rPr>
+                <a:latin typeface="Courier"/>
+              </a:rPr>
+              <a:t>  </a:t>
+            </a:r>
+            <a:r>
+              <a:rPr>
+                <a:solidFill>
+                  <a:srgbClr val="06287E"/>
+                </a:solidFill>
+                <a:latin typeface="Courier"/>
+              </a:rPr>
+              <a:t>left_join</a:t>
+            </a:r>
+            <a:r>
+              <a:rPr>
+                <a:latin typeface="Courier"/>
+              </a:rPr>
+              <a:t>(BM_volatility </a:t>
+            </a:r>
+            <a:r>
+              <a:rPr>
+                <a:solidFill>
+                  <a:srgbClr val="4070A0"/>
+                </a:solidFill>
+                <a:latin typeface="Courier"/>
+              </a:rPr>
+              <a:t>%&gt;%</a:t>
+            </a:r>
+            <a:r>
+              <a:rPr>
+                <a:latin typeface="Courier"/>
+              </a:rPr>
+              <a:t> </a:t>
+            </a:r>
+            <a:r>
+              <a:rPr>
+                <a:solidFill>
+                  <a:srgbClr val="06287E"/>
+                </a:solidFill>
+                <a:latin typeface="Courier"/>
+              </a:rPr>
+              <a:t>select</a:t>
+            </a:r>
+            <a:r>
+              <a:rPr>
+                <a:latin typeface="Courier"/>
+              </a:rPr>
+              <a:t>(date, Volatility_Regime), </a:t>
+            </a:r>
+            <a:r>
+              <a:rPr>
+                <a:solidFill>
+                  <a:srgbClr val="7D9029"/>
+                </a:solidFill>
+                <a:latin typeface="Courier"/>
+              </a:rPr>
+              <a:t>by =</a:t>
+            </a:r>
+            <a:r>
+              <a:rPr>
+                <a:latin typeface="Courier"/>
+              </a:rPr>
+              <a:t> </a:t>
+            </a:r>
+            <a:r>
+              <a:rPr>
+                <a:solidFill>
+                  <a:srgbClr val="4070A0"/>
+                </a:solidFill>
+                <a:latin typeface="Courier"/>
+              </a:rPr>
+              <a:t>"date"</a:t>
+            </a:r>
+            <a:r>
+              <a:rPr>
+                <a:latin typeface="Courier"/>
+              </a:rPr>
+              <a:t>)</a:t>
+            </a:r>
+          </a:p>
+        </p:txBody>
+      </p:sp>
+    </p:spTree>
+  </p:cSld>
+</p:sld>
+</file>
+
+<file path=ppt/slides/slide4.xml><?xml version="1.0" encoding="utf-8"?>
+<p:sld xmlns:a="http://schemas.openxmlformats.org/drawingml/2006/main" xmlns:r="http://schemas.openxmlformats.org/officeDocument/2006/relationships" xmlns:p="http://schemas.openxmlformats.org/presentationml/2006/main">
+  <p:cSld>
+    <p:spTree>
+      <p:nvGrpSpPr>
+        <p:cNvPr id="1" name=""/>
+        <p:cNvGrpSpPr/>
+        <p:nvPr/>
+      </p:nvGrpSpPr>
+      <p:grpSpPr>
+        <a:xfrm>
+          <a:off x="0" y="0"/>
+          <a:ext cx="0" cy="0"/>
+          <a:chOff x="0" y="0"/>
+          <a:chExt cx="0" cy="0"/>
+        </a:xfrm>
+      </p:grpSpPr>
+      <p:sp>
+        <p:nvSpPr>
+          <p:cNvPr id="4" name="Text Placeholder 3"/>
+          <p:cNvSpPr>
+            <a:spLocks noGrp="1"/>
+          </p:cNvSpPr>
+          <p:nvPr>
+            <p:ph idx="2" sz="half" type="body"/>
+          </p:nvPr>
+        </p:nvSpPr>
+        <p:spPr/>
+        <p:txBody>
+          <a:bodyPr/>
+          <a:lstStyle/>
           <a:p>
             <a:pPr lvl="0" indent="0">
               <a:buNone/>
@@ -3374,13 +4316,573 @@
                 </a:solidFill>
                 <a:latin typeface="Courier"/>
               </a:rPr>
-              <a:t>library</a:t>
-            </a:r>
-            <a:r>
-              <a:rPr>
-                <a:latin typeface="Courier"/>
-              </a:rPr>
-              <a:t>(tidyverse)</a:t>
+              <a:t>ggplot</a:t>
+            </a:r>
+            <a:r>
+              <a:rPr>
+                <a:latin typeface="Courier"/>
+              </a:rPr>
+              <a:t>(combined_rolling </a:t>
+            </a:r>
+            <a:r>
+              <a:rPr>
+                <a:solidFill>
+                  <a:srgbClr val="4070A0"/>
+                </a:solidFill>
+                <a:latin typeface="Courier"/>
+              </a:rPr>
+              <a:t>%&gt;%</a:t>
+            </a:r>
+            <a:r>
+              <a:rPr>
+                <a:latin typeface="Courier"/>
+              </a:rPr>
+              <a:t> </a:t>
+            </a:r>
+            <a:r>
+              <a:rPr>
+                <a:solidFill>
+                  <a:srgbClr val="06287E"/>
+                </a:solidFill>
+                <a:latin typeface="Courier"/>
+              </a:rPr>
+              <a:t>filter</a:t>
+            </a:r>
+            <a:r>
+              <a:rPr>
+                <a:latin typeface="Courier"/>
+              </a:rPr>
+              <a:t>(</a:t>
+            </a:r>
+            <a:r>
+              <a:rPr>
+                <a:solidFill>
+                  <a:srgbClr val="4070A0"/>
+                </a:solidFill>
+                <a:latin typeface="Courier"/>
+              </a:rPr>
+              <a:t>!</a:t>
+            </a:r>
+            <a:r>
+              <a:rPr>
+                <a:solidFill>
+                  <a:srgbClr val="06287E"/>
+                </a:solidFill>
+                <a:latin typeface="Courier"/>
+              </a:rPr>
+              <a:t>is.na</a:t>
+            </a:r>
+            <a:r>
+              <a:rPr>
+                <a:latin typeface="Courier"/>
+              </a:rPr>
+              <a:t>(Volatility_Regime)), </a:t>
+            </a:r>
+            <a:br/>
+            <a:r>
+              <a:rPr>
+                <a:latin typeface="Courier"/>
+              </a:rPr>
+              <a:t>       </a:t>
+            </a:r>
+            <a:r>
+              <a:rPr>
+                <a:solidFill>
+                  <a:srgbClr val="06287E"/>
+                </a:solidFill>
+                <a:latin typeface="Courier"/>
+              </a:rPr>
+              <a:t>aes</a:t>
+            </a:r>
+            <a:r>
+              <a:rPr>
+                <a:latin typeface="Courier"/>
+              </a:rPr>
+              <a:t>(</a:t>
+            </a:r>
+            <a:r>
+              <a:rPr>
+                <a:solidFill>
+                  <a:srgbClr val="7D9029"/>
+                </a:solidFill>
+                <a:latin typeface="Courier"/>
+              </a:rPr>
+              <a:t>x =</a:t>
+            </a:r>
+            <a:r>
+              <a:rPr>
+                <a:latin typeface="Courier"/>
+              </a:rPr>
+              <a:t> rolling_return, </a:t>
+            </a:r>
+            <a:r>
+              <a:rPr>
+                <a:solidFill>
+                  <a:srgbClr val="7D9029"/>
+                </a:solidFill>
+                <a:latin typeface="Courier"/>
+              </a:rPr>
+              <a:t>fill =</a:t>
+            </a:r>
+            <a:r>
+              <a:rPr>
+                <a:latin typeface="Courier"/>
+              </a:rPr>
+              <a:t> Type)) </a:t>
+            </a:r>
+            <a:r>
+              <a:rPr>
+                <a:solidFill>
+                  <a:srgbClr val="4070A0"/>
+                </a:solidFill>
+                <a:latin typeface="Courier"/>
+              </a:rPr>
+              <a:t>+</a:t>
+            </a:r>
+            <a:br/>
+            <a:r>
+              <a:rPr>
+                <a:latin typeface="Courier"/>
+              </a:rPr>
+              <a:t>  </a:t>
+            </a:r>
+            <a:r>
+              <a:rPr>
+                <a:solidFill>
+                  <a:srgbClr val="06287E"/>
+                </a:solidFill>
+                <a:latin typeface="Courier"/>
+              </a:rPr>
+              <a:t>geom_density</a:t>
+            </a:r>
+            <a:r>
+              <a:rPr>
+                <a:latin typeface="Courier"/>
+              </a:rPr>
+              <a:t>(</a:t>
+            </a:r>
+            <a:r>
+              <a:rPr>
+                <a:solidFill>
+                  <a:srgbClr val="7D9029"/>
+                </a:solidFill>
+                <a:latin typeface="Courier"/>
+              </a:rPr>
+              <a:t>alpha =</a:t>
+            </a:r>
+            <a:r>
+              <a:rPr>
+                <a:latin typeface="Courier"/>
+              </a:rPr>
+              <a:t> </a:t>
+            </a:r>
+            <a:r>
+              <a:rPr>
+                <a:solidFill>
+                  <a:srgbClr val="40A070"/>
+                </a:solidFill>
+                <a:latin typeface="Courier"/>
+              </a:rPr>
+              <a:t>0.6</a:t>
+            </a:r>
+            <a:r>
+              <a:rPr>
+                <a:latin typeface="Courier"/>
+              </a:rPr>
+              <a:t>) </a:t>
+            </a:r>
+            <a:r>
+              <a:rPr>
+                <a:solidFill>
+                  <a:srgbClr val="4070A0"/>
+                </a:solidFill>
+                <a:latin typeface="Courier"/>
+              </a:rPr>
+              <a:t>+</a:t>
+            </a:r>
+            <a:br/>
+            <a:r>
+              <a:rPr>
+                <a:latin typeface="Courier"/>
+              </a:rPr>
+              <a:t>  </a:t>
+            </a:r>
+            <a:r>
+              <a:rPr>
+                <a:solidFill>
+                  <a:srgbClr val="06287E"/>
+                </a:solidFill>
+                <a:latin typeface="Courier"/>
+              </a:rPr>
+              <a:t>facet_wrap</a:t>
+            </a:r>
+            <a:r>
+              <a:rPr>
+                <a:latin typeface="Courier"/>
+              </a:rPr>
+              <a:t>(</a:t>
+            </a:r>
+            <a:r>
+              <a:rPr>
+                <a:solidFill>
+                  <a:srgbClr val="4070A0"/>
+                </a:solidFill>
+                <a:latin typeface="Courier"/>
+              </a:rPr>
+              <a:t>~</a:t>
+            </a:r>
+            <a:r>
+              <a:rPr>
+                <a:latin typeface="Courier"/>
+              </a:rPr>
+              <a:t> Volatility_Regime</a:t>
+            </a:r>
+            <a:r>
+              <a:rPr>
+                <a:solidFill>
+                  <a:srgbClr val="4070A0"/>
+                </a:solidFill>
+                <a:latin typeface="Courier"/>
+              </a:rPr>
+              <a:t>+</a:t>
+            </a:r>
+            <a:r>
+              <a:rPr>
+                <a:latin typeface="Courier"/>
+              </a:rPr>
+              <a:t>Period) </a:t>
+            </a:r>
+            <a:r>
+              <a:rPr>
+                <a:solidFill>
+                  <a:srgbClr val="4070A0"/>
+                </a:solidFill>
+                <a:latin typeface="Courier"/>
+              </a:rPr>
+              <a:t>+</a:t>
+            </a:r>
+            <a:br/>
+            <a:r>
+              <a:rPr>
+                <a:latin typeface="Courier"/>
+              </a:rPr>
+              <a:t>  </a:t>
+            </a:r>
+            <a:r>
+              <a:rPr>
+                <a:solidFill>
+                  <a:srgbClr val="06287E"/>
+                </a:solidFill>
+                <a:latin typeface="Courier"/>
+              </a:rPr>
+              <a:t>labs</a:t>
+            </a:r>
+            <a:r>
+              <a:rPr>
+                <a:latin typeface="Courier"/>
+              </a:rPr>
+              <a:t>(</a:t>
+            </a:r>
+            <a:br/>
+            <a:r>
+              <a:rPr>
+                <a:latin typeface="Courier"/>
+              </a:rPr>
+              <a:t>    </a:t>
+            </a:r>
+            <a:r>
+              <a:rPr>
+                <a:solidFill>
+                  <a:srgbClr val="7D9029"/>
+                </a:solidFill>
+                <a:latin typeface="Courier"/>
+              </a:rPr>
+              <a:t>title =</a:t>
+            </a:r>
+            <a:r>
+              <a:rPr>
+                <a:latin typeface="Courier"/>
+              </a:rPr>
+              <a:t> </a:t>
+            </a:r>
+            <a:r>
+              <a:rPr>
+                <a:solidFill>
+                  <a:srgbClr val="4070A0"/>
+                </a:solidFill>
+                <a:latin typeface="Courier"/>
+              </a:rPr>
+              <a:t>"Rolling Returns by Volatility Regime"</a:t>
+            </a:r>
+            <a:r>
+              <a:rPr>
+                <a:latin typeface="Courier"/>
+              </a:rPr>
+              <a:t>,</a:t>
+            </a:r>
+            <a:br/>
+            <a:r>
+              <a:rPr>
+                <a:latin typeface="Courier"/>
+              </a:rPr>
+              <a:t>    </a:t>
+            </a:r>
+            <a:r>
+              <a:rPr>
+                <a:solidFill>
+                  <a:srgbClr val="7D9029"/>
+                </a:solidFill>
+                <a:latin typeface="Courier"/>
+              </a:rPr>
+              <a:t>x =</a:t>
+            </a:r>
+            <a:r>
+              <a:rPr>
+                <a:latin typeface="Courier"/>
+              </a:rPr>
+              <a:t> </a:t>
+            </a:r>
+            <a:r>
+              <a:rPr>
+                <a:solidFill>
+                  <a:srgbClr val="4070A0"/>
+                </a:solidFill>
+                <a:latin typeface="Courier"/>
+              </a:rPr>
+              <a:t>"Rolling Return"</a:t>
+            </a:r>
+            <a:r>
+              <a:rPr>
+                <a:latin typeface="Courier"/>
+              </a:rPr>
+              <a:t>,</a:t>
+            </a:r>
+            <a:br/>
+            <a:r>
+              <a:rPr>
+                <a:latin typeface="Courier"/>
+              </a:rPr>
+              <a:t>    </a:t>
+            </a:r>
+            <a:r>
+              <a:rPr>
+                <a:solidFill>
+                  <a:srgbClr val="7D9029"/>
+                </a:solidFill>
+                <a:latin typeface="Courier"/>
+              </a:rPr>
+              <a:t>y =</a:t>
+            </a:r>
+            <a:r>
+              <a:rPr>
+                <a:latin typeface="Courier"/>
+              </a:rPr>
+              <a:t> </a:t>
+            </a:r>
+            <a:r>
+              <a:rPr>
+                <a:solidFill>
+                  <a:srgbClr val="4070A0"/>
+                </a:solidFill>
+                <a:latin typeface="Courier"/>
+              </a:rPr>
+              <a:t>"Density"</a:t>
+            </a:r>
+            <a:r>
+              <a:rPr>
+                <a:latin typeface="Courier"/>
+              </a:rPr>
+              <a:t>,</a:t>
+            </a:r>
+            <a:br/>
+            <a:r>
+              <a:rPr>
+                <a:latin typeface="Courier"/>
+              </a:rPr>
+              <a:t>    </a:t>
+            </a:r>
+            <a:r>
+              <a:rPr>
+                <a:solidFill>
+                  <a:srgbClr val="7D9029"/>
+                </a:solidFill>
+                <a:latin typeface="Courier"/>
+              </a:rPr>
+              <a:t>fill =</a:t>
+            </a:r>
+            <a:r>
+              <a:rPr>
+                <a:latin typeface="Courier"/>
+              </a:rPr>
+              <a:t> </a:t>
+            </a:r>
+            <a:r>
+              <a:rPr>
+                <a:solidFill>
+                  <a:srgbClr val="4070A0"/>
+                </a:solidFill>
+                <a:latin typeface="Courier"/>
+              </a:rPr>
+              <a:t>"Type"</a:t>
+            </a:r>
+            <a:br/>
+            <a:r>
+              <a:rPr>
+                <a:latin typeface="Courier"/>
+              </a:rPr>
+              <a:t>  ) </a:t>
+            </a:r>
+            <a:r>
+              <a:rPr>
+                <a:solidFill>
+                  <a:srgbClr val="4070A0"/>
+                </a:solidFill>
+                <a:latin typeface="Courier"/>
+              </a:rPr>
+              <a:t>+</a:t>
+            </a:r>
+            <a:br/>
+            <a:r>
+              <a:rPr>
+                <a:latin typeface="Courier"/>
+              </a:rPr>
+              <a:t>  </a:t>
+            </a:r>
+            <a:r>
+              <a:rPr>
+                <a:solidFill>
+                  <a:srgbClr val="06287E"/>
+                </a:solidFill>
+                <a:latin typeface="Courier"/>
+              </a:rPr>
+              <a:t>theme_bw</a:t>
+            </a:r>
+            <a:r>
+              <a:rPr>
+                <a:latin typeface="Courier"/>
+              </a:rPr>
+              <a:t>() </a:t>
+            </a:r>
+            <a:r>
+              <a:rPr>
+                <a:solidFill>
+                  <a:srgbClr val="4070A0"/>
+                </a:solidFill>
+                <a:latin typeface="Courier"/>
+              </a:rPr>
+              <a:t>+</a:t>
+            </a:r>
+            <a:br/>
+            <a:r>
+              <a:rPr>
+                <a:latin typeface="Courier"/>
+              </a:rPr>
+              <a:t>  </a:t>
+            </a:r>
+            <a:r>
+              <a:rPr>
+                <a:solidFill>
+                  <a:srgbClr val="06287E"/>
+                </a:solidFill>
+                <a:latin typeface="Courier"/>
+              </a:rPr>
+              <a:t>theme</a:t>
+            </a:r>
+            <a:r>
+              <a:rPr>
+                <a:latin typeface="Courier"/>
+              </a:rPr>
+              <a:t>(</a:t>
+            </a:r>
+            <a:r>
+              <a:rPr>
+                <a:solidFill>
+                  <a:srgbClr val="7D9029"/>
+                </a:solidFill>
+                <a:latin typeface="Courier"/>
+              </a:rPr>
+              <a:t>plot.title =</a:t>
+            </a:r>
+            <a:r>
+              <a:rPr>
+                <a:latin typeface="Courier"/>
+              </a:rPr>
+              <a:t> </a:t>
+            </a:r>
+            <a:r>
+              <a:rPr>
+                <a:solidFill>
+                  <a:srgbClr val="06287E"/>
+                </a:solidFill>
+                <a:latin typeface="Courier"/>
+              </a:rPr>
+              <a:t>element_text</a:t>
+            </a:r>
+            <a:r>
+              <a:rPr>
+                <a:latin typeface="Courier"/>
+              </a:rPr>
+              <a:t>(</a:t>
+            </a:r>
+            <a:r>
+              <a:rPr>
+                <a:solidFill>
+                  <a:srgbClr val="7D9029"/>
+                </a:solidFill>
+                <a:latin typeface="Courier"/>
+              </a:rPr>
+              <a:t>hjust =</a:t>
+            </a:r>
+            <a:r>
+              <a:rPr>
+                <a:latin typeface="Courier"/>
+              </a:rPr>
+              <a:t> </a:t>
+            </a:r>
+            <a:r>
+              <a:rPr>
+                <a:solidFill>
+                  <a:srgbClr val="40A070"/>
+                </a:solidFill>
+                <a:latin typeface="Courier"/>
+              </a:rPr>
+              <a:t>0.5</a:t>
+            </a:r>
+            <a:r>
+              <a:rPr>
+                <a:latin typeface="Courier"/>
+              </a:rPr>
+              <a:t>), </a:t>
+            </a:r>
+            <a:r>
+              <a:rPr>
+                <a:solidFill>
+                  <a:srgbClr val="7D9029"/>
+                </a:solidFill>
+                <a:latin typeface="Courier"/>
+              </a:rPr>
+              <a:t>legend.position =</a:t>
+            </a:r>
+            <a:r>
+              <a:rPr>
+                <a:latin typeface="Courier"/>
+              </a:rPr>
+              <a:t> </a:t>
+            </a:r>
+            <a:r>
+              <a:rPr>
+                <a:solidFill>
+                  <a:srgbClr val="4070A0"/>
+                </a:solidFill>
+                <a:latin typeface="Courier"/>
+              </a:rPr>
+              <a:t>"bottom"</a:t>
+            </a:r>
+            <a:r>
+              <a:rPr>
+                <a:latin typeface="Courier"/>
+              </a:rPr>
+              <a:t>)</a:t>
             </a:r>
           </a:p>
           <a:p>
@@ -3391,214 +4893,42 @@
               <a:rPr>
                 <a:latin typeface="Courier"/>
               </a:rPr>
-              <a:t>## ── Attaching core tidyverse packages ──────────────────────── tidyverse 2.0.0 ──
-## ✔ dplyr     1.1.4     ✔ readr     2.1.5
-## ✔ forcats   1.0.0     ✔ stringr   1.5.1
-## ✔ ggplot2   3.5.1     ✔ tibble    3.2.1
-## ✔ lubridate 1.9.3     ✔ tidyr     1.3.1
-## ✔ purrr     1.0.2     
-## ── Conflicts ────────────────────────────────────────── tidyverse_conflicts() ──
-## ✖ dplyr::filter() masks stats::filter()
-## ✖ dplyr::lag()    masks stats::lag()
-## ℹ Use the conflicted package (&lt;http://conflicted.r-lib.org/&gt;) to force all conflicts to become errors</a:t>
-            </a:r>
-          </a:p>
-          <a:p>
-            <a:pPr lvl="0" indent="0">
-              <a:buNone/>
-            </a:pPr>
-            <a:r>
-              <a:rPr>
-                <a:solidFill>
-                  <a:srgbClr val="06287E"/>
-                </a:solidFill>
-                <a:latin typeface="Courier"/>
-              </a:rPr>
-              <a:t>list.files</a:t>
-            </a:r>
-            <a:r>
-              <a:rPr>
-                <a:latin typeface="Courier"/>
-              </a:rPr>
-              <a:t>(</a:t>
-            </a:r>
-            <a:r>
-              <a:rPr>
-                <a:solidFill>
-                  <a:srgbClr val="4070A0"/>
-                </a:solidFill>
-                <a:latin typeface="Courier"/>
-              </a:rPr>
-              <a:t>'code/'</a:t>
-            </a:r>
-            <a:r>
-              <a:rPr>
-                <a:latin typeface="Courier"/>
-              </a:rPr>
-              <a:t>, </a:t>
-            </a:r>
-            <a:r>
-              <a:rPr>
-                <a:solidFill>
-                  <a:srgbClr val="7D9029"/>
-                </a:solidFill>
-                <a:latin typeface="Courier"/>
-              </a:rPr>
-              <a:t>full.names =</a:t>
-            </a:r>
-            <a:r>
-              <a:rPr>
-                <a:latin typeface="Courier"/>
-              </a:rPr>
-              <a:t> T, </a:t>
-            </a:r>
-            <a:r>
-              <a:rPr>
-                <a:solidFill>
-                  <a:srgbClr val="7D9029"/>
-                </a:solidFill>
-                <a:latin typeface="Courier"/>
-              </a:rPr>
-              <a:t>recursive =</a:t>
-            </a:r>
-            <a:r>
-              <a:rPr>
-                <a:latin typeface="Courier"/>
-              </a:rPr>
-              <a:t> T) </a:t>
-            </a:r>
-            <a:r>
-              <a:rPr>
-                <a:solidFill>
-                  <a:srgbClr val="4070A0"/>
-                </a:solidFill>
-                <a:latin typeface="Courier"/>
-              </a:rPr>
-              <a:t>%&gt;%</a:t>
-            </a:r>
-            <a:r>
-              <a:rPr>
-                <a:latin typeface="Courier"/>
-              </a:rPr>
-              <a:t> .[</a:t>
-            </a:r>
-            <a:r>
-              <a:rPr>
-                <a:solidFill>
-                  <a:srgbClr val="06287E"/>
-                </a:solidFill>
-                <a:latin typeface="Courier"/>
-              </a:rPr>
-              <a:t>grepl</a:t>
-            </a:r>
-            <a:r>
-              <a:rPr>
-                <a:latin typeface="Courier"/>
-              </a:rPr>
-              <a:t>(</a:t>
-            </a:r>
-            <a:r>
-              <a:rPr>
-                <a:solidFill>
-                  <a:srgbClr val="4070A0"/>
-                </a:solidFill>
-                <a:latin typeface="Courier"/>
-              </a:rPr>
-              <a:t>'.R'</a:t>
-            </a:r>
-            <a:r>
-              <a:rPr>
-                <a:latin typeface="Courier"/>
-              </a:rPr>
-              <a:t>, .)] </a:t>
-            </a:r>
-            <a:r>
-              <a:rPr>
-                <a:solidFill>
-                  <a:srgbClr val="4070A0"/>
-                </a:solidFill>
-                <a:latin typeface="Courier"/>
-              </a:rPr>
-              <a:t>%&gt;%</a:t>
-            </a:r>
-            <a:r>
-              <a:rPr>
-                <a:latin typeface="Courier"/>
-              </a:rPr>
-              <a:t> </a:t>
-            </a:r>
-            <a:r>
-              <a:rPr>
-                <a:solidFill>
-                  <a:srgbClr val="06287E"/>
-                </a:solidFill>
-                <a:latin typeface="Courier"/>
-              </a:rPr>
-              <a:t>as.list</a:t>
-            </a:r>
-            <a:r>
-              <a:rPr>
-                <a:latin typeface="Courier"/>
-              </a:rPr>
-              <a:t>() </a:t>
-            </a:r>
-            <a:r>
-              <a:rPr>
-                <a:solidFill>
-                  <a:srgbClr val="4070A0"/>
-                </a:solidFill>
-                <a:latin typeface="Courier"/>
-              </a:rPr>
-              <a:t>%&gt;%</a:t>
-            </a:r>
-            <a:r>
-              <a:rPr>
-                <a:latin typeface="Courier"/>
-              </a:rPr>
-              <a:t> </a:t>
-            </a:r>
-            <a:r>
-              <a:rPr>
-                <a:solidFill>
-                  <a:srgbClr val="06287E"/>
-                </a:solidFill>
-                <a:latin typeface="Courier"/>
-              </a:rPr>
-              <a:t>walk</a:t>
-            </a:r>
-            <a:r>
-              <a:rPr>
-                <a:latin typeface="Courier"/>
-              </a:rPr>
-              <a:t>(</a:t>
-            </a:r>
-            <a:r>
-              <a:rPr>
-                <a:solidFill>
-                  <a:srgbClr val="4070A0"/>
-                </a:solidFill>
-                <a:latin typeface="Courier"/>
-              </a:rPr>
-              <a:t>~</a:t>
-            </a:r>
-            <a:r>
-              <a:rPr>
-                <a:solidFill>
-                  <a:srgbClr val="06287E"/>
-                </a:solidFill>
-                <a:latin typeface="Courier"/>
-              </a:rPr>
-              <a:t>source</a:t>
-            </a:r>
-            <a:r>
-              <a:rPr>
-                <a:latin typeface="Courier"/>
-              </a:rPr>
-              <a:t>(.))</a:t>
-            </a:r>
-          </a:p>
-        </p:txBody>
-      </p:sp>
+              <a:t>## Warning: Removed 54 rows containing non-finite outside the scale range
+## (`stat_density()`).</a:t>
+            </a:r>
+          </a:p>
+        </p:txBody>
+      </p:sp>
+      <p:pic>
+        <p:nvPicPr>
+          <p:cNvPr descr="README_files/figure-pptx/unnamed-chunk-3-1.png" id="0" name="Picture 1"/>
+          <p:cNvPicPr>
+            <a:picLocks noGrp="1" noChangeAspect="1"/>
+          </p:cNvPicPr>
+          <p:nvPr/>
+        </p:nvPicPr>
+        <p:blipFill>
+          <a:blip r:embed="rId2"/>
+          <a:stretch>
+            <a:fillRect/>
+          </a:stretch>
+        </p:blipFill>
+        <p:spPr bwMode="auto">
+          <a:xfrm>
+            <a:off x="3568700" y="355600"/>
+            <a:ext cx="5105400" cy="4089400"/>
+          </a:xfrm>
+          <a:prstGeom prst="rect">
+            <a:avLst/>
+          </a:prstGeom>
+          <a:noFill/>
+          <a:ln w="9525">
+            <a:noFill/>
+            <a:headEnd/>
+            <a:tailEnd/>
+          </a:ln>
+        </p:spPr>
+      </p:pic>
     </p:spTree>
   </p:cSld>
 </p:sld>

--- a/Questions/Question 1/README.pptx
+++ b/Questions/Question 1/README.pptx
@@ -9,6 +9,8 @@
     <p:sldId id="257" r:id="rId3"/>
     <p:sldId id="258" r:id="rId4"/>
     <p:sldId id="259" r:id="rId5"/>
+    <p:sldId id="260" r:id="rId6"/>
+    <p:sldId id="261" r:id="rId7"/>
   </p:sldIdLst>
   <p:sldSz cx="9144000" cy="5143500" type="screen16x9"/>
   <p:notesSz cx="6858000" cy="9144000"/>
@@ -3175,7 +3177,7 @@
             </a:pPr>
             <a:r>
               <a:rPr/>
-              <a:t>2024-11-25</a:t>
+              <a:t>2024-11-27</a:t>
             </a:r>
           </a:p>
         </p:txBody>
@@ -3279,18 +3281,757 @@
             </a:pPr>
             <a:r>
               <a:rPr>
+                <a:latin typeface="Courier"/>
+              </a:rPr>
+              <a:t>get_median_manager_data </a:t>
+            </a:r>
+            <a:r>
+              <a:rPr>
+                <a:solidFill>
+                  <a:srgbClr val="007020"/>
+                </a:solidFill>
+                <a:latin typeface="Courier"/>
+              </a:rPr>
+              <a:t>&lt;-</a:t>
+            </a:r>
+            <a:r>
+              <a:rPr>
+                <a:latin typeface="Courier"/>
+              </a:rPr>
+              <a:t> </a:t>
+            </a:r>
+            <a:r>
+              <a:rPr b="1">
+                <a:solidFill>
+                  <a:srgbClr val="007020"/>
+                </a:solidFill>
+                <a:latin typeface="Courier"/>
+              </a:rPr>
+              <a:t>function</a:t>
+            </a:r>
+            <a:r>
+              <a:rPr>
+                <a:latin typeface="Courier"/>
+              </a:rPr>
+              <a:t>(data, start_date, end_date) {</a:t>
+            </a:r>
+            <a:br/>
+            <a:r>
+              <a:rPr>
+                <a:latin typeface="Courier"/>
+              </a:rPr>
+              <a:t>    median_manager </a:t>
+            </a:r>
+            <a:r>
+              <a:rPr>
+                <a:solidFill>
+                  <a:srgbClr val="007020"/>
+                </a:solidFill>
+                <a:latin typeface="Courier"/>
+              </a:rPr>
+              <a:t>&lt;-</a:t>
+            </a:r>
+            <a:r>
+              <a:rPr>
+                <a:latin typeface="Courier"/>
+              </a:rPr>
+              <a:t> </a:t>
+            </a:r>
+            <a:r>
+              <a:rPr>
                 <a:solidFill>
                   <a:srgbClr val="06287E"/>
                 </a:solidFill>
                 <a:latin typeface="Courier"/>
               </a:rPr>
+              <a:t>filter_active_managers</a:t>
+            </a:r>
+            <a:r>
+              <a:rPr>
+                <a:latin typeface="Courier"/>
+              </a:rPr>
+              <a:t>(data, start_date, end_date) </a:t>
+            </a:r>
+            <a:r>
+              <a:rPr>
+                <a:solidFill>
+                  <a:srgbClr val="4070A0"/>
+                </a:solidFill>
+                <a:latin typeface="Courier"/>
+              </a:rPr>
+              <a:t>%&gt;%</a:t>
+            </a:r>
+            <a:br/>
+            <a:r>
+              <a:rPr>
+                <a:latin typeface="Courier"/>
+              </a:rPr>
+              <a:t>        </a:t>
+            </a:r>
+            <a:r>
+              <a:rPr>
+                <a:solidFill>
+                  <a:srgbClr val="06287E"/>
+                </a:solidFill>
+                <a:latin typeface="Courier"/>
+              </a:rPr>
+              <a:t>identify_median_manager</a:t>
+            </a:r>
+            <a:r>
+              <a:rPr>
+                <a:latin typeface="Courier"/>
+              </a:rPr>
+              <a:t>()</a:t>
+            </a:r>
+            <a:br/>
+            <a:r>
+              <a:rPr>
+                <a:latin typeface="Courier"/>
+              </a:rPr>
+              <a:t>    </a:t>
+            </a:r>
+            <a:br/>
+            <a:r>
+              <a:rPr>
+                <a:latin typeface="Courier"/>
+              </a:rPr>
+              <a:t>    data </a:t>
+            </a:r>
+            <a:r>
+              <a:rPr>
+                <a:solidFill>
+                  <a:srgbClr val="4070A0"/>
+                </a:solidFill>
+                <a:latin typeface="Courier"/>
+              </a:rPr>
+              <a:t>%&gt;%</a:t>
+            </a:r>
+            <a:br/>
+            <a:r>
+              <a:rPr>
+                <a:latin typeface="Courier"/>
+              </a:rPr>
+              <a:t>        </a:t>
+            </a:r>
+            <a:r>
+              <a:rPr>
+                <a:solidFill>
+                  <a:srgbClr val="06287E"/>
+                </a:solidFill>
+                <a:latin typeface="Courier"/>
+              </a:rPr>
+              <a:t>filter</a:t>
+            </a:r>
+            <a:r>
+              <a:rPr>
+                <a:latin typeface="Courier"/>
+              </a:rPr>
+              <a:t>(Fund </a:t>
+            </a:r>
+            <a:r>
+              <a:rPr>
+                <a:solidFill>
+                  <a:srgbClr val="4070A0"/>
+                </a:solidFill>
+                <a:latin typeface="Courier"/>
+              </a:rPr>
+              <a:t>==</a:t>
+            </a:r>
+            <a:r>
+              <a:rPr>
+                <a:latin typeface="Courier"/>
+              </a:rPr>
+              <a:t> median_manager)</a:t>
+            </a:r>
+            <a:br/>
+            <a:r>
+              <a:rPr>
+                <a:latin typeface="Courier"/>
+              </a:rPr>
+              <a:t>}</a:t>
+            </a:r>
+            <a:br/>
+            <a:br/>
+            <a:br/>
+            <a:br/>
+            <a:r>
+              <a:rPr>
+                <a:latin typeface="Courier"/>
+              </a:rPr>
+              <a:t>get_fee_adjusted_returns </a:t>
+            </a:r>
+            <a:r>
+              <a:rPr>
+                <a:solidFill>
+                  <a:srgbClr val="007020"/>
+                </a:solidFill>
+                <a:latin typeface="Courier"/>
+              </a:rPr>
+              <a:t>&lt;-</a:t>
+            </a:r>
+            <a:r>
+              <a:rPr>
+                <a:latin typeface="Courier"/>
+              </a:rPr>
+              <a:t> </a:t>
+            </a:r>
+            <a:r>
+              <a:rPr b="1">
+                <a:solidFill>
+                  <a:srgbClr val="007020"/>
+                </a:solidFill>
+                <a:latin typeface="Courier"/>
+              </a:rPr>
+              <a:t>function</a:t>
+            </a:r>
+            <a:r>
+              <a:rPr>
+                <a:latin typeface="Courier"/>
+              </a:rPr>
+              <a:t>(data, returns_column, fee_levels) {</a:t>
+            </a:r>
+            <a:br/>
+            <a:r>
+              <a:rPr>
+                <a:latin typeface="Courier"/>
+              </a:rPr>
+              <a:t>    </a:t>
+            </a:r>
+            <a:r>
+              <a:rPr>
+                <a:solidFill>
+                  <a:srgbClr val="06287E"/>
+                </a:solidFill>
+                <a:latin typeface="Courier"/>
+              </a:rPr>
+              <a:t>calculate_fee_adjusted_returns</a:t>
+            </a:r>
+            <a:r>
+              <a:rPr>
+                <a:latin typeface="Courier"/>
+              </a:rPr>
+              <a:t>(data, returns_column, fee_levels) </a:t>
+            </a:r>
+            <a:r>
+              <a:rPr>
+                <a:solidFill>
+                  <a:srgbClr val="4070A0"/>
+                </a:solidFill>
+                <a:latin typeface="Courier"/>
+              </a:rPr>
+              <a:t>%&gt;%</a:t>
+            </a:r>
+            <a:br/>
+            <a:r>
+              <a:rPr>
+                <a:latin typeface="Courier"/>
+              </a:rPr>
+              <a:t>        </a:t>
+            </a:r>
+            <a:r>
+              <a:rPr>
+                <a:solidFill>
+                  <a:srgbClr val="06287E"/>
+                </a:solidFill>
+                <a:latin typeface="Courier"/>
+              </a:rPr>
+              <a:t>select</a:t>
+            </a:r>
+            <a:r>
+              <a:rPr>
+                <a:latin typeface="Courier"/>
+              </a:rPr>
+              <a:t>(date, Type, Rets) </a:t>
+            </a:r>
+            <a:r>
+              <a:rPr>
+                <a:solidFill>
+                  <a:srgbClr val="4070A0"/>
+                </a:solidFill>
+                <a:latin typeface="Courier"/>
+              </a:rPr>
+              <a:t>%&gt;%</a:t>
+            </a:r>
+            <a:br/>
+            <a:r>
+              <a:rPr>
+                <a:latin typeface="Courier"/>
+              </a:rPr>
+              <a:t>        </a:t>
+            </a:r>
+            <a:r>
+              <a:rPr>
+                <a:solidFill>
+                  <a:srgbClr val="06287E"/>
+                </a:solidFill>
+                <a:latin typeface="Courier"/>
+              </a:rPr>
+              <a:t>mutate</a:t>
+            </a:r>
+            <a:r>
+              <a:rPr>
+                <a:latin typeface="Courier"/>
+              </a:rPr>
+              <a:t>(</a:t>
+            </a:r>
+            <a:r>
+              <a:rPr>
+                <a:solidFill>
+                  <a:srgbClr val="7D9029"/>
+                </a:solidFill>
+                <a:latin typeface="Courier"/>
+              </a:rPr>
+              <a:t>Type =</a:t>
+            </a:r>
+            <a:r>
+              <a:rPr>
+                <a:latin typeface="Courier"/>
+              </a:rPr>
+              <a:t> </a:t>
+            </a:r>
+            <a:r>
+              <a:rPr>
+                <a:solidFill>
+                  <a:srgbClr val="06287E"/>
+                </a:solidFill>
+                <a:latin typeface="Courier"/>
+              </a:rPr>
+              <a:t>paste0</a:t>
+            </a:r>
+            <a:r>
+              <a:rPr>
+                <a:latin typeface="Courier"/>
+              </a:rPr>
+              <a:t>(</a:t>
+            </a:r>
+            <a:r>
+              <a:rPr>
+                <a:solidFill>
+                  <a:srgbClr val="4070A0"/>
+                </a:solidFill>
+                <a:latin typeface="Courier"/>
+              </a:rPr>
+              <a:t>"Median Manager "</a:t>
+            </a:r>
+            <a:r>
+              <a:rPr>
+                <a:latin typeface="Courier"/>
+              </a:rPr>
+              <a:t>, Type))</a:t>
+            </a:r>
+            <a:br/>
+            <a:r>
+              <a:rPr>
+                <a:latin typeface="Courier"/>
+              </a:rPr>
+              <a:t>}</a:t>
+            </a:r>
+            <a:br/>
+            <a:br/>
+            <a:br/>
+            <a:r>
+              <a:rPr>
+                <a:latin typeface="Courier"/>
+              </a:rPr>
+              <a:t>calculate_rolling_returns_by_type </a:t>
+            </a:r>
+            <a:r>
+              <a:rPr>
+                <a:solidFill>
+                  <a:srgbClr val="007020"/>
+                </a:solidFill>
+                <a:latin typeface="Courier"/>
+              </a:rPr>
+              <a:t>&lt;-</a:t>
+            </a:r>
+            <a:r>
+              <a:rPr>
+                <a:latin typeface="Courier"/>
+              </a:rPr>
+              <a:t> </a:t>
+            </a:r>
+            <a:r>
+              <a:rPr b="1">
+                <a:solidFill>
+                  <a:srgbClr val="007020"/>
+                </a:solidFill>
+                <a:latin typeface="Courier"/>
+              </a:rPr>
+              <a:t>function</a:t>
+            </a:r>
+            <a:r>
+              <a:rPr>
+                <a:latin typeface="Courier"/>
+              </a:rPr>
+              <a:t>(data, rolling_windows) {</a:t>
+            </a:r>
+            <a:br/>
+            <a:r>
+              <a:rPr>
+                <a:latin typeface="Courier"/>
+              </a:rPr>
+              <a:t>    </a:t>
+            </a:r>
+            <a:r>
+              <a:rPr>
+                <a:solidFill>
+                  <a:srgbClr val="06287E"/>
+                </a:solidFill>
+                <a:latin typeface="Courier"/>
+              </a:rPr>
+              <a:t>calculate_all_rolling_returns_for_fees</a:t>
+            </a:r>
+            <a:r>
+              <a:rPr>
+                <a:latin typeface="Courier"/>
+              </a:rPr>
+              <a:t>(data, rolling_windows)</a:t>
+            </a:r>
+            <a:br/>
+            <a:r>
+              <a:rPr>
+                <a:latin typeface="Courier"/>
+              </a:rPr>
+              <a:t>}</a:t>
+            </a:r>
+            <a:br/>
+            <a:br/>
+            <a:br/>
+            <a:r>
+              <a:rPr>
+                <a:latin typeface="Courier"/>
+              </a:rPr>
+              <a:t>combine_rolling_returns </a:t>
+            </a:r>
+            <a:r>
+              <a:rPr>
+                <a:solidFill>
+                  <a:srgbClr val="007020"/>
+                </a:solidFill>
+                <a:latin typeface="Courier"/>
+              </a:rPr>
+              <a:t>&lt;-</a:t>
+            </a:r>
+            <a:r>
+              <a:rPr>
+                <a:latin typeface="Courier"/>
+              </a:rPr>
+              <a:t> </a:t>
+            </a:r>
+            <a:r>
+              <a:rPr b="1">
+                <a:solidFill>
+                  <a:srgbClr val="007020"/>
+                </a:solidFill>
+                <a:latin typeface="Courier"/>
+              </a:rPr>
+              <a:t>function</a:t>
+            </a:r>
+            <a:r>
+              <a:rPr>
+                <a:latin typeface="Courier"/>
+              </a:rPr>
+              <a:t>(ai_data, bm_data, fee_data, rolling_windows) {</a:t>
+            </a:r>
+            <a:br/>
+            <a:r>
+              <a:rPr>
+                <a:latin typeface="Courier"/>
+              </a:rPr>
+              <a:t>    ai_rolling </a:t>
+            </a:r>
+            <a:r>
+              <a:rPr>
+                <a:solidFill>
+                  <a:srgbClr val="007020"/>
+                </a:solidFill>
+                <a:latin typeface="Courier"/>
+              </a:rPr>
+              <a:t>&lt;-</a:t>
+            </a:r>
+            <a:r>
+              <a:rPr>
+                <a:latin typeface="Courier"/>
+              </a:rPr>
+              <a:t> </a:t>
+            </a:r>
+            <a:r>
+              <a:rPr>
+                <a:solidFill>
+                  <a:srgbClr val="06287E"/>
+                </a:solidFill>
+                <a:latin typeface="Courier"/>
+              </a:rPr>
+              <a:t>calculate_all_rolling_returns</a:t>
+            </a:r>
+            <a:r>
+              <a:rPr>
+                <a:latin typeface="Courier"/>
+              </a:rPr>
+              <a:t>(ai_data</a:t>
+            </a:r>
+            <a:r>
+              <a:rPr>
+                <a:solidFill>
+                  <a:srgbClr val="4070A0"/>
+                </a:solidFill>
+                <a:latin typeface="Courier"/>
+              </a:rPr>
+              <a:t>$</a:t>
+            </a:r>
+            <a:r>
+              <a:rPr>
+                <a:latin typeface="Courier"/>
+              </a:rPr>
+              <a:t>AI_Fund, ai_data</a:t>
+            </a:r>
+            <a:r>
+              <a:rPr>
+                <a:solidFill>
+                  <a:srgbClr val="4070A0"/>
+                </a:solidFill>
+                <a:latin typeface="Courier"/>
+              </a:rPr>
+              <a:t>$</a:t>
+            </a:r>
+            <a:r>
+              <a:rPr>
+                <a:latin typeface="Courier"/>
+              </a:rPr>
+              <a:t>date, rolling_windows, </a:t>
+            </a:r>
+            <a:r>
+              <a:rPr>
+                <a:solidFill>
+                  <a:srgbClr val="4070A0"/>
+                </a:solidFill>
+                <a:latin typeface="Courier"/>
+              </a:rPr>
+              <a:t>"AI_Fund"</a:t>
+            </a:r>
+            <a:r>
+              <a:rPr>
+                <a:latin typeface="Courier"/>
+              </a:rPr>
+              <a:t>)</a:t>
+            </a:r>
+            <a:br/>
+            <a:r>
+              <a:rPr>
+                <a:latin typeface="Courier"/>
+              </a:rPr>
+              <a:t>    bm_rolling </a:t>
+            </a:r>
+            <a:r>
+              <a:rPr>
+                <a:solidFill>
+                  <a:srgbClr val="007020"/>
+                </a:solidFill>
+                <a:latin typeface="Courier"/>
+              </a:rPr>
+              <a:t>&lt;-</a:t>
+            </a:r>
+            <a:r>
+              <a:rPr>
+                <a:latin typeface="Courier"/>
+              </a:rPr>
+              <a:t> </a:t>
+            </a:r>
+            <a:r>
+              <a:rPr>
+                <a:solidFill>
+                  <a:srgbClr val="06287E"/>
+                </a:solidFill>
+                <a:latin typeface="Courier"/>
+              </a:rPr>
+              <a:t>calculate_all_rolling_returns</a:t>
+            </a:r>
+            <a:r>
+              <a:rPr>
+                <a:latin typeface="Courier"/>
+              </a:rPr>
+              <a:t>(bm_data</a:t>
+            </a:r>
+            <a:r>
+              <a:rPr>
+                <a:solidFill>
+                  <a:srgbClr val="4070A0"/>
+                </a:solidFill>
+                <a:latin typeface="Courier"/>
+              </a:rPr>
+              <a:t>$</a:t>
+            </a:r>
+            <a:r>
+              <a:rPr>
+                <a:latin typeface="Courier"/>
+              </a:rPr>
+              <a:t>Returns, bm_data</a:t>
+            </a:r>
+            <a:r>
+              <a:rPr>
+                <a:solidFill>
+                  <a:srgbClr val="4070A0"/>
+                </a:solidFill>
+                <a:latin typeface="Courier"/>
+              </a:rPr>
+              <a:t>$</a:t>
+            </a:r>
+            <a:r>
+              <a:rPr>
+                <a:latin typeface="Courier"/>
+              </a:rPr>
+              <a:t>date, rolling_windows, </a:t>
+            </a:r>
+            <a:r>
+              <a:rPr>
+                <a:solidFill>
+                  <a:srgbClr val="4070A0"/>
+                </a:solidFill>
+                <a:latin typeface="Courier"/>
+              </a:rPr>
+              <a:t>"Benchmark"</a:t>
+            </a:r>
+            <a:r>
+              <a:rPr>
+                <a:latin typeface="Courier"/>
+              </a:rPr>
+              <a:t>)</a:t>
+            </a:r>
+            <a:br/>
+            <a:r>
+              <a:rPr>
+                <a:latin typeface="Courier"/>
+              </a:rPr>
+              <a:t>    fee_rolling </a:t>
+            </a:r>
+            <a:r>
+              <a:rPr>
+                <a:solidFill>
+                  <a:srgbClr val="007020"/>
+                </a:solidFill>
+                <a:latin typeface="Courier"/>
+              </a:rPr>
+              <a:t>&lt;-</a:t>
+            </a:r>
+            <a:r>
+              <a:rPr>
+                <a:latin typeface="Courier"/>
+              </a:rPr>
+              <a:t> </a:t>
+            </a:r>
+            <a:r>
+              <a:rPr>
+                <a:solidFill>
+                  <a:srgbClr val="06287E"/>
+                </a:solidFill>
+                <a:latin typeface="Courier"/>
+              </a:rPr>
+              <a:t>calculate_rolling_returns_by_type</a:t>
+            </a:r>
+            <a:r>
+              <a:rPr>
+                <a:latin typeface="Courier"/>
+              </a:rPr>
+              <a:t>(fee_data, rolling_windows)</a:t>
+            </a:r>
+            <a:br/>
+            <a:r>
+              <a:rPr>
+                <a:latin typeface="Courier"/>
+              </a:rPr>
+              <a:t>    </a:t>
+            </a:r>
+            <a:br/>
+            <a:r>
+              <a:rPr>
+                <a:latin typeface="Courier"/>
+              </a:rPr>
+              <a:t>    </a:t>
+            </a:r>
+            <a:r>
+              <a:rPr>
+                <a:solidFill>
+                  <a:srgbClr val="06287E"/>
+                </a:solidFill>
+                <a:latin typeface="Courier"/>
+              </a:rPr>
+              <a:t>bind_rows</a:t>
+            </a:r>
+            <a:r>
+              <a:rPr>
+                <a:latin typeface="Courier"/>
+              </a:rPr>
+              <a:t>(ai_rolling, bm_rolling, fee_rolling)</a:t>
+            </a:r>
+            <a:br/>
+            <a:r>
+              <a:rPr>
+                <a:latin typeface="Courier"/>
+              </a:rPr>
+              <a:t>}</a:t>
+            </a:r>
+          </a:p>
+          <a:p>
+            <a:pPr lvl="0" indent="0">
+              <a:buNone/>
+            </a:pPr>
+            <a:r>
+              <a:rPr>
+                <a:latin typeface="Courier"/>
+              </a:rPr>
+              <a:t>plot_rolling_returns </a:t>
+            </a:r>
+            <a:r>
+              <a:rPr>
+                <a:solidFill>
+                  <a:srgbClr val="007020"/>
+                </a:solidFill>
+                <a:latin typeface="Courier"/>
+              </a:rPr>
+              <a:t>&lt;-</a:t>
+            </a:r>
+            <a:r>
+              <a:rPr>
+                <a:latin typeface="Courier"/>
+              </a:rPr>
+              <a:t> </a:t>
+            </a:r>
+            <a:r>
+              <a:rPr b="1">
+                <a:solidFill>
+                  <a:srgbClr val="007020"/>
+                </a:solidFill>
+                <a:latin typeface="Courier"/>
+              </a:rPr>
+              <a:t>function</a:t>
+            </a:r>
+            <a:r>
+              <a:rPr>
+                <a:latin typeface="Courier"/>
+              </a:rPr>
+              <a:t>(data) {</a:t>
+            </a:r>
+            <a:br/>
+            <a:r>
+              <a:rPr>
+                <a:latin typeface="Courier"/>
+              </a:rPr>
+              <a:t>    </a:t>
+            </a:r>
+            <a:r>
+              <a:rPr>
+                <a:solidFill>
+                  <a:srgbClr val="06287E"/>
+                </a:solidFill>
+                <a:latin typeface="Courier"/>
+              </a:rPr>
               <a:t>ggplot</a:t>
             </a:r>
             <a:r>
               <a:rPr>
                 <a:latin typeface="Courier"/>
               </a:rPr>
-              <a:t>(combined_rolling </a:t>
+              <a:t>(data </a:t>
             </a:r>
             <a:r>
               <a:rPr>
@@ -3374,6 +4115,21 @@
               <a:rPr>
                 <a:latin typeface="Courier"/>
               </a:rPr>
+              <a:t> date, </a:t>
+            </a:r>
+            <a:r>
+              <a:rPr>
+                <a:solidFill>
+                  <a:srgbClr val="7D9029"/>
+                </a:solidFill>
+                <a:latin typeface="Courier"/>
+              </a:rPr>
+              <a:t>y =</a:t>
+            </a:r>
+            <a:r>
+              <a:rPr>
+                <a:latin typeface="Courier"/>
+              </a:rPr>
               <a:t> rolling_return, </a:t>
             </a:r>
             <a:r>
@@ -3383,6 +4139,728 @@
                 </a:solidFill>
                 <a:latin typeface="Courier"/>
               </a:rPr>
+              <a:t>color =</a:t>
+            </a:r>
+            <a:r>
+              <a:rPr>
+                <a:latin typeface="Courier"/>
+              </a:rPr>
+              <a:t> Type)) </a:t>
+            </a:r>
+            <a:r>
+              <a:rPr>
+                <a:solidFill>
+                  <a:srgbClr val="4070A0"/>
+                </a:solidFill>
+                <a:latin typeface="Courier"/>
+              </a:rPr>
+              <a:t>+</a:t>
+            </a:r>
+            <a:br/>
+            <a:r>
+              <a:rPr>
+                <a:latin typeface="Courier"/>
+              </a:rPr>
+              <a:t>        </a:t>
+            </a:r>
+            <a:r>
+              <a:rPr>
+                <a:solidFill>
+                  <a:srgbClr val="06287E"/>
+                </a:solidFill>
+                <a:latin typeface="Courier"/>
+              </a:rPr>
+              <a:t>geom_line</a:t>
+            </a:r>
+            <a:r>
+              <a:rPr>
+                <a:latin typeface="Courier"/>
+              </a:rPr>
+              <a:t>(</a:t>
+            </a:r>
+            <a:r>
+              <a:rPr>
+                <a:solidFill>
+                  <a:srgbClr val="7D9029"/>
+                </a:solidFill>
+                <a:latin typeface="Courier"/>
+              </a:rPr>
+              <a:t>linewidth =</a:t>
+            </a:r>
+            <a:r>
+              <a:rPr>
+                <a:latin typeface="Courier"/>
+              </a:rPr>
+              <a:t> </a:t>
+            </a:r>
+            <a:r>
+              <a:rPr>
+                <a:solidFill>
+                  <a:srgbClr val="40A070"/>
+                </a:solidFill>
+                <a:latin typeface="Courier"/>
+              </a:rPr>
+              <a:t>1</a:t>
+            </a:r>
+            <a:r>
+              <a:rPr>
+                <a:latin typeface="Courier"/>
+              </a:rPr>
+              <a:t>, </a:t>
+            </a:r>
+            <a:r>
+              <a:rPr>
+                <a:solidFill>
+                  <a:srgbClr val="7D9029"/>
+                </a:solidFill>
+                <a:latin typeface="Courier"/>
+              </a:rPr>
+              <a:t>alpha =</a:t>
+            </a:r>
+            <a:r>
+              <a:rPr>
+                <a:latin typeface="Courier"/>
+              </a:rPr>
+              <a:t> </a:t>
+            </a:r>
+            <a:r>
+              <a:rPr>
+                <a:solidFill>
+                  <a:srgbClr val="40A070"/>
+                </a:solidFill>
+                <a:latin typeface="Courier"/>
+              </a:rPr>
+              <a:t>0.5</a:t>
+            </a:r>
+            <a:r>
+              <a:rPr>
+                <a:latin typeface="Courier"/>
+              </a:rPr>
+              <a:t>) </a:t>
+            </a:r>
+            <a:r>
+              <a:rPr>
+                <a:solidFill>
+                  <a:srgbClr val="4070A0"/>
+                </a:solidFill>
+                <a:latin typeface="Courier"/>
+              </a:rPr>
+              <a:t>+</a:t>
+            </a:r>
+            <a:br/>
+            <a:r>
+              <a:rPr>
+                <a:latin typeface="Courier"/>
+              </a:rPr>
+              <a:t>        </a:t>
+            </a:r>
+            <a:r>
+              <a:rPr>
+                <a:solidFill>
+                  <a:srgbClr val="06287E"/>
+                </a:solidFill>
+                <a:latin typeface="Courier"/>
+              </a:rPr>
+              <a:t>facet_wrap</a:t>
+            </a:r>
+            <a:r>
+              <a:rPr>
+                <a:latin typeface="Courier"/>
+              </a:rPr>
+              <a:t>(</a:t>
+            </a:r>
+            <a:r>
+              <a:rPr>
+                <a:solidFill>
+                  <a:srgbClr val="4070A0"/>
+                </a:solidFill>
+                <a:latin typeface="Courier"/>
+              </a:rPr>
+              <a:t>~</a:t>
+            </a:r>
+            <a:r>
+              <a:rPr>
+                <a:latin typeface="Courier"/>
+              </a:rPr>
+              <a:t> Period, </a:t>
+            </a:r>
+            <a:r>
+              <a:rPr>
+                <a:solidFill>
+                  <a:srgbClr val="7D9029"/>
+                </a:solidFill>
+                <a:latin typeface="Courier"/>
+              </a:rPr>
+              <a:t>ncol =</a:t>
+            </a:r>
+            <a:r>
+              <a:rPr>
+                <a:latin typeface="Courier"/>
+              </a:rPr>
+              <a:t> </a:t>
+            </a:r>
+            <a:r>
+              <a:rPr>
+                <a:solidFill>
+                  <a:srgbClr val="40A070"/>
+                </a:solidFill>
+                <a:latin typeface="Courier"/>
+              </a:rPr>
+              <a:t>1</a:t>
+            </a:r>
+            <a:r>
+              <a:rPr>
+                <a:latin typeface="Courier"/>
+              </a:rPr>
+              <a:t>, </a:t>
+            </a:r>
+            <a:r>
+              <a:rPr>
+                <a:solidFill>
+                  <a:srgbClr val="7D9029"/>
+                </a:solidFill>
+                <a:latin typeface="Courier"/>
+              </a:rPr>
+              <a:t>scales =</a:t>
+            </a:r>
+            <a:r>
+              <a:rPr>
+                <a:latin typeface="Courier"/>
+              </a:rPr>
+              <a:t> </a:t>
+            </a:r>
+            <a:r>
+              <a:rPr>
+                <a:solidFill>
+                  <a:srgbClr val="4070A0"/>
+                </a:solidFill>
+                <a:latin typeface="Courier"/>
+              </a:rPr>
+              <a:t>"free_y"</a:t>
+            </a:r>
+            <a:r>
+              <a:rPr>
+                <a:latin typeface="Courier"/>
+              </a:rPr>
+              <a:t>) </a:t>
+            </a:r>
+            <a:r>
+              <a:rPr>
+                <a:solidFill>
+                  <a:srgbClr val="4070A0"/>
+                </a:solidFill>
+                <a:latin typeface="Courier"/>
+              </a:rPr>
+              <a:t>+</a:t>
+            </a:r>
+            <a:br/>
+            <a:r>
+              <a:rPr>
+                <a:latin typeface="Courier"/>
+              </a:rPr>
+              <a:t>        </a:t>
+            </a:r>
+            <a:r>
+              <a:rPr>
+                <a:solidFill>
+                  <a:srgbClr val="06287E"/>
+                </a:solidFill>
+                <a:latin typeface="Courier"/>
+              </a:rPr>
+              <a:t>labs</a:t>
+            </a:r>
+            <a:r>
+              <a:rPr>
+                <a:latin typeface="Courier"/>
+              </a:rPr>
+              <a:t>(</a:t>
+            </a:r>
+            <a:br/>
+            <a:r>
+              <a:rPr>
+                <a:latin typeface="Courier"/>
+              </a:rPr>
+              <a:t>            </a:t>
+            </a:r>
+            <a:r>
+              <a:rPr>
+                <a:solidFill>
+                  <a:srgbClr val="7D9029"/>
+                </a:solidFill>
+                <a:latin typeface="Courier"/>
+              </a:rPr>
+              <a:t>title =</a:t>
+            </a:r>
+            <a:r>
+              <a:rPr>
+                <a:latin typeface="Courier"/>
+              </a:rPr>
+              <a:t> </a:t>
+            </a:r>
+            <a:r>
+              <a:rPr>
+                <a:solidFill>
+                  <a:srgbClr val="4070A0"/>
+                </a:solidFill>
+                <a:latin typeface="Courier"/>
+              </a:rPr>
+              <a:t>"Rolling Returns Comparison"</a:t>
+            </a:r>
+            <a:r>
+              <a:rPr>
+                <a:latin typeface="Courier"/>
+              </a:rPr>
+              <a:t>,</a:t>
+            </a:r>
+            <a:br/>
+            <a:r>
+              <a:rPr>
+                <a:latin typeface="Courier"/>
+              </a:rPr>
+              <a:t>            </a:t>
+            </a:r>
+            <a:r>
+              <a:rPr>
+                <a:solidFill>
+                  <a:srgbClr val="7D9029"/>
+                </a:solidFill>
+                <a:latin typeface="Courier"/>
+              </a:rPr>
+              <a:t>x =</a:t>
+            </a:r>
+            <a:r>
+              <a:rPr>
+                <a:latin typeface="Courier"/>
+              </a:rPr>
+              <a:t> </a:t>
+            </a:r>
+            <a:r>
+              <a:rPr>
+                <a:solidFill>
+                  <a:srgbClr val="4070A0"/>
+                </a:solidFill>
+                <a:latin typeface="Courier"/>
+              </a:rPr>
+              <a:t>"Date"</a:t>
+            </a:r>
+            <a:r>
+              <a:rPr>
+                <a:latin typeface="Courier"/>
+              </a:rPr>
+              <a:t>,</a:t>
+            </a:r>
+            <a:br/>
+            <a:r>
+              <a:rPr>
+                <a:latin typeface="Courier"/>
+              </a:rPr>
+              <a:t>            </a:t>
+            </a:r>
+            <a:r>
+              <a:rPr>
+                <a:solidFill>
+                  <a:srgbClr val="7D9029"/>
+                </a:solidFill>
+                <a:latin typeface="Courier"/>
+              </a:rPr>
+              <a:t>y =</a:t>
+            </a:r>
+            <a:r>
+              <a:rPr>
+                <a:latin typeface="Courier"/>
+              </a:rPr>
+              <a:t> </a:t>
+            </a:r>
+            <a:r>
+              <a:rPr>
+                <a:solidFill>
+                  <a:srgbClr val="4070A0"/>
+                </a:solidFill>
+                <a:latin typeface="Courier"/>
+              </a:rPr>
+              <a:t>"Rolling Returns"</a:t>
+            </a:r>
+            <a:r>
+              <a:rPr>
+                <a:latin typeface="Courier"/>
+              </a:rPr>
+              <a:t>,</a:t>
+            </a:r>
+            <a:br/>
+            <a:r>
+              <a:rPr>
+                <a:latin typeface="Courier"/>
+              </a:rPr>
+              <a:t>            </a:t>
+            </a:r>
+            <a:r>
+              <a:rPr>
+                <a:solidFill>
+                  <a:srgbClr val="7D9029"/>
+                </a:solidFill>
+                <a:latin typeface="Courier"/>
+              </a:rPr>
+              <a:t>color =</a:t>
+            </a:r>
+            <a:r>
+              <a:rPr>
+                <a:latin typeface="Courier"/>
+              </a:rPr>
+              <a:t> </a:t>
+            </a:r>
+            <a:r>
+              <a:rPr>
+                <a:solidFill>
+                  <a:srgbClr val="4070A0"/>
+                </a:solidFill>
+                <a:latin typeface="Courier"/>
+              </a:rPr>
+              <a:t>"Type"</a:t>
+            </a:r>
+            <a:br/>
+            <a:r>
+              <a:rPr>
+                <a:latin typeface="Courier"/>
+              </a:rPr>
+              <a:t>        ) </a:t>
+            </a:r>
+            <a:r>
+              <a:rPr>
+                <a:solidFill>
+                  <a:srgbClr val="4070A0"/>
+                </a:solidFill>
+                <a:latin typeface="Courier"/>
+              </a:rPr>
+              <a:t>+</a:t>
+            </a:r>
+            <a:br/>
+            <a:r>
+              <a:rPr>
+                <a:latin typeface="Courier"/>
+              </a:rPr>
+              <a:t>        fmxdat</a:t>
+            </a:r>
+            <a:r>
+              <a:rPr>
+                <a:solidFill>
+                  <a:srgbClr val="4070A0"/>
+                </a:solidFill>
+                <a:latin typeface="Courier"/>
+              </a:rPr>
+              <a:t>::</a:t>
+            </a:r>
+            <a:r>
+              <a:rPr>
+                <a:solidFill>
+                  <a:srgbClr val="06287E"/>
+                </a:solidFill>
+                <a:latin typeface="Courier"/>
+              </a:rPr>
+              <a:t>theme_fmx</a:t>
+            </a:r>
+            <a:r>
+              <a:rPr>
+                <a:latin typeface="Courier"/>
+              </a:rPr>
+              <a:t>() </a:t>
+            </a:r>
+            <a:r>
+              <a:rPr>
+                <a:solidFill>
+                  <a:srgbClr val="4070A0"/>
+                </a:solidFill>
+                <a:latin typeface="Courier"/>
+              </a:rPr>
+              <a:t>+</a:t>
+            </a:r>
+            <a:br/>
+            <a:r>
+              <a:rPr>
+                <a:latin typeface="Courier"/>
+              </a:rPr>
+              <a:t>        </a:t>
+            </a:r>
+            <a:r>
+              <a:rPr>
+                <a:solidFill>
+                  <a:srgbClr val="06287E"/>
+                </a:solidFill>
+                <a:latin typeface="Courier"/>
+              </a:rPr>
+              <a:t>theme</a:t>
+            </a:r>
+            <a:r>
+              <a:rPr>
+                <a:latin typeface="Courier"/>
+              </a:rPr>
+              <a:t>(</a:t>
+            </a:r>
+            <a:br/>
+            <a:r>
+              <a:rPr>
+                <a:latin typeface="Courier"/>
+              </a:rPr>
+              <a:t>            </a:t>
+            </a:r>
+            <a:r>
+              <a:rPr>
+                <a:solidFill>
+                  <a:srgbClr val="7D9029"/>
+                </a:solidFill>
+                <a:latin typeface="Courier"/>
+              </a:rPr>
+              <a:t>plot.title =</a:t>
+            </a:r>
+            <a:r>
+              <a:rPr>
+                <a:latin typeface="Courier"/>
+              </a:rPr>
+              <a:t> </a:t>
+            </a:r>
+            <a:r>
+              <a:rPr>
+                <a:solidFill>
+                  <a:srgbClr val="06287E"/>
+                </a:solidFill>
+                <a:latin typeface="Courier"/>
+              </a:rPr>
+              <a:t>element_text</a:t>
+            </a:r>
+            <a:r>
+              <a:rPr>
+                <a:latin typeface="Courier"/>
+              </a:rPr>
+              <a:t>(</a:t>
+            </a:r>
+            <a:r>
+              <a:rPr>
+                <a:solidFill>
+                  <a:srgbClr val="7D9029"/>
+                </a:solidFill>
+                <a:latin typeface="Courier"/>
+              </a:rPr>
+              <a:t>hjust =</a:t>
+            </a:r>
+            <a:r>
+              <a:rPr>
+                <a:latin typeface="Courier"/>
+              </a:rPr>
+              <a:t> </a:t>
+            </a:r>
+            <a:r>
+              <a:rPr>
+                <a:solidFill>
+                  <a:srgbClr val="40A070"/>
+                </a:solidFill>
+                <a:latin typeface="Courier"/>
+              </a:rPr>
+              <a:t>0.5</a:t>
+            </a:r>
+            <a:r>
+              <a:rPr>
+                <a:latin typeface="Courier"/>
+              </a:rPr>
+              <a:t>),</a:t>
+            </a:r>
+            <a:br/>
+            <a:r>
+              <a:rPr>
+                <a:latin typeface="Courier"/>
+              </a:rPr>
+              <a:t>            </a:t>
+            </a:r>
+            <a:r>
+              <a:rPr>
+                <a:solidFill>
+                  <a:srgbClr val="7D9029"/>
+                </a:solidFill>
+                <a:latin typeface="Courier"/>
+              </a:rPr>
+              <a:t>legend.position =</a:t>
+            </a:r>
+            <a:r>
+              <a:rPr>
+                <a:latin typeface="Courier"/>
+              </a:rPr>
+              <a:t> </a:t>
+            </a:r>
+            <a:r>
+              <a:rPr>
+                <a:solidFill>
+                  <a:srgbClr val="4070A0"/>
+                </a:solidFill>
+                <a:latin typeface="Courier"/>
+              </a:rPr>
+              <a:t>"bottom"</a:t>
+            </a:r>
+            <a:br/>
+            <a:r>
+              <a:rPr>
+                <a:latin typeface="Courier"/>
+              </a:rPr>
+              <a:t>        )</a:t>
+            </a:r>
+            <a:br/>
+            <a:r>
+              <a:rPr>
+                <a:latin typeface="Courier"/>
+              </a:rPr>
+              <a:t>}</a:t>
+            </a:r>
+          </a:p>
+          <a:p>
+            <a:pPr lvl="0" indent="0">
+              <a:buNone/>
+            </a:pPr>
+            <a:r>
+              <a:rPr>
+                <a:latin typeface="Courier"/>
+              </a:rPr>
+              <a:t>plot_density </a:t>
+            </a:r>
+            <a:r>
+              <a:rPr>
+                <a:solidFill>
+                  <a:srgbClr val="007020"/>
+                </a:solidFill>
+                <a:latin typeface="Courier"/>
+              </a:rPr>
+              <a:t>&lt;-</a:t>
+            </a:r>
+            <a:r>
+              <a:rPr>
+                <a:latin typeface="Courier"/>
+              </a:rPr>
+              <a:t> </a:t>
+            </a:r>
+            <a:r>
+              <a:rPr b="1">
+                <a:solidFill>
+                  <a:srgbClr val="007020"/>
+                </a:solidFill>
+                <a:latin typeface="Courier"/>
+              </a:rPr>
+              <a:t>function</a:t>
+            </a:r>
+            <a:r>
+              <a:rPr>
+                <a:latin typeface="Courier"/>
+              </a:rPr>
+              <a:t>(data) {</a:t>
+            </a:r>
+            <a:br/>
+            <a:r>
+              <a:rPr>
+                <a:latin typeface="Courier"/>
+              </a:rPr>
+              <a:t>    </a:t>
+            </a:r>
+            <a:r>
+              <a:rPr>
+                <a:solidFill>
+                  <a:srgbClr val="06287E"/>
+                </a:solidFill>
+                <a:latin typeface="Courier"/>
+              </a:rPr>
+              <a:t>ggplot</a:t>
+            </a:r>
+            <a:r>
+              <a:rPr>
+                <a:latin typeface="Courier"/>
+              </a:rPr>
+              <a:t>(data </a:t>
+            </a:r>
+            <a:r>
+              <a:rPr>
+                <a:solidFill>
+                  <a:srgbClr val="4070A0"/>
+                </a:solidFill>
+                <a:latin typeface="Courier"/>
+              </a:rPr>
+              <a:t>%&gt;%</a:t>
+            </a:r>
+            <a:r>
+              <a:rPr>
+                <a:latin typeface="Courier"/>
+              </a:rPr>
+              <a:t> </a:t>
+            </a:r>
+            <a:r>
+              <a:rPr>
+                <a:solidFill>
+                  <a:srgbClr val="06287E"/>
+                </a:solidFill>
+                <a:latin typeface="Courier"/>
+              </a:rPr>
+              <a:t>filter</a:t>
+            </a:r>
+            <a:r>
+              <a:rPr>
+                <a:latin typeface="Courier"/>
+              </a:rPr>
+              <a:t>(</a:t>
+            </a:r>
+            <a:r>
+              <a:rPr>
+                <a:solidFill>
+                  <a:srgbClr val="4070A0"/>
+                </a:solidFill>
+                <a:latin typeface="Courier"/>
+              </a:rPr>
+              <a:t>!</a:t>
+            </a:r>
+            <a:r>
+              <a:rPr>
+                <a:solidFill>
+                  <a:srgbClr val="06287E"/>
+                </a:solidFill>
+                <a:latin typeface="Courier"/>
+              </a:rPr>
+              <a:t>is.na</a:t>
+            </a:r>
+            <a:r>
+              <a:rPr>
+                <a:latin typeface="Courier"/>
+              </a:rPr>
+              <a:t>(rolling_return)), </a:t>
+            </a:r>
+            <a:r>
+              <a:rPr>
+                <a:solidFill>
+                  <a:srgbClr val="06287E"/>
+                </a:solidFill>
+                <a:latin typeface="Courier"/>
+              </a:rPr>
+              <a:t>aes</a:t>
+            </a:r>
+            <a:r>
+              <a:rPr>
+                <a:latin typeface="Courier"/>
+              </a:rPr>
+              <a:t>(</a:t>
+            </a:r>
+            <a:r>
+              <a:rPr>
+                <a:solidFill>
+                  <a:srgbClr val="7D9029"/>
+                </a:solidFill>
+                <a:latin typeface="Courier"/>
+              </a:rPr>
+              <a:t>x =</a:t>
+            </a:r>
+            <a:r>
+              <a:rPr>
+                <a:latin typeface="Courier"/>
+              </a:rPr>
+              <a:t> rolling_return, </a:t>
+            </a:r>
+            <a:r>
+              <a:rPr>
+                <a:solidFill>
+                  <a:srgbClr val="7D9029"/>
+                </a:solidFill>
+                <a:latin typeface="Courier"/>
+              </a:rPr>
               <a:t>fill =</a:t>
             </a:r>
             <a:r>
@@ -3405,7 +4883,7 @@
               <a:rPr>
                 <a:latin typeface="Courier"/>
               </a:rPr>
-              <a:t>  </a:t>
+              <a:t>        </a:t>
             </a:r>
             <a:r>
               <a:rPr>
@@ -3461,12 +4939,1191 @@
               </a:rPr>
               <a:t>+</a:t>
             </a:r>
-            <a:r>
-              <a:rPr>
-                <a:latin typeface="Courier"/>
-              </a:rPr>
-              <a:t>  </a:t>
-            </a:r>
+            <a:br/>
+            <a:r>
+              <a:rPr>
+                <a:latin typeface="Courier"/>
+              </a:rPr>
+              <a:t>        </a:t>
+            </a:r>
+            <a:r>
+              <a:rPr>
+                <a:solidFill>
+                  <a:srgbClr val="06287E"/>
+                </a:solidFill>
+                <a:latin typeface="Courier"/>
+              </a:rPr>
+              <a:t>facet_wrap</a:t>
+            </a:r>
+            <a:r>
+              <a:rPr>
+                <a:latin typeface="Courier"/>
+              </a:rPr>
+              <a:t>(</a:t>
+            </a:r>
+            <a:r>
+              <a:rPr>
+                <a:solidFill>
+                  <a:srgbClr val="4070A0"/>
+                </a:solidFill>
+                <a:latin typeface="Courier"/>
+              </a:rPr>
+              <a:t>~</a:t>
+            </a:r>
+            <a:r>
+              <a:rPr>
+                <a:latin typeface="Courier"/>
+              </a:rPr>
+              <a:t> Period, </a:t>
+            </a:r>
+            <a:r>
+              <a:rPr>
+                <a:solidFill>
+                  <a:srgbClr val="7D9029"/>
+                </a:solidFill>
+                <a:latin typeface="Courier"/>
+              </a:rPr>
+              <a:t>scales =</a:t>
+            </a:r>
+            <a:r>
+              <a:rPr>
+                <a:latin typeface="Courier"/>
+              </a:rPr>
+              <a:t> </a:t>
+            </a:r>
+            <a:r>
+              <a:rPr>
+                <a:solidFill>
+                  <a:srgbClr val="4070A0"/>
+                </a:solidFill>
+                <a:latin typeface="Courier"/>
+              </a:rPr>
+              <a:t>"free"</a:t>
+            </a:r>
+            <a:r>
+              <a:rPr>
+                <a:latin typeface="Courier"/>
+              </a:rPr>
+              <a:t>) </a:t>
+            </a:r>
+            <a:r>
+              <a:rPr>
+                <a:solidFill>
+                  <a:srgbClr val="4070A0"/>
+                </a:solidFill>
+                <a:latin typeface="Courier"/>
+              </a:rPr>
+              <a:t>+</a:t>
+            </a:r>
+            <a:br/>
+            <a:r>
+              <a:rPr>
+                <a:latin typeface="Courier"/>
+              </a:rPr>
+              <a:t>        </a:t>
+            </a:r>
+            <a:r>
+              <a:rPr>
+                <a:solidFill>
+                  <a:srgbClr val="06287E"/>
+                </a:solidFill>
+                <a:latin typeface="Courier"/>
+              </a:rPr>
+              <a:t>labs</a:t>
+            </a:r>
+            <a:r>
+              <a:rPr>
+                <a:latin typeface="Courier"/>
+              </a:rPr>
+              <a:t>(</a:t>
+            </a:r>
+            <a:br/>
+            <a:r>
+              <a:rPr>
+                <a:latin typeface="Courier"/>
+              </a:rPr>
+              <a:t>            </a:t>
+            </a:r>
+            <a:r>
+              <a:rPr>
+                <a:solidFill>
+                  <a:srgbClr val="7D9029"/>
+                </a:solidFill>
+                <a:latin typeface="Courier"/>
+              </a:rPr>
+              <a:t>title =</a:t>
+            </a:r>
+            <a:r>
+              <a:rPr>
+                <a:latin typeface="Courier"/>
+              </a:rPr>
+              <a:t> </a:t>
+            </a:r>
+            <a:r>
+              <a:rPr>
+                <a:solidFill>
+                  <a:srgbClr val="4070A0"/>
+                </a:solidFill>
+                <a:latin typeface="Courier"/>
+              </a:rPr>
+              <a:t>"Density of Rolling Returns by Period"</a:t>
+            </a:r>
+            <a:r>
+              <a:rPr>
+                <a:latin typeface="Courier"/>
+              </a:rPr>
+              <a:t>,</a:t>
+            </a:r>
+            <a:br/>
+            <a:r>
+              <a:rPr>
+                <a:latin typeface="Courier"/>
+              </a:rPr>
+              <a:t>            </a:t>
+            </a:r>
+            <a:r>
+              <a:rPr>
+                <a:solidFill>
+                  <a:srgbClr val="7D9029"/>
+                </a:solidFill>
+                <a:latin typeface="Courier"/>
+              </a:rPr>
+              <a:t>x =</a:t>
+            </a:r>
+            <a:r>
+              <a:rPr>
+                <a:latin typeface="Courier"/>
+              </a:rPr>
+              <a:t> </a:t>
+            </a:r>
+            <a:r>
+              <a:rPr>
+                <a:solidFill>
+                  <a:srgbClr val="4070A0"/>
+                </a:solidFill>
+                <a:latin typeface="Courier"/>
+              </a:rPr>
+              <a:t>"Rolling Return"</a:t>
+            </a:r>
+            <a:r>
+              <a:rPr>
+                <a:latin typeface="Courier"/>
+              </a:rPr>
+              <a:t>,</a:t>
+            </a:r>
+            <a:br/>
+            <a:r>
+              <a:rPr>
+                <a:latin typeface="Courier"/>
+              </a:rPr>
+              <a:t>            </a:t>
+            </a:r>
+            <a:r>
+              <a:rPr>
+                <a:solidFill>
+                  <a:srgbClr val="7D9029"/>
+                </a:solidFill>
+                <a:latin typeface="Courier"/>
+              </a:rPr>
+              <a:t>y =</a:t>
+            </a:r>
+            <a:r>
+              <a:rPr>
+                <a:latin typeface="Courier"/>
+              </a:rPr>
+              <a:t> </a:t>
+            </a:r>
+            <a:r>
+              <a:rPr>
+                <a:solidFill>
+                  <a:srgbClr val="4070A0"/>
+                </a:solidFill>
+                <a:latin typeface="Courier"/>
+              </a:rPr>
+              <a:t>"Density"</a:t>
+            </a:r>
+            <a:r>
+              <a:rPr>
+                <a:latin typeface="Courier"/>
+              </a:rPr>
+              <a:t>,</a:t>
+            </a:r>
+            <a:br/>
+            <a:r>
+              <a:rPr>
+                <a:latin typeface="Courier"/>
+              </a:rPr>
+              <a:t>            </a:t>
+            </a:r>
+            <a:r>
+              <a:rPr>
+                <a:solidFill>
+                  <a:srgbClr val="7D9029"/>
+                </a:solidFill>
+                <a:latin typeface="Courier"/>
+              </a:rPr>
+              <a:t>fill =</a:t>
+            </a:r>
+            <a:r>
+              <a:rPr>
+                <a:latin typeface="Courier"/>
+              </a:rPr>
+              <a:t> </a:t>
+            </a:r>
+            <a:r>
+              <a:rPr>
+                <a:solidFill>
+                  <a:srgbClr val="4070A0"/>
+                </a:solidFill>
+                <a:latin typeface="Courier"/>
+              </a:rPr>
+              <a:t>"Type"</a:t>
+            </a:r>
+            <a:br/>
+            <a:r>
+              <a:rPr>
+                <a:latin typeface="Courier"/>
+              </a:rPr>
+              <a:t>        ) </a:t>
+            </a:r>
+            <a:r>
+              <a:rPr>
+                <a:solidFill>
+                  <a:srgbClr val="4070A0"/>
+                </a:solidFill>
+                <a:latin typeface="Courier"/>
+              </a:rPr>
+              <a:t>+</a:t>
+            </a:r>
+            <a:br/>
+            <a:r>
+              <a:rPr>
+                <a:latin typeface="Courier"/>
+              </a:rPr>
+              <a:t>         </a:t>
+            </a:r>
+            <a:r>
+              <a:rPr>
+                <a:solidFill>
+                  <a:srgbClr val="06287E"/>
+                </a:solidFill>
+                <a:latin typeface="Courier"/>
+              </a:rPr>
+              <a:t>theme_bw</a:t>
+            </a:r>
+            <a:r>
+              <a:rPr>
+                <a:latin typeface="Courier"/>
+              </a:rPr>
+              <a:t>() </a:t>
+            </a:r>
+            <a:r>
+              <a:rPr>
+                <a:solidFill>
+                  <a:srgbClr val="4070A0"/>
+                </a:solidFill>
+                <a:latin typeface="Courier"/>
+              </a:rPr>
+              <a:t>+</a:t>
+            </a:r>
+            <a:br/>
+            <a:r>
+              <a:rPr>
+                <a:latin typeface="Courier"/>
+              </a:rPr>
+              <a:t>        </a:t>
+            </a:r>
+            <a:r>
+              <a:rPr>
+                <a:solidFill>
+                  <a:srgbClr val="06287E"/>
+                </a:solidFill>
+                <a:latin typeface="Courier"/>
+              </a:rPr>
+              <a:t>theme</a:t>
+            </a:r>
+            <a:r>
+              <a:rPr>
+                <a:latin typeface="Courier"/>
+              </a:rPr>
+              <a:t>(</a:t>
+            </a:r>
+            <a:br/>
+            <a:r>
+              <a:rPr>
+                <a:latin typeface="Courier"/>
+              </a:rPr>
+              <a:t>            </a:t>
+            </a:r>
+            <a:r>
+              <a:rPr>
+                <a:solidFill>
+                  <a:srgbClr val="7D9029"/>
+                </a:solidFill>
+                <a:latin typeface="Courier"/>
+              </a:rPr>
+              <a:t>plot.title =</a:t>
+            </a:r>
+            <a:r>
+              <a:rPr>
+                <a:latin typeface="Courier"/>
+              </a:rPr>
+              <a:t> </a:t>
+            </a:r>
+            <a:r>
+              <a:rPr>
+                <a:solidFill>
+                  <a:srgbClr val="06287E"/>
+                </a:solidFill>
+                <a:latin typeface="Courier"/>
+              </a:rPr>
+              <a:t>element_text</a:t>
+            </a:r>
+            <a:r>
+              <a:rPr>
+                <a:latin typeface="Courier"/>
+              </a:rPr>
+              <a:t>(</a:t>
+            </a:r>
+            <a:r>
+              <a:rPr>
+                <a:solidFill>
+                  <a:srgbClr val="7D9029"/>
+                </a:solidFill>
+                <a:latin typeface="Courier"/>
+              </a:rPr>
+              <a:t>hjust =</a:t>
+            </a:r>
+            <a:r>
+              <a:rPr>
+                <a:latin typeface="Courier"/>
+              </a:rPr>
+              <a:t> </a:t>
+            </a:r>
+            <a:r>
+              <a:rPr>
+                <a:solidFill>
+                  <a:srgbClr val="40A070"/>
+                </a:solidFill>
+                <a:latin typeface="Courier"/>
+              </a:rPr>
+              <a:t>0.5</a:t>
+            </a:r>
+            <a:r>
+              <a:rPr>
+                <a:latin typeface="Courier"/>
+              </a:rPr>
+              <a:t>),</a:t>
+            </a:r>
+            <a:br/>
+            <a:r>
+              <a:rPr>
+                <a:latin typeface="Courier"/>
+              </a:rPr>
+              <a:t>            </a:t>
+            </a:r>
+            <a:r>
+              <a:rPr>
+                <a:solidFill>
+                  <a:srgbClr val="7D9029"/>
+                </a:solidFill>
+                <a:latin typeface="Courier"/>
+              </a:rPr>
+              <a:t>legend.position =</a:t>
+            </a:r>
+            <a:r>
+              <a:rPr>
+                <a:latin typeface="Courier"/>
+              </a:rPr>
+              <a:t> </a:t>
+            </a:r>
+            <a:r>
+              <a:rPr>
+                <a:solidFill>
+                  <a:srgbClr val="4070A0"/>
+                </a:solidFill>
+                <a:latin typeface="Courier"/>
+              </a:rPr>
+              <a:t>"bottom"</a:t>
+            </a:r>
+            <a:br/>
+            <a:r>
+              <a:rPr>
+                <a:latin typeface="Courier"/>
+              </a:rPr>
+              <a:t>        )</a:t>
+            </a:r>
+            <a:br/>
+            <a:r>
+              <a:rPr>
+                <a:latin typeface="Courier"/>
+              </a:rPr>
+              <a:t>}</a:t>
+            </a:r>
+          </a:p>
+          <a:p>
+            <a:pPr lvl="0" indent="0">
+              <a:buNone/>
+            </a:pPr>
+            <a:r>
+              <a:rPr>
+                <a:latin typeface="Courier"/>
+              </a:rPr>
+              <a:t>plot_returns_by_volatility </a:t>
+            </a:r>
+            <a:r>
+              <a:rPr>
+                <a:solidFill>
+                  <a:srgbClr val="007020"/>
+                </a:solidFill>
+                <a:latin typeface="Courier"/>
+              </a:rPr>
+              <a:t>&lt;-</a:t>
+            </a:r>
+            <a:r>
+              <a:rPr>
+                <a:latin typeface="Courier"/>
+              </a:rPr>
+              <a:t> </a:t>
+            </a:r>
+            <a:r>
+              <a:rPr b="1">
+                <a:solidFill>
+                  <a:srgbClr val="007020"/>
+                </a:solidFill>
+                <a:latin typeface="Courier"/>
+              </a:rPr>
+              <a:t>function</a:t>
+            </a:r>
+            <a:r>
+              <a:rPr>
+                <a:latin typeface="Courier"/>
+              </a:rPr>
+              <a:t>(data) {</a:t>
+            </a:r>
+            <a:br/>
+            <a:r>
+              <a:rPr>
+                <a:latin typeface="Courier"/>
+              </a:rPr>
+              <a:t>    </a:t>
+            </a:r>
+            <a:r>
+              <a:rPr>
+                <a:solidFill>
+                  <a:srgbClr val="06287E"/>
+                </a:solidFill>
+                <a:latin typeface="Courier"/>
+              </a:rPr>
+              <a:t>ggplot</a:t>
+            </a:r>
+            <a:r>
+              <a:rPr>
+                <a:latin typeface="Courier"/>
+              </a:rPr>
+              <a:t>(data </a:t>
+            </a:r>
+            <a:r>
+              <a:rPr>
+                <a:solidFill>
+                  <a:srgbClr val="4070A0"/>
+                </a:solidFill>
+                <a:latin typeface="Courier"/>
+              </a:rPr>
+              <a:t>%&gt;%</a:t>
+            </a:r>
+            <a:r>
+              <a:rPr>
+                <a:latin typeface="Courier"/>
+              </a:rPr>
+              <a:t> </a:t>
+            </a:r>
+            <a:r>
+              <a:rPr>
+                <a:solidFill>
+                  <a:srgbClr val="06287E"/>
+                </a:solidFill>
+                <a:latin typeface="Courier"/>
+              </a:rPr>
+              <a:t>filter</a:t>
+            </a:r>
+            <a:r>
+              <a:rPr>
+                <a:latin typeface="Courier"/>
+              </a:rPr>
+              <a:t>(</a:t>
+            </a:r>
+            <a:r>
+              <a:rPr>
+                <a:solidFill>
+                  <a:srgbClr val="4070A0"/>
+                </a:solidFill>
+                <a:latin typeface="Courier"/>
+              </a:rPr>
+              <a:t>!</a:t>
+            </a:r>
+            <a:r>
+              <a:rPr>
+                <a:solidFill>
+                  <a:srgbClr val="06287E"/>
+                </a:solidFill>
+                <a:latin typeface="Courier"/>
+              </a:rPr>
+              <a:t>is.na</a:t>
+            </a:r>
+            <a:r>
+              <a:rPr>
+                <a:latin typeface="Courier"/>
+              </a:rPr>
+              <a:t>(Volatility_Regime) </a:t>
+            </a:r>
+            <a:r>
+              <a:rPr>
+                <a:solidFill>
+                  <a:srgbClr val="4070A0"/>
+                </a:solidFill>
+                <a:latin typeface="Courier"/>
+              </a:rPr>
+              <a:t>&amp;</a:t>
+            </a:r>
+            <a:r>
+              <a:rPr>
+                <a:latin typeface="Courier"/>
+              </a:rPr>
+              <a:t> Period </a:t>
+            </a:r>
+            <a:r>
+              <a:rPr>
+                <a:solidFill>
+                  <a:srgbClr val="4070A0"/>
+                </a:solidFill>
+                <a:latin typeface="Courier"/>
+              </a:rPr>
+              <a:t>==</a:t>
+            </a:r>
+            <a:r>
+              <a:rPr>
+                <a:latin typeface="Courier"/>
+              </a:rPr>
+              <a:t> </a:t>
+            </a:r>
+            <a:r>
+              <a:rPr>
+                <a:solidFill>
+                  <a:srgbClr val="4070A0"/>
+                </a:solidFill>
+                <a:latin typeface="Courier"/>
+              </a:rPr>
+              <a:t>"12M"</a:t>
+            </a:r>
+            <a:r>
+              <a:rPr>
+                <a:latin typeface="Courier"/>
+              </a:rPr>
+              <a:t> </a:t>
+            </a:r>
+            <a:r>
+              <a:rPr>
+                <a:solidFill>
+                  <a:srgbClr val="4070A0"/>
+                </a:solidFill>
+                <a:latin typeface="Courier"/>
+              </a:rPr>
+              <a:t>&amp;</a:t>
+            </a:r>
+            <a:r>
+              <a:rPr>
+                <a:latin typeface="Courier"/>
+              </a:rPr>
+              <a:t> </a:t>
+            </a:r>
+            <a:r>
+              <a:rPr>
+                <a:solidFill>
+                  <a:srgbClr val="4070A0"/>
+                </a:solidFill>
+                <a:latin typeface="Courier"/>
+              </a:rPr>
+              <a:t>!</a:t>
+            </a:r>
+            <a:r>
+              <a:rPr>
+                <a:solidFill>
+                  <a:srgbClr val="06287E"/>
+                </a:solidFill>
+                <a:latin typeface="Courier"/>
+              </a:rPr>
+              <a:t>is.na</a:t>
+            </a:r>
+            <a:r>
+              <a:rPr>
+                <a:latin typeface="Courier"/>
+              </a:rPr>
+              <a:t>(rolling_return)), </a:t>
+            </a:r>
+            <a:br/>
+            <a:r>
+              <a:rPr>
+                <a:latin typeface="Courier"/>
+              </a:rPr>
+              <a:t>           </a:t>
+            </a:r>
+            <a:r>
+              <a:rPr>
+                <a:solidFill>
+                  <a:srgbClr val="06287E"/>
+                </a:solidFill>
+                <a:latin typeface="Courier"/>
+              </a:rPr>
+              <a:t>aes</a:t>
+            </a:r>
+            <a:r>
+              <a:rPr>
+                <a:latin typeface="Courier"/>
+              </a:rPr>
+              <a:t>(</a:t>
+            </a:r>
+            <a:r>
+              <a:rPr>
+                <a:solidFill>
+                  <a:srgbClr val="7D9029"/>
+                </a:solidFill>
+                <a:latin typeface="Courier"/>
+              </a:rPr>
+              <a:t>x =</a:t>
+            </a:r>
+            <a:r>
+              <a:rPr>
+                <a:latin typeface="Courier"/>
+              </a:rPr>
+              <a:t> rolling_return, </a:t>
+            </a:r>
+            <a:r>
+              <a:rPr>
+                <a:solidFill>
+                  <a:srgbClr val="7D9029"/>
+                </a:solidFill>
+                <a:latin typeface="Courier"/>
+              </a:rPr>
+              <a:t>fill =</a:t>
+            </a:r>
+            <a:r>
+              <a:rPr>
+                <a:latin typeface="Courier"/>
+              </a:rPr>
+              <a:t> Type)) </a:t>
+            </a:r>
+            <a:r>
+              <a:rPr>
+                <a:solidFill>
+                  <a:srgbClr val="4070A0"/>
+                </a:solidFill>
+                <a:latin typeface="Courier"/>
+              </a:rPr>
+              <a:t>+</a:t>
+            </a:r>
+            <a:br/>
+            <a:r>
+              <a:rPr>
+                <a:latin typeface="Courier"/>
+              </a:rPr>
+              <a:t>        </a:t>
+            </a:r>
+            <a:r>
+              <a:rPr>
+                <a:solidFill>
+                  <a:srgbClr val="06287E"/>
+                </a:solidFill>
+                <a:latin typeface="Courier"/>
+              </a:rPr>
+              <a:t>geom_density</a:t>
+            </a:r>
+            <a:r>
+              <a:rPr>
+                <a:latin typeface="Courier"/>
+              </a:rPr>
+              <a:t>(</a:t>
+            </a:r>
+            <a:r>
+              <a:rPr>
+                <a:solidFill>
+                  <a:srgbClr val="7D9029"/>
+                </a:solidFill>
+                <a:latin typeface="Courier"/>
+              </a:rPr>
+              <a:t>alpha =</a:t>
+            </a:r>
+            <a:r>
+              <a:rPr>
+                <a:latin typeface="Courier"/>
+              </a:rPr>
+              <a:t> </a:t>
+            </a:r>
+            <a:r>
+              <a:rPr>
+                <a:solidFill>
+                  <a:srgbClr val="40A070"/>
+                </a:solidFill>
+                <a:latin typeface="Courier"/>
+              </a:rPr>
+              <a:t>0.5</a:t>
+            </a:r>
+            <a:r>
+              <a:rPr>
+                <a:latin typeface="Courier"/>
+              </a:rPr>
+              <a:t>) </a:t>
+            </a:r>
+            <a:r>
+              <a:rPr>
+                <a:solidFill>
+                  <a:srgbClr val="4070A0"/>
+                </a:solidFill>
+                <a:latin typeface="Courier"/>
+              </a:rPr>
+              <a:t>+</a:t>
+            </a:r>
+            <a:br/>
+            <a:r>
+              <a:rPr>
+                <a:latin typeface="Courier"/>
+              </a:rPr>
+              <a:t>        </a:t>
+            </a:r>
+            <a:r>
+              <a:rPr>
+                <a:solidFill>
+                  <a:srgbClr val="06287E"/>
+                </a:solidFill>
+                <a:latin typeface="Courier"/>
+              </a:rPr>
+              <a:t>facet_wrap</a:t>
+            </a:r>
+            <a:r>
+              <a:rPr>
+                <a:latin typeface="Courier"/>
+              </a:rPr>
+              <a:t>(</a:t>
+            </a:r>
+            <a:r>
+              <a:rPr>
+                <a:solidFill>
+                  <a:srgbClr val="4070A0"/>
+                </a:solidFill>
+                <a:latin typeface="Courier"/>
+              </a:rPr>
+              <a:t>~</a:t>
+            </a:r>
+            <a:r>
+              <a:rPr>
+                <a:latin typeface="Courier"/>
+              </a:rPr>
+              <a:t> Volatility_Regime </a:t>
+            </a:r>
+            <a:r>
+              <a:rPr>
+                <a:solidFill>
+                  <a:srgbClr val="4070A0"/>
+                </a:solidFill>
+                <a:latin typeface="Courier"/>
+              </a:rPr>
+              <a:t>+</a:t>
+            </a:r>
+            <a:r>
+              <a:rPr>
+                <a:latin typeface="Courier"/>
+              </a:rPr>
+              <a:t> Period, </a:t>
+            </a:r>
+            <a:r>
+              <a:rPr>
+                <a:solidFill>
+                  <a:srgbClr val="7D9029"/>
+                </a:solidFill>
+                <a:latin typeface="Courier"/>
+              </a:rPr>
+              <a:t>scales =</a:t>
+            </a:r>
+            <a:r>
+              <a:rPr>
+                <a:latin typeface="Courier"/>
+              </a:rPr>
+              <a:t> </a:t>
+            </a:r>
+            <a:r>
+              <a:rPr>
+                <a:solidFill>
+                  <a:srgbClr val="4070A0"/>
+                </a:solidFill>
+                <a:latin typeface="Courier"/>
+              </a:rPr>
+              <a:t>"free_y"</a:t>
+            </a:r>
+            <a:r>
+              <a:rPr>
+                <a:latin typeface="Courier"/>
+              </a:rPr>
+              <a:t>) </a:t>
+            </a:r>
+            <a:r>
+              <a:rPr>
+                <a:solidFill>
+                  <a:srgbClr val="4070A0"/>
+                </a:solidFill>
+                <a:latin typeface="Courier"/>
+              </a:rPr>
+              <a:t>+</a:t>
+            </a:r>
+            <a:br/>
+            <a:r>
+              <a:rPr>
+                <a:latin typeface="Courier"/>
+              </a:rPr>
+              <a:t>        </a:t>
+            </a:r>
+            <a:r>
+              <a:rPr>
+                <a:solidFill>
+                  <a:srgbClr val="06287E"/>
+                </a:solidFill>
+                <a:latin typeface="Courier"/>
+              </a:rPr>
+              <a:t>labs</a:t>
+            </a:r>
+            <a:r>
+              <a:rPr>
+                <a:latin typeface="Courier"/>
+              </a:rPr>
+              <a:t>(</a:t>
+            </a:r>
+            <a:br/>
+            <a:r>
+              <a:rPr>
+                <a:latin typeface="Courier"/>
+              </a:rPr>
+              <a:t>            </a:t>
+            </a:r>
+            <a:r>
+              <a:rPr>
+                <a:solidFill>
+                  <a:srgbClr val="7D9029"/>
+                </a:solidFill>
+                <a:latin typeface="Courier"/>
+              </a:rPr>
+              <a:t>title =</a:t>
+            </a:r>
+            <a:r>
+              <a:rPr>
+                <a:latin typeface="Courier"/>
+              </a:rPr>
+              <a:t> </a:t>
+            </a:r>
+            <a:r>
+              <a:rPr>
+                <a:solidFill>
+                  <a:srgbClr val="4070A0"/>
+                </a:solidFill>
+                <a:latin typeface="Courier"/>
+              </a:rPr>
+              <a:t>"Rolling Returns by Volatility Regime"</a:t>
+            </a:r>
+            <a:r>
+              <a:rPr>
+                <a:latin typeface="Courier"/>
+              </a:rPr>
+              <a:t>,</a:t>
+            </a:r>
+            <a:br/>
+            <a:r>
+              <a:rPr>
+                <a:latin typeface="Courier"/>
+              </a:rPr>
+              <a:t>            </a:t>
+            </a:r>
+            <a:r>
+              <a:rPr>
+                <a:solidFill>
+                  <a:srgbClr val="7D9029"/>
+                </a:solidFill>
+                <a:latin typeface="Courier"/>
+              </a:rPr>
+              <a:t>x =</a:t>
+            </a:r>
+            <a:r>
+              <a:rPr>
+                <a:latin typeface="Courier"/>
+              </a:rPr>
+              <a:t> </a:t>
+            </a:r>
+            <a:r>
+              <a:rPr>
+                <a:solidFill>
+                  <a:srgbClr val="4070A0"/>
+                </a:solidFill>
+                <a:latin typeface="Courier"/>
+              </a:rPr>
+              <a:t>"Rolling Return"</a:t>
+            </a:r>
+            <a:r>
+              <a:rPr>
+                <a:latin typeface="Courier"/>
+              </a:rPr>
+              <a:t>,</a:t>
+            </a:r>
+            <a:br/>
+            <a:r>
+              <a:rPr>
+                <a:latin typeface="Courier"/>
+              </a:rPr>
+              <a:t>            </a:t>
+            </a:r>
+            <a:r>
+              <a:rPr>
+                <a:solidFill>
+                  <a:srgbClr val="7D9029"/>
+                </a:solidFill>
+                <a:latin typeface="Courier"/>
+              </a:rPr>
+              <a:t>y =</a:t>
+            </a:r>
+            <a:r>
+              <a:rPr>
+                <a:latin typeface="Courier"/>
+              </a:rPr>
+              <a:t> </a:t>
+            </a:r>
+            <a:r>
+              <a:rPr>
+                <a:solidFill>
+                  <a:srgbClr val="4070A0"/>
+                </a:solidFill>
+                <a:latin typeface="Courier"/>
+              </a:rPr>
+              <a:t>"Density"</a:t>
+            </a:r>
+            <a:r>
+              <a:rPr>
+                <a:latin typeface="Courier"/>
+              </a:rPr>
+              <a:t>,</a:t>
+            </a:r>
+            <a:br/>
+            <a:r>
+              <a:rPr>
+                <a:latin typeface="Courier"/>
+              </a:rPr>
+              <a:t>            </a:t>
+            </a:r>
+            <a:r>
+              <a:rPr>
+                <a:solidFill>
+                  <a:srgbClr val="7D9029"/>
+                </a:solidFill>
+                <a:latin typeface="Courier"/>
+              </a:rPr>
+              <a:t>fill =</a:t>
+            </a:r>
+            <a:r>
+              <a:rPr>
+                <a:latin typeface="Courier"/>
+              </a:rPr>
+              <a:t> </a:t>
+            </a:r>
+            <a:r>
+              <a:rPr>
+                <a:solidFill>
+                  <a:srgbClr val="4070A0"/>
+                </a:solidFill>
+                <a:latin typeface="Courier"/>
+              </a:rPr>
+              <a:t>"Type"</a:t>
+            </a:r>
+            <a:br/>
+            <a:r>
+              <a:rPr>
+                <a:latin typeface="Courier"/>
+              </a:rPr>
+              <a:t>        ) </a:t>
+            </a:r>
+            <a:r>
+              <a:rPr>
+                <a:solidFill>
+                  <a:srgbClr val="4070A0"/>
+                </a:solidFill>
+                <a:latin typeface="Courier"/>
+              </a:rPr>
+              <a:t>+</a:t>
+            </a:r>
+            <a:br/>
+            <a:r>
+              <a:rPr>
+                <a:latin typeface="Courier"/>
+              </a:rPr>
+              <a:t>        </a:t>
+            </a:r>
+            <a:r>
+              <a:rPr>
+                <a:solidFill>
+                  <a:srgbClr val="06287E"/>
+                </a:solidFill>
+                <a:latin typeface="Courier"/>
+              </a:rPr>
+              <a:t>theme_bw</a:t>
+            </a:r>
+            <a:r>
+              <a:rPr>
+                <a:latin typeface="Courier"/>
+              </a:rPr>
+              <a:t>() </a:t>
+            </a:r>
+            <a:r>
+              <a:rPr>
+                <a:solidFill>
+                  <a:srgbClr val="4070A0"/>
+                </a:solidFill>
+                <a:latin typeface="Courier"/>
+              </a:rPr>
+              <a:t>+</a:t>
+            </a:r>
+            <a:br/>
+            <a:r>
+              <a:rPr>
+                <a:latin typeface="Courier"/>
+              </a:rPr>
+              <a:t>        </a:t>
+            </a:r>
+            <a:r>
+              <a:rPr>
+                <a:solidFill>
+                  <a:srgbClr val="06287E"/>
+                </a:solidFill>
+                <a:latin typeface="Courier"/>
+              </a:rPr>
+              <a:t>theme</a:t>
+            </a:r>
+            <a:r>
+              <a:rPr>
+                <a:latin typeface="Courier"/>
+              </a:rPr>
+              <a:t>(</a:t>
+            </a:r>
+            <a:br/>
+            <a:r>
+              <a:rPr>
+                <a:latin typeface="Courier"/>
+              </a:rPr>
+              <a:t>            </a:t>
+            </a:r>
+            <a:r>
+              <a:rPr>
+                <a:solidFill>
+                  <a:srgbClr val="7D9029"/>
+                </a:solidFill>
+                <a:latin typeface="Courier"/>
+              </a:rPr>
+              <a:t>plot.title =</a:t>
+            </a:r>
+            <a:r>
+              <a:rPr>
+                <a:latin typeface="Courier"/>
+              </a:rPr>
+              <a:t> </a:t>
+            </a:r>
+            <a:r>
+              <a:rPr>
+                <a:solidFill>
+                  <a:srgbClr val="06287E"/>
+                </a:solidFill>
+                <a:latin typeface="Courier"/>
+              </a:rPr>
+              <a:t>element_text</a:t>
+            </a:r>
+            <a:r>
+              <a:rPr>
+                <a:latin typeface="Courier"/>
+              </a:rPr>
+              <a:t>(</a:t>
+            </a:r>
+            <a:r>
+              <a:rPr>
+                <a:solidFill>
+                  <a:srgbClr val="7D9029"/>
+                </a:solidFill>
+                <a:latin typeface="Courier"/>
+              </a:rPr>
+              <a:t>hjust =</a:t>
+            </a:r>
+            <a:r>
+              <a:rPr>
+                <a:latin typeface="Courier"/>
+              </a:rPr>
+              <a:t> </a:t>
+            </a:r>
+            <a:r>
+              <a:rPr>
+                <a:solidFill>
+                  <a:srgbClr val="40A070"/>
+                </a:solidFill>
+                <a:latin typeface="Courier"/>
+              </a:rPr>
+              <a:t>0.5</a:t>
+            </a:r>
+            <a:r>
+              <a:rPr>
+                <a:latin typeface="Courier"/>
+              </a:rPr>
+              <a:t>),</a:t>
+            </a:r>
+            <a:br/>
+            <a:r>
+              <a:rPr>
+                <a:latin typeface="Courier"/>
+              </a:rPr>
+              <a:t>            </a:t>
+            </a:r>
+            <a:r>
+              <a:rPr>
+                <a:solidFill>
+                  <a:srgbClr val="7D9029"/>
+                </a:solidFill>
+                <a:latin typeface="Courier"/>
+              </a:rPr>
+              <a:t>legend.position =</a:t>
+            </a:r>
+            <a:r>
+              <a:rPr>
+                <a:latin typeface="Courier"/>
+              </a:rPr>
+              <a:t> </a:t>
+            </a:r>
+            <a:r>
+              <a:rPr>
+                <a:solidFill>
+                  <a:srgbClr val="4070A0"/>
+                </a:solidFill>
+                <a:latin typeface="Courier"/>
+              </a:rPr>
+              <a:t>"bottom"</a:t>
+            </a:r>
+            <a:br/>
+            <a:r>
+              <a:rPr>
+                <a:latin typeface="Courier"/>
+              </a:rPr>
+              <a:t>        )</a:t>
+            </a:r>
+            <a:br/>
+            <a:r>
+              <a:rPr>
+                <a:latin typeface="Courier"/>
+              </a:rPr>
+              <a:t>}</a:t>
+            </a:r>
+          </a:p>
+          <a:p>
+            <a:pPr lvl="0" indent="0">
+              <a:buNone/>
+            </a:pPr>
             <a:r>
               <a:rPr i="1">
                 <a:solidFill>
@@ -3474,14 +6131,29 @@
                 </a:solidFill>
                 <a:latin typeface="Courier"/>
               </a:rPr>
-              <a:t># Semi-transparent density plots</a:t>
-            </a:r>
-            <a:br/>
-            <a:r>
-              <a:rPr>
-                <a:latin typeface="Courier"/>
-              </a:rPr>
-              <a:t>  </a:t>
+              <a:t># Step 1: Median Manager Data</a:t>
+            </a:r>
+            <a:br/>
+            <a:r>
+              <a:rPr>
+                <a:latin typeface="Courier"/>
+              </a:rPr>
+              <a:t>ASISA_median </a:t>
+            </a:r>
+            <a:r>
+              <a:rPr>
+                <a:solidFill>
+                  <a:srgbClr val="007020"/>
+                </a:solidFill>
+                <a:latin typeface="Courier"/>
+              </a:rPr>
+              <a:t>&lt;-</a:t>
+            </a:r>
+            <a:r>
+              <a:rPr>
+                <a:latin typeface="Courier"/>
+              </a:rPr>
+              <a:t> </a:t>
             </a:r>
             <a:r>
               <a:rPr>
@@ -3490,7 +6162,115 @@
                 </a:solidFill>
                 <a:latin typeface="Courier"/>
               </a:rPr>
-              <a:t>facet_wrap</a:t>
+              <a:t>get_median_manager_data</a:t>
+            </a:r>
+            <a:r>
+              <a:rPr>
+                <a:latin typeface="Courier"/>
+              </a:rPr>
+              <a:t>(ASISA, </a:t>
+            </a:r>
+            <a:r>
+              <a:rPr>
+                <a:solidFill>
+                  <a:srgbClr val="4070A0"/>
+                </a:solidFill>
+                <a:latin typeface="Courier"/>
+              </a:rPr>
+              <a:t>"2005-06-01"</a:t>
+            </a:r>
+            <a:r>
+              <a:rPr>
+                <a:latin typeface="Courier"/>
+              </a:rPr>
+              <a:t>, </a:t>
+            </a:r>
+            <a:r>
+              <a:rPr>
+                <a:solidFill>
+                  <a:srgbClr val="4070A0"/>
+                </a:solidFill>
+                <a:latin typeface="Courier"/>
+              </a:rPr>
+              <a:t>"2023-08-31"</a:t>
+            </a:r>
+            <a:r>
+              <a:rPr>
+                <a:latin typeface="Courier"/>
+              </a:rPr>
+              <a:t>)</a:t>
+            </a:r>
+            <a:br/>
+            <a:br/>
+            <a:r>
+              <a:rPr i="1">
+                <a:solidFill>
+                  <a:srgbClr val="60A0B0"/>
+                </a:solidFill>
+                <a:latin typeface="Courier"/>
+              </a:rPr>
+              <a:t># Step 2: Fee-Adjusted Returns</a:t>
+            </a:r>
+            <a:br/>
+            <a:r>
+              <a:rPr>
+                <a:latin typeface="Courier"/>
+              </a:rPr>
+              <a:t>median_manager_fees </a:t>
+            </a:r>
+            <a:r>
+              <a:rPr>
+                <a:solidFill>
+                  <a:srgbClr val="007020"/>
+                </a:solidFill>
+                <a:latin typeface="Courier"/>
+              </a:rPr>
+              <a:t>&lt;-</a:t>
+            </a:r>
+            <a:r>
+              <a:rPr>
+                <a:latin typeface="Courier"/>
+              </a:rPr>
+              <a:t> </a:t>
+            </a:r>
+            <a:r>
+              <a:rPr>
+                <a:solidFill>
+                  <a:srgbClr val="06287E"/>
+                </a:solidFill>
+                <a:latin typeface="Courier"/>
+              </a:rPr>
+              <a:t>get_fee_adjusted_returns</a:t>
+            </a:r>
+            <a:r>
+              <a:rPr>
+                <a:latin typeface="Courier"/>
+              </a:rPr>
+              <a:t>(ASISA_median, </a:t>
+            </a:r>
+            <a:r>
+              <a:rPr>
+                <a:solidFill>
+                  <a:srgbClr val="4070A0"/>
+                </a:solidFill>
+                <a:latin typeface="Courier"/>
+              </a:rPr>
+              <a:t>"Returns"</a:t>
+            </a:r>
+            <a:r>
+              <a:rPr>
+                <a:latin typeface="Courier"/>
+              </a:rPr>
+              <a:t>, </a:t>
+            </a:r>
+            <a:r>
+              <a:rPr>
+                <a:solidFill>
+                  <a:srgbClr val="06287E"/>
+                </a:solidFill>
+                <a:latin typeface="Courier"/>
+              </a:rPr>
+              <a:t>c</a:t>
             </a:r>
             <a:r>
               <a:rPr>
@@ -3501,33 +6281,50 @@
             <a:r>
               <a:rPr>
                 <a:solidFill>
-                  <a:srgbClr val="4070A0"/>
-                </a:solidFill>
-                <a:latin typeface="Courier"/>
-              </a:rPr>
-              <a:t>~</a:t>
-            </a:r>
-            <a:r>
-              <a:rPr>
-                <a:latin typeface="Courier"/>
-              </a:rPr>
-              <a:t> Period) </a:t>
-            </a:r>
-            <a:r>
-              <a:rPr>
-                <a:solidFill>
-                  <a:srgbClr val="4070A0"/>
-                </a:solidFill>
-                <a:latin typeface="Courier"/>
-              </a:rPr>
-              <a:t>+</a:t>
-            </a:r>
-            <a:r>
-              <a:rPr>
-                <a:latin typeface="Courier"/>
-              </a:rPr>
-              <a:t>  </a:t>
-            </a:r>
+                  <a:srgbClr val="40A070"/>
+                </a:solidFill>
+                <a:latin typeface="Courier"/>
+              </a:rPr>
+              <a:t>50</a:t>
+            </a:r>
+            <a:r>
+              <a:rPr>
+                <a:latin typeface="Courier"/>
+              </a:rPr>
+              <a:t>, </a:t>
+            </a:r>
+            <a:r>
+              <a:rPr>
+                <a:solidFill>
+                  <a:srgbClr val="40A070"/>
+                </a:solidFill>
+                <a:latin typeface="Courier"/>
+              </a:rPr>
+              <a:t>100</a:t>
+            </a:r>
+            <a:r>
+              <a:rPr>
+                <a:latin typeface="Courier"/>
+              </a:rPr>
+              <a:t>, </a:t>
+            </a:r>
+            <a:r>
+              <a:rPr>
+                <a:solidFill>
+                  <a:srgbClr val="40A070"/>
+                </a:solidFill>
+                <a:latin typeface="Courier"/>
+              </a:rPr>
+              <a:t>200</a:t>
+            </a:r>
+            <a:r>
+              <a:rPr>
+                <a:latin typeface="Courier"/>
+              </a:rPr>
+              <a:t>))</a:t>
+            </a:r>
+            <a:br/>
+            <a:br/>
             <a:r>
               <a:rPr i="1">
                 <a:solidFill>
@@ -3535,14 +6332,29 @@
                 </a:solidFill>
                 <a:latin typeface="Courier"/>
               </a:rPr>
-              <a:t># Facet by rolling period</a:t>
-            </a:r>
-            <a:br/>
-            <a:r>
-              <a:rPr>
-                <a:latin typeface="Courier"/>
-              </a:rPr>
-              <a:t>  </a:t>
+              <a:t># Step 3: Combined Rolling Returns</a:t>
+            </a:r>
+            <a:br/>
+            <a:r>
+              <a:rPr>
+                <a:latin typeface="Courier"/>
+              </a:rPr>
+              <a:t>combined_rolling </a:t>
+            </a:r>
+            <a:r>
+              <a:rPr>
+                <a:solidFill>
+                  <a:srgbClr val="007020"/>
+                </a:solidFill>
+                <a:latin typeface="Courier"/>
+              </a:rPr>
+              <a:t>&lt;-</a:t>
+            </a:r>
+            <a:r>
+              <a:rPr>
+                <a:latin typeface="Courier"/>
+              </a:rPr>
+              <a:t> </a:t>
             </a:r>
             <a:r>
               <a:rPr>
@@ -3551,7 +6363,22 @@
                 </a:solidFill>
                 <a:latin typeface="Courier"/>
               </a:rPr>
-              <a:t>labs</a:t>
+              <a:t>combine_rolling_returns</a:t>
+            </a:r>
+            <a:r>
+              <a:rPr>
+                <a:latin typeface="Courier"/>
+              </a:rPr>
+              <a:t>(AI_Fund, BM, median_manager_fees, </a:t>
+            </a:r>
+            <a:r>
+              <a:rPr>
+                <a:solidFill>
+                  <a:srgbClr val="06287E"/>
+                </a:solidFill>
+                <a:latin typeface="Courier"/>
+              </a:rPr>
+              <a:t>c</a:t>
             </a:r>
             <a:r>
               <a:rPr>
@@ -3559,171 +6386,63 @@
               </a:rPr>
               <a:t>(</a:t>
             </a:r>
-            <a:br/>
-            <a:r>
-              <a:rPr>
-                <a:latin typeface="Courier"/>
-              </a:rPr>
-              <a:t>    </a:t>
-            </a:r>
-            <a:r>
-              <a:rPr>
-                <a:solidFill>
-                  <a:srgbClr val="7D9029"/>
-                </a:solidFill>
-                <a:latin typeface="Courier"/>
-              </a:rPr>
-              <a:t>title =</a:t>
-            </a:r>
-            <a:r>
-              <a:rPr>
-                <a:latin typeface="Courier"/>
-              </a:rPr>
-              <a:t> </a:t>
-            </a:r>
-            <a:r>
-              <a:rPr>
-                <a:solidFill>
-                  <a:srgbClr val="4070A0"/>
-                </a:solidFill>
-                <a:latin typeface="Courier"/>
-              </a:rPr>
-              <a:t>"Density of Rolling Returns by Period"</a:t>
-            </a:r>
-            <a:r>
-              <a:rPr>
-                <a:latin typeface="Courier"/>
-              </a:rPr>
-              <a:t>,</a:t>
-            </a:r>
-            <a:br/>
-            <a:r>
-              <a:rPr>
-                <a:latin typeface="Courier"/>
-              </a:rPr>
-              <a:t>    </a:t>
-            </a:r>
-            <a:r>
-              <a:rPr>
-                <a:solidFill>
-                  <a:srgbClr val="7D9029"/>
-                </a:solidFill>
-                <a:latin typeface="Courier"/>
-              </a:rPr>
-              <a:t>x =</a:t>
-            </a:r>
-            <a:r>
-              <a:rPr>
-                <a:latin typeface="Courier"/>
-              </a:rPr>
-              <a:t> </a:t>
-            </a:r>
-            <a:r>
-              <a:rPr>
-                <a:solidFill>
-                  <a:srgbClr val="4070A0"/>
-                </a:solidFill>
-                <a:latin typeface="Courier"/>
-              </a:rPr>
-              <a:t>"Rolling Return"</a:t>
-            </a:r>
-            <a:r>
-              <a:rPr>
-                <a:latin typeface="Courier"/>
-              </a:rPr>
-              <a:t>,</a:t>
-            </a:r>
-            <a:br/>
-            <a:r>
-              <a:rPr>
-                <a:latin typeface="Courier"/>
-              </a:rPr>
-              <a:t>    </a:t>
-            </a:r>
-            <a:r>
-              <a:rPr>
-                <a:solidFill>
-                  <a:srgbClr val="7D9029"/>
-                </a:solidFill>
-                <a:latin typeface="Courier"/>
-              </a:rPr>
-              <a:t>y =</a:t>
-            </a:r>
-            <a:r>
-              <a:rPr>
-                <a:latin typeface="Courier"/>
-              </a:rPr>
-              <a:t> </a:t>
-            </a:r>
-            <a:r>
-              <a:rPr>
-                <a:solidFill>
-                  <a:srgbClr val="4070A0"/>
-                </a:solidFill>
-                <a:latin typeface="Courier"/>
-              </a:rPr>
-              <a:t>"Density"</a:t>
-            </a:r>
-            <a:r>
-              <a:rPr>
-                <a:latin typeface="Courier"/>
-              </a:rPr>
-              <a:t>,</a:t>
-            </a:r>
-            <a:br/>
-            <a:r>
-              <a:rPr>
-                <a:latin typeface="Courier"/>
-              </a:rPr>
-              <a:t>    </a:t>
-            </a:r>
-            <a:r>
-              <a:rPr>
-                <a:solidFill>
-                  <a:srgbClr val="7D9029"/>
-                </a:solidFill>
-                <a:latin typeface="Courier"/>
-              </a:rPr>
-              <a:t>fill =</a:t>
-            </a:r>
-            <a:r>
-              <a:rPr>
-                <a:latin typeface="Courier"/>
-              </a:rPr>
-              <a:t> </a:t>
-            </a:r>
-            <a:r>
-              <a:rPr>
-                <a:solidFill>
-                  <a:srgbClr val="4070A0"/>
-                </a:solidFill>
-                <a:latin typeface="Courier"/>
-              </a:rPr>
-              <a:t>"Type"</a:t>
-            </a:r>
-            <a:br/>
-            <a:r>
-              <a:rPr>
-                <a:latin typeface="Courier"/>
-              </a:rPr>
-              <a:t>  ) </a:t>
-            </a:r>
-            <a:r>
-              <a:rPr>
-                <a:solidFill>
-                  <a:srgbClr val="4070A0"/>
-                </a:solidFill>
-                <a:latin typeface="Courier"/>
-              </a:rPr>
-              <a:t>+</a:t>
-            </a:r>
-            <a:br/>
-            <a:r>
-              <a:rPr>
-                <a:latin typeface="Courier"/>
-              </a:rPr>
-              <a:t>  </a:t>
-            </a:r>
+            <a:r>
+              <a:rPr>
+                <a:solidFill>
+                  <a:srgbClr val="40A070"/>
+                </a:solidFill>
+                <a:latin typeface="Courier"/>
+              </a:rPr>
+              <a:t>12</a:t>
+            </a:r>
+            <a:r>
+              <a:rPr>
+                <a:latin typeface="Courier"/>
+              </a:rPr>
+              <a:t>, </a:t>
+            </a:r>
+            <a:r>
+              <a:rPr>
+                <a:solidFill>
+                  <a:srgbClr val="40A070"/>
+                </a:solidFill>
+                <a:latin typeface="Courier"/>
+              </a:rPr>
+              <a:t>24</a:t>
+            </a:r>
+            <a:r>
+              <a:rPr>
+                <a:latin typeface="Courier"/>
+              </a:rPr>
+              <a:t>, </a:t>
+            </a:r>
+            <a:r>
+              <a:rPr>
+                <a:solidFill>
+                  <a:srgbClr val="40A070"/>
+                </a:solidFill>
+                <a:latin typeface="Courier"/>
+              </a:rPr>
+              <a:t>36</a:t>
+            </a:r>
+            <a:r>
+              <a:rPr>
+                <a:latin typeface="Courier"/>
+              </a:rPr>
+              <a:t>))</a:t>
+            </a:r>
+            <a:br/>
+            <a:br/>
+            <a:r>
+              <a:rPr i="1">
+                <a:solidFill>
+                  <a:srgbClr val="60A0B0"/>
+                </a:solidFill>
+                <a:latin typeface="Courier"/>
+              </a:rPr>
+              <a:t># Step 4: Plots</a:t>
+            </a:r>
+            <a:br/>
             <a:r>
               <a:rPr>
                 <a:solidFill>
@@ -3731,171 +6450,20 @@
                 </a:solidFill>
                 <a:latin typeface="Courier"/>
               </a:rPr>
-              <a:t>theme_bw</a:t>
-            </a:r>
-            <a:r>
-              <a:rPr>
-                <a:latin typeface="Courier"/>
-              </a:rPr>
-              <a:t>() </a:t>
-            </a:r>
-            <a:r>
-              <a:rPr>
-                <a:solidFill>
-                  <a:srgbClr val="4070A0"/>
-                </a:solidFill>
-                <a:latin typeface="Courier"/>
-              </a:rPr>
-              <a:t>+</a:t>
-            </a:r>
-            <a:r>
-              <a:rPr>
-                <a:latin typeface="Courier"/>
-              </a:rPr>
-              <a:t>  </a:t>
-            </a:r>
-            <a:r>
-              <a:rPr i="1">
-                <a:solidFill>
-                  <a:srgbClr val="60A0B0"/>
-                </a:solidFill>
-                <a:latin typeface="Courier"/>
-              </a:rPr>
-              <a:t># Clean theme</a:t>
-            </a:r>
-            <a:br/>
-            <a:r>
-              <a:rPr>
-                <a:latin typeface="Courier"/>
-              </a:rPr>
-              <a:t>  </a:t>
-            </a:r>
-            <a:r>
-              <a:rPr>
-                <a:solidFill>
-                  <a:srgbClr val="06287E"/>
-                </a:solidFill>
-                <a:latin typeface="Courier"/>
-              </a:rPr>
-              <a:t>theme</a:t>
-            </a:r>
-            <a:r>
-              <a:rPr>
-                <a:latin typeface="Courier"/>
-              </a:rPr>
-              <a:t>(</a:t>
-            </a:r>
-            <a:br/>
-            <a:r>
-              <a:rPr>
-                <a:latin typeface="Courier"/>
-              </a:rPr>
-              <a:t>    </a:t>
-            </a:r>
-            <a:r>
-              <a:rPr>
-                <a:solidFill>
-                  <a:srgbClr val="7D9029"/>
-                </a:solidFill>
-                <a:latin typeface="Courier"/>
-              </a:rPr>
-              <a:t>plot.title =</a:t>
-            </a:r>
-            <a:r>
-              <a:rPr>
-                <a:latin typeface="Courier"/>
-              </a:rPr>
-              <a:t> </a:t>
-            </a:r>
-            <a:r>
-              <a:rPr>
-                <a:solidFill>
-                  <a:srgbClr val="06287E"/>
-                </a:solidFill>
-                <a:latin typeface="Courier"/>
-              </a:rPr>
-              <a:t>element_text</a:t>
-            </a:r>
-            <a:r>
-              <a:rPr>
-                <a:latin typeface="Courier"/>
-              </a:rPr>
-              <a:t>(</a:t>
-            </a:r>
-            <a:r>
-              <a:rPr>
-                <a:solidFill>
-                  <a:srgbClr val="7D9029"/>
-                </a:solidFill>
-                <a:latin typeface="Courier"/>
-              </a:rPr>
-              <a:t>hjust =</a:t>
-            </a:r>
-            <a:r>
-              <a:rPr>
-                <a:latin typeface="Courier"/>
-              </a:rPr>
-              <a:t> </a:t>
-            </a:r>
-            <a:r>
-              <a:rPr>
-                <a:solidFill>
-                  <a:srgbClr val="40A070"/>
-                </a:solidFill>
-                <a:latin typeface="Courier"/>
-              </a:rPr>
-              <a:t>0.5</a:t>
-            </a:r>
-            <a:r>
-              <a:rPr>
-                <a:latin typeface="Courier"/>
-              </a:rPr>
-              <a:t>),</a:t>
-            </a:r>
-            <a:br/>
-            <a:r>
-              <a:rPr>
-                <a:latin typeface="Courier"/>
-              </a:rPr>
-              <a:t>    </a:t>
-            </a:r>
-            <a:r>
-              <a:rPr>
-                <a:solidFill>
-                  <a:srgbClr val="7D9029"/>
-                </a:solidFill>
-                <a:latin typeface="Courier"/>
-              </a:rPr>
-              <a:t>legend.position =</a:t>
-            </a:r>
-            <a:r>
-              <a:rPr>
-                <a:latin typeface="Courier"/>
-              </a:rPr>
-              <a:t> </a:t>
-            </a:r>
-            <a:r>
-              <a:rPr>
-                <a:solidFill>
-                  <a:srgbClr val="4070A0"/>
-                </a:solidFill>
-                <a:latin typeface="Courier"/>
-              </a:rPr>
-              <a:t>"bottom"</a:t>
-            </a:r>
-            <a:br/>
-            <a:r>
-              <a:rPr>
-                <a:latin typeface="Courier"/>
-              </a:rPr>
-              <a:t>  )</a:t>
+              <a:t>plot_rolling_returns</a:t>
+            </a:r>
+            <a:r>
+              <a:rPr>
+                <a:latin typeface="Courier"/>
+              </a:rPr>
+              <a:t>(combined_rolling)</a:t>
             </a:r>
           </a:p>
         </p:txBody>
       </p:sp>
       <p:pic>
         <p:nvPicPr>
-          <p:cNvPr descr="README_files/figure-pptx/unnamed-chunk-1-1.png" id="0" name="Picture 1"/>
+          <p:cNvPr descr="README_files/figure-pptx/unnamed-chunk-5-1.png" id="0" name="Picture 1"/>
           <p:cNvPicPr>
             <a:picLocks noGrp="1" noChangeAspect="1"/>
           </p:cNvPicPr>
@@ -3947,12 +6515,12 @@
       </p:grpSpPr>
       <p:sp>
         <p:nvSpPr>
-          <p:cNvPr id="3" name="Content Placeholder 2"/>
+          <p:cNvPr id="4" name="Text Placeholder 3"/>
           <p:cNvSpPr>
             <a:spLocks noGrp="1"/>
           </p:cNvSpPr>
           <p:nvPr>
-            <p:ph idx="1"/>
+            <p:ph idx="2" sz="half" type="body"/>
           </p:nvPr>
         </p:nvSpPr>
         <p:spPr/>
@@ -3963,312 +6531,59 @@
             <a:pPr lvl="0" indent="0" marL="0">
               <a:buNone/>
             </a:pPr>
-            <a:r>
-              <a:rPr/>
-              <a:t> ***</a:t>
-            </a:r>
           </a:p>
           <a:p>
             <a:pPr lvl="0" indent="0">
               <a:buNone/>
             </a:pPr>
             <a:r>
-              <a:rPr i="1">
-                <a:solidFill>
-                  <a:srgbClr val="60A0B0"/>
-                </a:solidFill>
-                <a:latin typeface="Courier"/>
-              </a:rPr>
-              <a:t># Calculate rolling volatility for the benchmark (BM)</a:t>
-            </a:r>
-            <a:br/>
-            <a:r>
-              <a:rPr>
-                <a:latin typeface="Courier"/>
-              </a:rPr>
-              <a:t>BM_volatility </a:t>
-            </a:r>
-            <a:r>
-              <a:rPr>
-                <a:solidFill>
-                  <a:srgbClr val="007020"/>
-                </a:solidFill>
-                <a:latin typeface="Courier"/>
-              </a:rPr>
-              <a:t>&lt;-</a:t>
-            </a:r>
-            <a:r>
-              <a:rPr>
-                <a:latin typeface="Courier"/>
-              </a:rPr>
-              <a:t> </a:t>
-            </a:r>
-            <a:r>
               <a:rPr>
                 <a:solidFill>
                   <a:srgbClr val="06287E"/>
                 </a:solidFill>
                 <a:latin typeface="Courier"/>
               </a:rPr>
-              <a:t>calculate_rolling_volatility</a:t>
-            </a:r>
-            <a:r>
-              <a:rPr>
-                <a:latin typeface="Courier"/>
-              </a:rPr>
-              <a:t>(BM</a:t>
-            </a:r>
-            <a:r>
-              <a:rPr>
-                <a:solidFill>
-                  <a:srgbClr val="4070A0"/>
-                </a:solidFill>
-                <a:latin typeface="Courier"/>
-              </a:rPr>
-              <a:t>$</a:t>
-            </a:r>
-            <a:r>
-              <a:rPr>
-                <a:latin typeface="Courier"/>
-              </a:rPr>
-              <a:t>Returns, BM</a:t>
-            </a:r>
-            <a:r>
-              <a:rPr>
-                <a:solidFill>
-                  <a:srgbClr val="4070A0"/>
-                </a:solidFill>
-                <a:latin typeface="Courier"/>
-              </a:rPr>
-              <a:t>$</a:t>
-            </a:r>
-            <a:r>
-              <a:rPr>
-                <a:latin typeface="Courier"/>
-              </a:rPr>
-              <a:t>date, </a:t>
-            </a:r>
-            <a:r>
-              <a:rPr>
-                <a:solidFill>
-                  <a:srgbClr val="7D9029"/>
-                </a:solidFill>
-                <a:latin typeface="Courier"/>
-              </a:rPr>
-              <a:t>window_size =</a:t>
-            </a:r>
-            <a:r>
-              <a:rPr>
-                <a:latin typeface="Courier"/>
-              </a:rPr>
-              <a:t> </a:t>
-            </a:r>
-            <a:r>
-              <a:rPr>
-                <a:solidFill>
-                  <a:srgbClr val="40A070"/>
-                </a:solidFill>
-                <a:latin typeface="Courier"/>
-              </a:rPr>
-              <a:t>20</a:t>
-            </a:r>
-            <a:r>
-              <a:rPr>
-                <a:latin typeface="Courier"/>
-              </a:rPr>
-              <a:t>) </a:t>
-            </a:r>
-            <a:r>
-              <a:rPr>
-                <a:solidFill>
-                  <a:srgbClr val="4070A0"/>
-                </a:solidFill>
-                <a:latin typeface="Courier"/>
-              </a:rPr>
-              <a:t>%&gt;%</a:t>
-            </a:r>
-            <a:br/>
-            <a:r>
-              <a:rPr>
-                <a:latin typeface="Courier"/>
-              </a:rPr>
-              <a:t>  </a:t>
-            </a:r>
-            <a:r>
-              <a:rPr>
-                <a:solidFill>
-                  <a:srgbClr val="06287E"/>
-                </a:solidFill>
-                <a:latin typeface="Courier"/>
-              </a:rPr>
-              <a:t>mutate</a:t>
-            </a:r>
-            <a:r>
-              <a:rPr>
-                <a:latin typeface="Courier"/>
-              </a:rPr>
-              <a:t>(</a:t>
-            </a:r>
-            <a:r>
-              <a:rPr>
-                <a:solidFill>
-                  <a:srgbClr val="7D9029"/>
-                </a:solidFill>
-                <a:latin typeface="Courier"/>
-              </a:rPr>
-              <a:t>Volatility_Regime =</a:t>
-            </a:r>
-            <a:r>
-              <a:rPr>
-                <a:latin typeface="Courier"/>
-              </a:rPr>
-              <a:t> </a:t>
-            </a:r>
-            <a:r>
-              <a:rPr>
-                <a:solidFill>
-                  <a:srgbClr val="06287E"/>
-                </a:solidFill>
-                <a:latin typeface="Courier"/>
-              </a:rPr>
-              <a:t>stratify_volatility_regimes</a:t>
-            </a:r>
-            <a:r>
-              <a:rPr>
-                <a:latin typeface="Courier"/>
-              </a:rPr>
-              <a:t>(Rolling_Volatility))</a:t>
-            </a:r>
-            <a:br/>
-            <a:br/>
-            <a:br/>
-            <a:br/>
-            <a:br/>
-            <a:r>
-              <a:rPr i="1">
-                <a:solidFill>
-                  <a:srgbClr val="60A0B0"/>
-                </a:solidFill>
-                <a:latin typeface="Courier"/>
-              </a:rPr>
-              <a:t># Merge volatility regimes with combined rolling returns</a:t>
-            </a:r>
-            <a:br/>
-            <a:r>
-              <a:rPr>
-                <a:latin typeface="Courier"/>
-              </a:rPr>
-              <a:t>combined_rolling </a:t>
-            </a:r>
-            <a:r>
-              <a:rPr>
-                <a:solidFill>
-                  <a:srgbClr val="007020"/>
-                </a:solidFill>
-                <a:latin typeface="Courier"/>
-              </a:rPr>
-              <a:t>&lt;-</a:t>
-            </a:r>
-            <a:r>
-              <a:rPr>
-                <a:latin typeface="Courier"/>
-              </a:rPr>
-              <a:t> combined_rolling </a:t>
-            </a:r>
-            <a:r>
-              <a:rPr>
-                <a:solidFill>
-                  <a:srgbClr val="4070A0"/>
-                </a:solidFill>
-                <a:latin typeface="Courier"/>
-              </a:rPr>
-              <a:t>%&gt;%</a:t>
-            </a:r>
-            <a:br/>
-            <a:r>
-              <a:rPr>
-                <a:latin typeface="Courier"/>
-              </a:rPr>
-              <a:t>  </a:t>
-            </a:r>
-            <a:r>
-              <a:rPr>
-                <a:solidFill>
-                  <a:srgbClr val="06287E"/>
-                </a:solidFill>
-                <a:latin typeface="Courier"/>
-              </a:rPr>
-              <a:t>left_join</a:t>
-            </a:r>
-            <a:r>
-              <a:rPr>
-                <a:latin typeface="Courier"/>
-              </a:rPr>
-              <a:t>(BM_volatility </a:t>
-            </a:r>
-            <a:r>
-              <a:rPr>
-                <a:solidFill>
-                  <a:srgbClr val="4070A0"/>
-                </a:solidFill>
-                <a:latin typeface="Courier"/>
-              </a:rPr>
-              <a:t>%&gt;%</a:t>
-            </a:r>
-            <a:r>
-              <a:rPr>
-                <a:latin typeface="Courier"/>
-              </a:rPr>
-              <a:t> </a:t>
-            </a:r>
-            <a:r>
-              <a:rPr>
-                <a:solidFill>
-                  <a:srgbClr val="06287E"/>
-                </a:solidFill>
-                <a:latin typeface="Courier"/>
-              </a:rPr>
-              <a:t>select</a:t>
-            </a:r>
-            <a:r>
-              <a:rPr>
-                <a:latin typeface="Courier"/>
-              </a:rPr>
-              <a:t>(date, Volatility_Regime), </a:t>
-            </a:r>
-            <a:r>
-              <a:rPr>
-                <a:solidFill>
-                  <a:srgbClr val="7D9029"/>
-                </a:solidFill>
-                <a:latin typeface="Courier"/>
-              </a:rPr>
-              <a:t>by =</a:t>
-            </a:r>
-            <a:r>
-              <a:rPr>
-                <a:latin typeface="Courier"/>
-              </a:rPr>
-              <a:t> </a:t>
-            </a:r>
-            <a:r>
-              <a:rPr>
-                <a:solidFill>
-                  <a:srgbClr val="4070A0"/>
-                </a:solidFill>
-                <a:latin typeface="Courier"/>
-              </a:rPr>
-              <a:t>"date"</a:t>
-            </a:r>
-            <a:r>
-              <a:rPr>
-                <a:latin typeface="Courier"/>
-              </a:rPr>
-              <a:t>)</a:t>
+              <a:t>plot_density</a:t>
+            </a:r>
+            <a:r>
+              <a:rPr>
+                <a:latin typeface="Courier"/>
+              </a:rPr>
+              <a:t>(combined_rolling)</a:t>
             </a:r>
           </a:p>
         </p:txBody>
       </p:sp>
+      <p:pic>
+        <p:nvPicPr>
+          <p:cNvPr descr="README_files/figure-pptx/unnamed-chunk-5-2.png" id="0" name="Picture 1"/>
+          <p:cNvPicPr>
+            <a:picLocks noGrp="1" noChangeAspect="1"/>
+          </p:cNvPicPr>
+          <p:nvPr/>
+        </p:nvPicPr>
+        <p:blipFill>
+          <a:blip r:embed="rId2"/>
+          <a:stretch>
+            <a:fillRect/>
+          </a:stretch>
+        </p:blipFill>
+        <p:spPr bwMode="auto">
+          <a:xfrm>
+            <a:off x="3568700" y="355600"/>
+            <a:ext cx="5105400" cy="4089400"/>
+          </a:xfrm>
+          <a:prstGeom prst="rect">
+            <a:avLst/>
+          </a:prstGeom>
+          <a:noFill/>
+          <a:ln w="9525">
+            <a:noFill/>
+            <a:headEnd/>
+            <a:tailEnd/>
+          </a:ln>
+        </p:spPr>
+      </p:pic>
     </p:spTree>
   </p:cSld>
 </p:sld>
@@ -4306,23 +6621,119 @@
           <a:bodyPr/>
           <a:lstStyle/>
           <a:p>
+            <a:pPr lvl="0" indent="0" marL="0">
+              <a:buNone/>
+            </a:pPr>
+          </a:p>
+          <a:p>
             <a:pPr lvl="0" indent="0">
               <a:buNone/>
             </a:pPr>
             <a:r>
+              <a:rPr i="1">
+                <a:solidFill>
+                  <a:srgbClr val="60A0B0"/>
+                </a:solidFill>
+                <a:latin typeface="Courier"/>
+              </a:rPr>
+              <a:t># Step 5: Volatility Analysis</a:t>
+            </a:r>
+            <a:br/>
+            <a:r>
+              <a:rPr>
+                <a:latin typeface="Courier"/>
+              </a:rPr>
+              <a:t>BM_volatility </a:t>
+            </a:r>
+            <a:r>
+              <a:rPr>
+                <a:solidFill>
+                  <a:srgbClr val="007020"/>
+                </a:solidFill>
+                <a:latin typeface="Courier"/>
+              </a:rPr>
+              <a:t>&lt;-</a:t>
+            </a:r>
+            <a:r>
+              <a:rPr>
+                <a:latin typeface="Courier"/>
+              </a:rPr>
+              <a:t> </a:t>
+            </a:r>
+            <a:r>
               <a:rPr>
                 <a:solidFill>
                   <a:srgbClr val="06287E"/>
                 </a:solidFill>
                 <a:latin typeface="Courier"/>
               </a:rPr>
-              <a:t>ggplot</a:t>
-            </a:r>
-            <a:r>
-              <a:rPr>
-                <a:latin typeface="Courier"/>
-              </a:rPr>
-              <a:t>(combined_rolling </a:t>
+              <a:t>calculate_rolling_volatility</a:t>
+            </a:r>
+            <a:r>
+              <a:rPr>
+                <a:latin typeface="Courier"/>
+              </a:rPr>
+              <a:t>(BM</a:t>
+            </a:r>
+            <a:r>
+              <a:rPr>
+                <a:solidFill>
+                  <a:srgbClr val="4070A0"/>
+                </a:solidFill>
+                <a:latin typeface="Courier"/>
+              </a:rPr>
+              <a:t>$</a:t>
+            </a:r>
+            <a:r>
+              <a:rPr>
+                <a:latin typeface="Courier"/>
+              </a:rPr>
+              <a:t>Returns, BM</a:t>
+            </a:r>
+            <a:r>
+              <a:rPr>
+                <a:solidFill>
+                  <a:srgbClr val="4070A0"/>
+                </a:solidFill>
+                <a:latin typeface="Courier"/>
+              </a:rPr>
+              <a:t>$</a:t>
+            </a:r>
+            <a:r>
+              <a:rPr>
+                <a:latin typeface="Courier"/>
+              </a:rPr>
+              <a:t>date, </a:t>
+            </a:r>
+            <a:r>
+              <a:rPr>
+                <a:solidFill>
+                  <a:srgbClr val="7D9029"/>
+                </a:solidFill>
+                <a:latin typeface="Courier"/>
+              </a:rPr>
+              <a:t>window_size =</a:t>
+            </a:r>
+            <a:r>
+              <a:rPr>
+                <a:latin typeface="Courier"/>
+              </a:rPr>
+              <a:t> </a:t>
+            </a:r>
+            <a:r>
+              <a:rPr>
+                <a:solidFill>
+                  <a:srgbClr val="40A070"/>
+                </a:solidFill>
+                <a:latin typeface="Courier"/>
+              </a:rPr>
+              <a:t>20</a:t>
+            </a:r>
+            <a:r>
+              <a:rPr>
+                <a:latin typeface="Courier"/>
+              </a:rPr>
+              <a:t>) </a:t>
             </a:r>
             <a:r>
               <a:rPr>
@@ -4333,6 +6744,37 @@
               </a:rPr>
               <a:t>%&gt;%</a:t>
             </a:r>
+            <a:br/>
+            <a:r>
+              <a:rPr>
+                <a:latin typeface="Courier"/>
+              </a:rPr>
+              <a:t>    </a:t>
+            </a:r>
+            <a:r>
+              <a:rPr>
+                <a:solidFill>
+                  <a:srgbClr val="06287E"/>
+                </a:solidFill>
+                <a:latin typeface="Courier"/>
+              </a:rPr>
+              <a:t>mutate</a:t>
+            </a:r>
+            <a:r>
+              <a:rPr>
+                <a:latin typeface="Courier"/>
+              </a:rPr>
+              <a:t>(</a:t>
+            </a:r>
+            <a:r>
+              <a:rPr>
+                <a:solidFill>
+                  <a:srgbClr val="7D9029"/>
+                </a:solidFill>
+                <a:latin typeface="Courier"/>
+              </a:rPr>
+              <a:t>Volatility_Regime =</a:t>
+            </a:r>
             <a:r>
               <a:rPr>
                 <a:latin typeface="Courier"/>
@@ -4346,7 +6788,152 @@
                 </a:solidFill>
                 <a:latin typeface="Courier"/>
               </a:rPr>
-              <a:t>filter</a:t>
+              <a:t>stratify_volatility_regimes</a:t>
+            </a:r>
+            <a:r>
+              <a:rPr>
+                <a:latin typeface="Courier"/>
+              </a:rPr>
+              <a:t>(Rolling_Volatility))</a:t>
+            </a:r>
+            <a:br/>
+            <a:br/>
+            <a:r>
+              <a:rPr>
+                <a:latin typeface="Courier"/>
+              </a:rPr>
+              <a:t>combined_with_volatility </a:t>
+            </a:r>
+            <a:r>
+              <a:rPr>
+                <a:solidFill>
+                  <a:srgbClr val="007020"/>
+                </a:solidFill>
+                <a:latin typeface="Courier"/>
+              </a:rPr>
+              <a:t>&lt;-</a:t>
+            </a:r>
+            <a:r>
+              <a:rPr>
+                <a:latin typeface="Courier"/>
+              </a:rPr>
+              <a:t> combined_rolling </a:t>
+            </a:r>
+            <a:r>
+              <a:rPr>
+                <a:solidFill>
+                  <a:srgbClr val="4070A0"/>
+                </a:solidFill>
+                <a:latin typeface="Courier"/>
+              </a:rPr>
+              <a:t>%&gt;%</a:t>
+            </a:r>
+            <a:br/>
+            <a:r>
+              <a:rPr>
+                <a:latin typeface="Courier"/>
+              </a:rPr>
+              <a:t>    </a:t>
+            </a:r>
+            <a:r>
+              <a:rPr>
+                <a:solidFill>
+                  <a:srgbClr val="06287E"/>
+                </a:solidFill>
+                <a:latin typeface="Courier"/>
+              </a:rPr>
+              <a:t>left_join</a:t>
+            </a:r>
+            <a:r>
+              <a:rPr>
+                <a:latin typeface="Courier"/>
+              </a:rPr>
+              <a:t>(BM_volatility </a:t>
+            </a:r>
+            <a:r>
+              <a:rPr>
+                <a:solidFill>
+                  <a:srgbClr val="4070A0"/>
+                </a:solidFill>
+                <a:latin typeface="Courier"/>
+              </a:rPr>
+              <a:t>%&gt;%</a:t>
+            </a:r>
+            <a:r>
+              <a:rPr>
+                <a:latin typeface="Courier"/>
+              </a:rPr>
+              <a:t> </a:t>
+            </a:r>
+            <a:r>
+              <a:rPr>
+                <a:solidFill>
+                  <a:srgbClr val="06287E"/>
+                </a:solidFill>
+                <a:latin typeface="Courier"/>
+              </a:rPr>
+              <a:t>select</a:t>
+            </a:r>
+            <a:r>
+              <a:rPr>
+                <a:latin typeface="Courier"/>
+              </a:rPr>
+              <a:t>(date, Volatility_Regime), </a:t>
+            </a:r>
+            <a:r>
+              <a:rPr>
+                <a:solidFill>
+                  <a:srgbClr val="7D9029"/>
+                </a:solidFill>
+                <a:latin typeface="Courier"/>
+              </a:rPr>
+              <a:t>by =</a:t>
+            </a:r>
+            <a:r>
+              <a:rPr>
+                <a:latin typeface="Courier"/>
+              </a:rPr>
+              <a:t> </a:t>
+            </a:r>
+            <a:r>
+              <a:rPr>
+                <a:solidFill>
+                  <a:srgbClr val="4070A0"/>
+                </a:solidFill>
+                <a:latin typeface="Courier"/>
+              </a:rPr>
+              <a:t>"date"</a:t>
+            </a:r>
+            <a:r>
+              <a:rPr>
+                <a:latin typeface="Courier"/>
+              </a:rPr>
+              <a:t>) </a:t>
+            </a:r>
+            <a:r>
+              <a:rPr>
+                <a:solidFill>
+                  <a:srgbClr val="4070A0"/>
+                </a:solidFill>
+                <a:latin typeface="Courier"/>
+              </a:rPr>
+              <a:t>%&gt;%</a:t>
+            </a:r>
+            <a:br/>
+            <a:r>
+              <a:rPr>
+                <a:latin typeface="Courier"/>
+              </a:rPr>
+              <a:t>    </a:t>
+            </a:r>
+            <a:r>
+              <a:rPr>
+                <a:solidFill>
+                  <a:srgbClr val="06287E"/>
+                </a:solidFill>
+                <a:latin typeface="Courier"/>
+              </a:rPr>
+              <a:t>mutate</a:t>
             </a:r>
             <a:r>
               <a:rPr>
@@ -4357,11 +6944,17 @@
             <a:r>
               <a:rPr>
                 <a:solidFill>
-                  <a:srgbClr val="4070A0"/>
-                </a:solidFill>
-                <a:latin typeface="Courier"/>
-              </a:rPr>
-              <a:t>!</a:t>
+                  <a:srgbClr val="7D9029"/>
+                </a:solidFill>
+                <a:latin typeface="Courier"/>
+              </a:rPr>
+              <a:t>Volatility_Regime =</a:t>
+            </a:r>
+            <a:r>
+              <a:rPr>
+                <a:latin typeface="Courier"/>
+              </a:rPr>
+              <a:t> </a:t>
             </a:r>
             <a:r>
               <a:rPr>
@@ -4370,20 +6963,35 @@
                 </a:solidFill>
                 <a:latin typeface="Courier"/>
               </a:rPr>
-              <a:t>is.na</a:t>
-            </a:r>
-            <a:r>
-              <a:rPr>
-                <a:latin typeface="Courier"/>
-              </a:rPr>
-              <a:t>(Volatility_Regime)), </a:t>
-            </a:r>
-            <a:br/>
-            <a:r>
-              <a:rPr>
-                <a:latin typeface="Courier"/>
-              </a:rPr>
-              <a:t>       </a:t>
+              <a:t>factor</a:t>
+            </a:r>
+            <a:r>
+              <a:rPr>
+                <a:latin typeface="Courier"/>
+              </a:rPr>
+              <a:t>(Volatility_Regime, </a:t>
+            </a:r>
+            <a:br/>
+            <a:r>
+              <a:rPr>
+                <a:latin typeface="Courier"/>
+              </a:rPr>
+              <a:t>                                      </a:t>
+            </a:r>
+            <a:r>
+              <a:rPr>
+                <a:solidFill>
+                  <a:srgbClr val="7D9029"/>
+                </a:solidFill>
+                <a:latin typeface="Courier"/>
+              </a:rPr>
+              <a:t>levels =</a:t>
+            </a:r>
+            <a:r>
+              <a:rPr>
+                <a:latin typeface="Courier"/>
+              </a:rPr>
+              <a:t> </a:t>
             </a:r>
             <a:r>
               <a:rPr>
@@ -4392,7 +7000,7 @@
                 </a:solidFill>
                 <a:latin typeface="Courier"/>
               </a:rPr>
-              <a:t>aes</a:t>
+              <a:t>c</a:t>
             </a:r>
             <a:r>
               <a:rPr>
@@ -4403,49 +7011,51 @@
             <a:r>
               <a:rPr>
                 <a:solidFill>
-                  <a:srgbClr val="7D9029"/>
-                </a:solidFill>
-                <a:latin typeface="Courier"/>
-              </a:rPr>
-              <a:t>x =</a:t>
-            </a:r>
-            <a:r>
-              <a:rPr>
-                <a:latin typeface="Courier"/>
-              </a:rPr>
-              <a:t> rolling_return, </a:t>
-            </a:r>
-            <a:r>
-              <a:rPr>
-                <a:solidFill>
-                  <a:srgbClr val="7D9029"/>
-                </a:solidFill>
-                <a:latin typeface="Courier"/>
-              </a:rPr>
-              <a:t>fill =</a:t>
-            </a:r>
-            <a:r>
-              <a:rPr>
-                <a:latin typeface="Courier"/>
-              </a:rPr>
-              <a:t> Type)) </a:t>
-            </a:r>
-            <a:r>
-              <a:rPr>
-                <a:solidFill>
-                  <a:srgbClr val="4070A0"/>
-                </a:solidFill>
-                <a:latin typeface="Courier"/>
-              </a:rPr>
-              <a:t>+</a:t>
-            </a:r>
-            <a:br/>
-            <a:r>
-              <a:rPr>
-                <a:latin typeface="Courier"/>
-              </a:rPr>
-              <a:t>  </a:t>
-            </a:r>
+                  <a:srgbClr val="4070A0"/>
+                </a:solidFill>
+                <a:latin typeface="Courier"/>
+              </a:rPr>
+              <a:t>"Low Volatility"</a:t>
+            </a:r>
+            <a:r>
+              <a:rPr>
+                <a:latin typeface="Courier"/>
+              </a:rPr>
+              <a:t>, </a:t>
+            </a:r>
+            <a:r>
+              <a:rPr>
+                <a:solidFill>
+                  <a:srgbClr val="4070A0"/>
+                </a:solidFill>
+                <a:latin typeface="Courier"/>
+              </a:rPr>
+              <a:t>"Normal"</a:t>
+            </a:r>
+            <a:r>
+              <a:rPr>
+                <a:latin typeface="Courier"/>
+              </a:rPr>
+              <a:t>, </a:t>
+            </a:r>
+            <a:r>
+              <a:rPr>
+                <a:solidFill>
+                  <a:srgbClr val="4070A0"/>
+                </a:solidFill>
+                <a:latin typeface="Courier"/>
+              </a:rPr>
+              <a:t>"High Volatility"</a:t>
+            </a:r>
+            <a:r>
+              <a:rPr>
+                <a:latin typeface="Courier"/>
+              </a:rPr>
+              <a:t>)))</a:t>
+            </a:r>
+            <a:br/>
+            <a:br/>
+            <a:br/>
             <a:r>
               <a:rPr>
                 <a:solidFill>
@@ -4453,455 +7063,1803 @@
                 </a:solidFill>
                 <a:latin typeface="Courier"/>
               </a:rPr>
-              <a:t>geom_density</a:t>
-            </a:r>
-            <a:r>
-              <a:rPr>
-                <a:latin typeface="Courier"/>
-              </a:rPr>
-              <a:t>(</a:t>
-            </a:r>
-            <a:r>
-              <a:rPr>
-                <a:solidFill>
-                  <a:srgbClr val="7D9029"/>
-                </a:solidFill>
-                <a:latin typeface="Courier"/>
-              </a:rPr>
-              <a:t>alpha =</a:t>
-            </a:r>
-            <a:r>
-              <a:rPr>
-                <a:latin typeface="Courier"/>
-              </a:rPr>
-              <a:t> </a:t>
-            </a:r>
-            <a:r>
-              <a:rPr>
-                <a:solidFill>
-                  <a:srgbClr val="40A070"/>
-                </a:solidFill>
-                <a:latin typeface="Courier"/>
-              </a:rPr>
-              <a:t>0.6</a:t>
-            </a:r>
-            <a:r>
-              <a:rPr>
-                <a:latin typeface="Courier"/>
-              </a:rPr>
-              <a:t>) </a:t>
-            </a:r>
-            <a:r>
-              <a:rPr>
-                <a:solidFill>
-                  <a:srgbClr val="4070A0"/>
-                </a:solidFill>
-                <a:latin typeface="Courier"/>
-              </a:rPr>
-              <a:t>+</a:t>
-            </a:r>
-            <a:br/>
-            <a:r>
-              <a:rPr>
-                <a:latin typeface="Courier"/>
-              </a:rPr>
-              <a:t>  </a:t>
-            </a:r>
-            <a:r>
-              <a:rPr>
-                <a:solidFill>
-                  <a:srgbClr val="06287E"/>
-                </a:solidFill>
-                <a:latin typeface="Courier"/>
-              </a:rPr>
-              <a:t>facet_wrap</a:t>
-            </a:r>
-            <a:r>
-              <a:rPr>
-                <a:latin typeface="Courier"/>
-              </a:rPr>
-              <a:t>(</a:t>
-            </a:r>
-            <a:r>
-              <a:rPr>
-                <a:solidFill>
-                  <a:srgbClr val="4070A0"/>
-                </a:solidFill>
-                <a:latin typeface="Courier"/>
-              </a:rPr>
-              <a:t>~</a:t>
-            </a:r>
-            <a:r>
-              <a:rPr>
-                <a:latin typeface="Courier"/>
-              </a:rPr>
-              <a:t> Volatility_Regime</a:t>
-            </a:r>
-            <a:r>
-              <a:rPr>
-                <a:solidFill>
-                  <a:srgbClr val="4070A0"/>
-                </a:solidFill>
-                <a:latin typeface="Courier"/>
-              </a:rPr>
-              <a:t>+</a:t>
-            </a:r>
-            <a:r>
-              <a:rPr>
-                <a:latin typeface="Courier"/>
-              </a:rPr>
-              <a:t>Period) </a:t>
-            </a:r>
-            <a:r>
-              <a:rPr>
-                <a:solidFill>
-                  <a:srgbClr val="4070A0"/>
-                </a:solidFill>
-                <a:latin typeface="Courier"/>
-              </a:rPr>
-              <a:t>+</a:t>
-            </a:r>
-            <a:br/>
-            <a:r>
-              <a:rPr>
-                <a:latin typeface="Courier"/>
-              </a:rPr>
-              <a:t>  </a:t>
-            </a:r>
-            <a:r>
-              <a:rPr>
-                <a:solidFill>
-                  <a:srgbClr val="06287E"/>
-                </a:solidFill>
-                <a:latin typeface="Courier"/>
-              </a:rPr>
-              <a:t>labs</a:t>
-            </a:r>
-            <a:r>
-              <a:rPr>
-                <a:latin typeface="Courier"/>
-              </a:rPr>
-              <a:t>(</a:t>
-            </a:r>
-            <a:br/>
-            <a:r>
-              <a:rPr>
-                <a:latin typeface="Courier"/>
-              </a:rPr>
-              <a:t>    </a:t>
-            </a:r>
-            <a:r>
-              <a:rPr>
-                <a:solidFill>
-                  <a:srgbClr val="7D9029"/>
-                </a:solidFill>
-                <a:latin typeface="Courier"/>
-              </a:rPr>
-              <a:t>title =</a:t>
-            </a:r>
-            <a:r>
-              <a:rPr>
-                <a:latin typeface="Courier"/>
-              </a:rPr>
-              <a:t> </a:t>
-            </a:r>
-            <a:r>
-              <a:rPr>
-                <a:solidFill>
-                  <a:srgbClr val="4070A0"/>
-                </a:solidFill>
-                <a:latin typeface="Courier"/>
-              </a:rPr>
-              <a:t>"Rolling Returns by Volatility Regime"</a:t>
-            </a:r>
-            <a:r>
-              <a:rPr>
-                <a:latin typeface="Courier"/>
-              </a:rPr>
-              <a:t>,</a:t>
-            </a:r>
-            <a:br/>
-            <a:r>
-              <a:rPr>
-                <a:latin typeface="Courier"/>
-              </a:rPr>
-              <a:t>    </a:t>
-            </a:r>
-            <a:r>
-              <a:rPr>
-                <a:solidFill>
-                  <a:srgbClr val="7D9029"/>
-                </a:solidFill>
-                <a:latin typeface="Courier"/>
-              </a:rPr>
-              <a:t>x =</a:t>
-            </a:r>
-            <a:r>
-              <a:rPr>
-                <a:latin typeface="Courier"/>
-              </a:rPr>
-              <a:t> </a:t>
-            </a:r>
-            <a:r>
-              <a:rPr>
-                <a:solidFill>
-                  <a:srgbClr val="4070A0"/>
-                </a:solidFill>
-                <a:latin typeface="Courier"/>
-              </a:rPr>
-              <a:t>"Rolling Return"</a:t>
-            </a:r>
-            <a:r>
-              <a:rPr>
-                <a:latin typeface="Courier"/>
-              </a:rPr>
-              <a:t>,</a:t>
-            </a:r>
-            <a:br/>
-            <a:r>
-              <a:rPr>
-                <a:latin typeface="Courier"/>
-              </a:rPr>
-              <a:t>    </a:t>
-            </a:r>
-            <a:r>
-              <a:rPr>
-                <a:solidFill>
-                  <a:srgbClr val="7D9029"/>
-                </a:solidFill>
-                <a:latin typeface="Courier"/>
-              </a:rPr>
-              <a:t>y =</a:t>
-            </a:r>
-            <a:r>
-              <a:rPr>
-                <a:latin typeface="Courier"/>
-              </a:rPr>
-              <a:t> </a:t>
-            </a:r>
-            <a:r>
-              <a:rPr>
-                <a:solidFill>
-                  <a:srgbClr val="4070A0"/>
-                </a:solidFill>
-                <a:latin typeface="Courier"/>
-              </a:rPr>
-              <a:t>"Density"</a:t>
-            </a:r>
-            <a:r>
-              <a:rPr>
-                <a:latin typeface="Courier"/>
-              </a:rPr>
-              <a:t>,</a:t>
-            </a:r>
-            <a:br/>
-            <a:r>
-              <a:rPr>
-                <a:latin typeface="Courier"/>
-              </a:rPr>
-              <a:t>    </a:t>
-            </a:r>
-            <a:r>
-              <a:rPr>
-                <a:solidFill>
-                  <a:srgbClr val="7D9029"/>
-                </a:solidFill>
-                <a:latin typeface="Courier"/>
-              </a:rPr>
-              <a:t>fill =</a:t>
-            </a:r>
-            <a:r>
-              <a:rPr>
-                <a:latin typeface="Courier"/>
-              </a:rPr>
-              <a:t> </a:t>
-            </a:r>
-            <a:r>
-              <a:rPr>
-                <a:solidFill>
-                  <a:srgbClr val="4070A0"/>
-                </a:solidFill>
-                <a:latin typeface="Courier"/>
-              </a:rPr>
-              <a:t>"Type"</a:t>
-            </a:r>
-            <a:br/>
-            <a:r>
-              <a:rPr>
-                <a:latin typeface="Courier"/>
-              </a:rPr>
-              <a:t>  ) </a:t>
-            </a:r>
-            <a:r>
-              <a:rPr>
-                <a:solidFill>
-                  <a:srgbClr val="4070A0"/>
-                </a:solidFill>
-                <a:latin typeface="Courier"/>
-              </a:rPr>
-              <a:t>+</a:t>
-            </a:r>
-            <a:br/>
-            <a:r>
-              <a:rPr>
-                <a:latin typeface="Courier"/>
-              </a:rPr>
-              <a:t>  </a:t>
-            </a:r>
-            <a:r>
-              <a:rPr>
-                <a:solidFill>
-                  <a:srgbClr val="06287E"/>
-                </a:solidFill>
-                <a:latin typeface="Courier"/>
-              </a:rPr>
-              <a:t>theme_bw</a:t>
-            </a:r>
-            <a:r>
-              <a:rPr>
-                <a:latin typeface="Courier"/>
-              </a:rPr>
-              <a:t>() </a:t>
-            </a:r>
-            <a:r>
-              <a:rPr>
-                <a:solidFill>
-                  <a:srgbClr val="4070A0"/>
-                </a:solidFill>
-                <a:latin typeface="Courier"/>
-              </a:rPr>
-              <a:t>+</a:t>
-            </a:r>
-            <a:br/>
-            <a:r>
-              <a:rPr>
-                <a:latin typeface="Courier"/>
-              </a:rPr>
-              <a:t>  </a:t>
-            </a:r>
-            <a:r>
-              <a:rPr>
-                <a:solidFill>
-                  <a:srgbClr val="06287E"/>
-                </a:solidFill>
-                <a:latin typeface="Courier"/>
-              </a:rPr>
-              <a:t>theme</a:t>
-            </a:r>
-            <a:r>
-              <a:rPr>
-                <a:latin typeface="Courier"/>
-              </a:rPr>
-              <a:t>(</a:t>
-            </a:r>
-            <a:r>
-              <a:rPr>
-                <a:solidFill>
-                  <a:srgbClr val="7D9029"/>
-                </a:solidFill>
-                <a:latin typeface="Courier"/>
-              </a:rPr>
-              <a:t>plot.title =</a:t>
-            </a:r>
-            <a:r>
-              <a:rPr>
-                <a:latin typeface="Courier"/>
-              </a:rPr>
-              <a:t> </a:t>
-            </a:r>
-            <a:r>
-              <a:rPr>
-                <a:solidFill>
-                  <a:srgbClr val="06287E"/>
-                </a:solidFill>
-                <a:latin typeface="Courier"/>
-              </a:rPr>
-              <a:t>element_text</a:t>
-            </a:r>
-            <a:r>
-              <a:rPr>
-                <a:latin typeface="Courier"/>
-              </a:rPr>
-              <a:t>(</a:t>
-            </a:r>
-            <a:r>
-              <a:rPr>
-                <a:solidFill>
-                  <a:srgbClr val="7D9029"/>
-                </a:solidFill>
-                <a:latin typeface="Courier"/>
-              </a:rPr>
-              <a:t>hjust =</a:t>
-            </a:r>
-            <a:r>
-              <a:rPr>
-                <a:latin typeface="Courier"/>
-              </a:rPr>
-              <a:t> </a:t>
-            </a:r>
-            <a:r>
-              <a:rPr>
-                <a:solidFill>
-                  <a:srgbClr val="40A070"/>
-                </a:solidFill>
-                <a:latin typeface="Courier"/>
-              </a:rPr>
-              <a:t>0.5</a:t>
-            </a:r>
-            <a:r>
-              <a:rPr>
-                <a:latin typeface="Courier"/>
-              </a:rPr>
-              <a:t>), </a:t>
-            </a:r>
-            <a:r>
-              <a:rPr>
-                <a:solidFill>
-                  <a:srgbClr val="7D9029"/>
-                </a:solidFill>
-                <a:latin typeface="Courier"/>
-              </a:rPr>
-              <a:t>legend.position =</a:t>
-            </a:r>
-            <a:r>
-              <a:rPr>
-                <a:latin typeface="Courier"/>
-              </a:rPr>
-              <a:t> </a:t>
-            </a:r>
-            <a:r>
-              <a:rPr>
-                <a:solidFill>
-                  <a:srgbClr val="4070A0"/>
-                </a:solidFill>
-                <a:latin typeface="Courier"/>
-              </a:rPr>
-              <a:t>"bottom"</a:t>
-            </a:r>
-            <a:r>
-              <a:rPr>
-                <a:latin typeface="Courier"/>
-              </a:rPr>
-              <a:t>)</a:t>
-            </a:r>
-          </a:p>
-          <a:p>
-            <a:pPr lvl="0" indent="0">
-              <a:buNone/>
-            </a:pPr>
-            <a:r>
-              <a:rPr>
-                <a:latin typeface="Courier"/>
-              </a:rPr>
-              <a:t>## Warning: Removed 54 rows containing non-finite outside the scale range
-## (`stat_density()`).</a:t>
+              <a:t>plot_returns_by_volatility</a:t>
+            </a:r>
+            <a:r>
+              <a:rPr>
+                <a:latin typeface="Courier"/>
+              </a:rPr>
+              <a:t>(combined_with_volatility)</a:t>
             </a:r>
           </a:p>
         </p:txBody>
       </p:sp>
       <p:pic>
         <p:nvPicPr>
-          <p:cNvPr descr="README_files/figure-pptx/unnamed-chunk-3-1.png" id="0" name="Picture 1"/>
+          <p:cNvPr descr="README_files/figure-pptx/unnamed-chunk-5-3.png" id="0" name="Picture 1"/>
+          <p:cNvPicPr>
+            <a:picLocks noGrp="1" noChangeAspect="1"/>
+          </p:cNvPicPr>
+          <p:nvPr/>
+        </p:nvPicPr>
+        <p:blipFill>
+          <a:blip r:embed="rId2"/>
+          <a:stretch>
+            <a:fillRect/>
+          </a:stretch>
+        </p:blipFill>
+        <p:spPr bwMode="auto">
+          <a:xfrm>
+            <a:off x="3568700" y="355600"/>
+            <a:ext cx="5105400" cy="4089400"/>
+          </a:xfrm>
+          <a:prstGeom prst="rect">
+            <a:avLst/>
+          </a:prstGeom>
+          <a:noFill/>
+          <a:ln w="9525">
+            <a:noFill/>
+            <a:headEnd/>
+            <a:tailEnd/>
+          </a:ln>
+        </p:spPr>
+      </p:pic>
+    </p:spTree>
+  </p:cSld>
+</p:sld>
+</file>
+
+<file path=ppt/slides/slide5.xml><?xml version="1.0" encoding="utf-8"?>
+<p:sld xmlns:a="http://schemas.openxmlformats.org/drawingml/2006/main" xmlns:r="http://schemas.openxmlformats.org/officeDocument/2006/relationships" xmlns:p="http://schemas.openxmlformats.org/presentationml/2006/main">
+  <p:cSld>
+    <p:spTree>
+      <p:nvGrpSpPr>
+        <p:cNvPr id="1" name=""/>
+        <p:cNvGrpSpPr/>
+        <p:nvPr/>
+      </p:nvGrpSpPr>
+      <p:grpSpPr>
+        <a:xfrm>
+          <a:off x="0" y="0"/>
+          <a:ext cx="0" cy="0"/>
+          <a:chOff x="0" y="0"/>
+          <a:chExt cx="0" cy="0"/>
+        </a:xfrm>
+      </p:grpSpPr>
+      <p:sp>
+        <p:nvSpPr>
+          <p:cNvPr id="4" name="Text Placeholder 3"/>
+          <p:cNvSpPr>
+            <a:spLocks noGrp="1"/>
+          </p:cNvSpPr>
+          <p:nvPr>
+            <p:ph idx="2" sz="half" type="body"/>
+          </p:nvPr>
+        </p:nvSpPr>
+        <p:spPr/>
+        <p:txBody>
+          <a:bodyPr/>
+          <a:lstStyle/>
+          <a:p>
+            <a:pPr lvl="0" indent="0" marL="0">
+              <a:buNone/>
+            </a:pPr>
+          </a:p>
+          <a:p>
+            <a:pPr lvl="0" indent="0">
+              <a:buNone/>
+            </a:pPr>
+            <a:r>
+              <a:rPr>
+                <a:solidFill>
+                  <a:srgbClr val="06287E"/>
+                </a:solidFill>
+                <a:latin typeface="Courier"/>
+              </a:rPr>
+              <a:t>ggplot</a:t>
+            </a:r>
+            <a:r>
+              <a:rPr>
+                <a:latin typeface="Courier"/>
+              </a:rPr>
+              <a:t>(combined_rolling </a:t>
+            </a:r>
+            <a:r>
+              <a:rPr>
+                <a:solidFill>
+                  <a:srgbClr val="4070A0"/>
+                </a:solidFill>
+                <a:latin typeface="Courier"/>
+              </a:rPr>
+              <a:t>%&gt;%</a:t>
+            </a:r>
+            <a:r>
+              <a:rPr>
+                <a:latin typeface="Courier"/>
+              </a:rPr>
+              <a:t> </a:t>
+            </a:r>
+            <a:r>
+              <a:rPr>
+                <a:solidFill>
+                  <a:srgbClr val="06287E"/>
+                </a:solidFill>
+                <a:latin typeface="Courier"/>
+              </a:rPr>
+              <a:t>filter</a:t>
+            </a:r>
+            <a:r>
+              <a:rPr>
+                <a:latin typeface="Courier"/>
+              </a:rPr>
+              <a:t>(</a:t>
+            </a:r>
+            <a:r>
+              <a:rPr>
+                <a:solidFill>
+                  <a:srgbClr val="4070A0"/>
+                </a:solidFill>
+                <a:latin typeface="Courier"/>
+              </a:rPr>
+              <a:t>!</a:t>
+            </a:r>
+            <a:r>
+              <a:rPr>
+                <a:solidFill>
+                  <a:srgbClr val="06287E"/>
+                </a:solidFill>
+                <a:latin typeface="Courier"/>
+              </a:rPr>
+              <a:t>is.na</a:t>
+            </a:r>
+            <a:r>
+              <a:rPr>
+                <a:latin typeface="Courier"/>
+              </a:rPr>
+              <a:t>(rolling_return)), </a:t>
+            </a:r>
+            <a:r>
+              <a:rPr>
+                <a:solidFill>
+                  <a:srgbClr val="06287E"/>
+                </a:solidFill>
+                <a:latin typeface="Courier"/>
+              </a:rPr>
+              <a:t>aes</a:t>
+            </a:r>
+            <a:r>
+              <a:rPr>
+                <a:latin typeface="Courier"/>
+              </a:rPr>
+              <a:t>(</a:t>
+            </a:r>
+            <a:r>
+              <a:rPr>
+                <a:solidFill>
+                  <a:srgbClr val="7D9029"/>
+                </a:solidFill>
+                <a:latin typeface="Courier"/>
+              </a:rPr>
+              <a:t>x =</a:t>
+            </a:r>
+            <a:r>
+              <a:rPr>
+                <a:latin typeface="Courier"/>
+              </a:rPr>
+              <a:t> rolling_return, </a:t>
+            </a:r>
+            <a:r>
+              <a:rPr>
+                <a:solidFill>
+                  <a:srgbClr val="7D9029"/>
+                </a:solidFill>
+                <a:latin typeface="Courier"/>
+              </a:rPr>
+              <a:t>fill =</a:t>
+            </a:r>
+            <a:r>
+              <a:rPr>
+                <a:latin typeface="Courier"/>
+              </a:rPr>
+              <a:t> Type)) </a:t>
+            </a:r>
+            <a:r>
+              <a:rPr>
+                <a:solidFill>
+                  <a:srgbClr val="4070A0"/>
+                </a:solidFill>
+                <a:latin typeface="Courier"/>
+              </a:rPr>
+              <a:t>+</a:t>
+            </a:r>
+            <a:br/>
+            <a:r>
+              <a:rPr>
+                <a:latin typeface="Courier"/>
+              </a:rPr>
+              <a:t>  </a:t>
+            </a:r>
+            <a:r>
+              <a:rPr>
+                <a:solidFill>
+                  <a:srgbClr val="06287E"/>
+                </a:solidFill>
+                <a:latin typeface="Courier"/>
+              </a:rPr>
+              <a:t>geom_density</a:t>
+            </a:r>
+            <a:r>
+              <a:rPr>
+                <a:latin typeface="Courier"/>
+              </a:rPr>
+              <a:t>(</a:t>
+            </a:r>
+            <a:r>
+              <a:rPr>
+                <a:solidFill>
+                  <a:srgbClr val="7D9029"/>
+                </a:solidFill>
+                <a:latin typeface="Courier"/>
+              </a:rPr>
+              <a:t>alpha =</a:t>
+            </a:r>
+            <a:r>
+              <a:rPr>
+                <a:latin typeface="Courier"/>
+              </a:rPr>
+              <a:t> </a:t>
+            </a:r>
+            <a:r>
+              <a:rPr>
+                <a:solidFill>
+                  <a:srgbClr val="40A070"/>
+                </a:solidFill>
+                <a:latin typeface="Courier"/>
+              </a:rPr>
+              <a:t>0.6</a:t>
+            </a:r>
+            <a:r>
+              <a:rPr>
+                <a:latin typeface="Courier"/>
+              </a:rPr>
+              <a:t>) </a:t>
+            </a:r>
+            <a:r>
+              <a:rPr>
+                <a:solidFill>
+                  <a:srgbClr val="4070A0"/>
+                </a:solidFill>
+                <a:latin typeface="Courier"/>
+              </a:rPr>
+              <a:t>+</a:t>
+            </a:r>
+            <a:r>
+              <a:rPr>
+                <a:latin typeface="Courier"/>
+              </a:rPr>
+              <a:t>  </a:t>
+            </a:r>
+            <a:r>
+              <a:rPr i="1">
+                <a:solidFill>
+                  <a:srgbClr val="60A0B0"/>
+                </a:solidFill>
+                <a:latin typeface="Courier"/>
+              </a:rPr>
+              <a:t># Semi-transparent density plots</a:t>
+            </a:r>
+            <a:br/>
+            <a:r>
+              <a:rPr>
+                <a:latin typeface="Courier"/>
+              </a:rPr>
+              <a:t>  </a:t>
+            </a:r>
+            <a:r>
+              <a:rPr>
+                <a:solidFill>
+                  <a:srgbClr val="06287E"/>
+                </a:solidFill>
+                <a:latin typeface="Courier"/>
+              </a:rPr>
+              <a:t>facet_wrap</a:t>
+            </a:r>
+            <a:r>
+              <a:rPr>
+                <a:latin typeface="Courier"/>
+              </a:rPr>
+              <a:t>(</a:t>
+            </a:r>
+            <a:r>
+              <a:rPr>
+                <a:solidFill>
+                  <a:srgbClr val="4070A0"/>
+                </a:solidFill>
+                <a:latin typeface="Courier"/>
+              </a:rPr>
+              <a:t>~</a:t>
+            </a:r>
+            <a:r>
+              <a:rPr>
+                <a:latin typeface="Courier"/>
+              </a:rPr>
+              <a:t> Period,</a:t>
+            </a:r>
+            <a:r>
+              <a:rPr>
+                <a:solidFill>
+                  <a:srgbClr val="7D9029"/>
+                </a:solidFill>
+                <a:latin typeface="Courier"/>
+              </a:rPr>
+              <a:t>scales =</a:t>
+            </a:r>
+            <a:r>
+              <a:rPr>
+                <a:latin typeface="Courier"/>
+              </a:rPr>
+              <a:t> </a:t>
+            </a:r>
+            <a:r>
+              <a:rPr>
+                <a:solidFill>
+                  <a:srgbClr val="4070A0"/>
+                </a:solidFill>
+                <a:latin typeface="Courier"/>
+              </a:rPr>
+              <a:t>"free"</a:t>
+            </a:r>
+            <a:r>
+              <a:rPr>
+                <a:latin typeface="Courier"/>
+              </a:rPr>
+              <a:t>) </a:t>
+            </a:r>
+            <a:r>
+              <a:rPr>
+                <a:solidFill>
+                  <a:srgbClr val="4070A0"/>
+                </a:solidFill>
+                <a:latin typeface="Courier"/>
+              </a:rPr>
+              <a:t>+</a:t>
+            </a:r>
+            <a:r>
+              <a:rPr>
+                <a:latin typeface="Courier"/>
+              </a:rPr>
+              <a:t>  </a:t>
+            </a:r>
+            <a:r>
+              <a:rPr i="1">
+                <a:solidFill>
+                  <a:srgbClr val="60A0B0"/>
+                </a:solidFill>
+                <a:latin typeface="Courier"/>
+              </a:rPr>
+              <a:t># Facet by rolling period</a:t>
+            </a:r>
+            <a:br/>
+            <a:r>
+              <a:rPr>
+                <a:latin typeface="Courier"/>
+              </a:rPr>
+              <a:t>  </a:t>
+            </a:r>
+            <a:r>
+              <a:rPr>
+                <a:solidFill>
+                  <a:srgbClr val="06287E"/>
+                </a:solidFill>
+                <a:latin typeface="Courier"/>
+              </a:rPr>
+              <a:t>labs</a:t>
+            </a:r>
+            <a:r>
+              <a:rPr>
+                <a:latin typeface="Courier"/>
+              </a:rPr>
+              <a:t>(</a:t>
+            </a:r>
+            <a:br/>
+            <a:r>
+              <a:rPr>
+                <a:latin typeface="Courier"/>
+              </a:rPr>
+              <a:t>    </a:t>
+            </a:r>
+            <a:r>
+              <a:rPr>
+                <a:solidFill>
+                  <a:srgbClr val="7D9029"/>
+                </a:solidFill>
+                <a:latin typeface="Courier"/>
+              </a:rPr>
+              <a:t>title =</a:t>
+            </a:r>
+            <a:r>
+              <a:rPr>
+                <a:latin typeface="Courier"/>
+              </a:rPr>
+              <a:t> </a:t>
+            </a:r>
+            <a:r>
+              <a:rPr>
+                <a:solidFill>
+                  <a:srgbClr val="4070A0"/>
+                </a:solidFill>
+                <a:latin typeface="Courier"/>
+              </a:rPr>
+              <a:t>"Density of Rolling Returns by Period"</a:t>
+            </a:r>
+            <a:r>
+              <a:rPr>
+                <a:latin typeface="Courier"/>
+              </a:rPr>
+              <a:t>,</a:t>
+            </a:r>
+            <a:br/>
+            <a:r>
+              <a:rPr>
+                <a:latin typeface="Courier"/>
+              </a:rPr>
+              <a:t>    </a:t>
+            </a:r>
+            <a:r>
+              <a:rPr>
+                <a:solidFill>
+                  <a:srgbClr val="7D9029"/>
+                </a:solidFill>
+                <a:latin typeface="Courier"/>
+              </a:rPr>
+              <a:t>x =</a:t>
+            </a:r>
+            <a:r>
+              <a:rPr>
+                <a:latin typeface="Courier"/>
+              </a:rPr>
+              <a:t> </a:t>
+            </a:r>
+            <a:r>
+              <a:rPr>
+                <a:solidFill>
+                  <a:srgbClr val="4070A0"/>
+                </a:solidFill>
+                <a:latin typeface="Courier"/>
+              </a:rPr>
+              <a:t>"Rolling Return"</a:t>
+            </a:r>
+            <a:r>
+              <a:rPr>
+                <a:latin typeface="Courier"/>
+              </a:rPr>
+              <a:t>,</a:t>
+            </a:r>
+            <a:br/>
+            <a:r>
+              <a:rPr>
+                <a:latin typeface="Courier"/>
+              </a:rPr>
+              <a:t>    </a:t>
+            </a:r>
+            <a:r>
+              <a:rPr>
+                <a:solidFill>
+                  <a:srgbClr val="7D9029"/>
+                </a:solidFill>
+                <a:latin typeface="Courier"/>
+              </a:rPr>
+              <a:t>y =</a:t>
+            </a:r>
+            <a:r>
+              <a:rPr>
+                <a:latin typeface="Courier"/>
+              </a:rPr>
+              <a:t> </a:t>
+            </a:r>
+            <a:r>
+              <a:rPr>
+                <a:solidFill>
+                  <a:srgbClr val="4070A0"/>
+                </a:solidFill>
+                <a:latin typeface="Courier"/>
+              </a:rPr>
+              <a:t>"Density"</a:t>
+            </a:r>
+            <a:r>
+              <a:rPr>
+                <a:latin typeface="Courier"/>
+              </a:rPr>
+              <a:t>,</a:t>
+            </a:r>
+            <a:br/>
+            <a:r>
+              <a:rPr>
+                <a:latin typeface="Courier"/>
+              </a:rPr>
+              <a:t>    </a:t>
+            </a:r>
+            <a:r>
+              <a:rPr>
+                <a:solidFill>
+                  <a:srgbClr val="7D9029"/>
+                </a:solidFill>
+                <a:latin typeface="Courier"/>
+              </a:rPr>
+              <a:t>fill =</a:t>
+            </a:r>
+            <a:r>
+              <a:rPr>
+                <a:latin typeface="Courier"/>
+              </a:rPr>
+              <a:t> </a:t>
+            </a:r>
+            <a:r>
+              <a:rPr>
+                <a:solidFill>
+                  <a:srgbClr val="4070A0"/>
+                </a:solidFill>
+                <a:latin typeface="Courier"/>
+              </a:rPr>
+              <a:t>"Type"</a:t>
+            </a:r>
+            <a:br/>
+            <a:r>
+              <a:rPr>
+                <a:latin typeface="Courier"/>
+              </a:rPr>
+              <a:t>  ) </a:t>
+            </a:r>
+            <a:r>
+              <a:rPr>
+                <a:solidFill>
+                  <a:srgbClr val="4070A0"/>
+                </a:solidFill>
+                <a:latin typeface="Courier"/>
+              </a:rPr>
+              <a:t>+</a:t>
+            </a:r>
+            <a:br/>
+            <a:r>
+              <a:rPr>
+                <a:latin typeface="Courier"/>
+              </a:rPr>
+              <a:t>  fmxdat</a:t>
+            </a:r>
+            <a:r>
+              <a:rPr>
+                <a:solidFill>
+                  <a:srgbClr val="4070A0"/>
+                </a:solidFill>
+                <a:latin typeface="Courier"/>
+              </a:rPr>
+              <a:t>::</a:t>
+            </a:r>
+            <a:r>
+              <a:rPr>
+                <a:solidFill>
+                  <a:srgbClr val="06287E"/>
+                </a:solidFill>
+                <a:latin typeface="Courier"/>
+              </a:rPr>
+              <a:t>theme_fmx</a:t>
+            </a:r>
+            <a:r>
+              <a:rPr>
+                <a:latin typeface="Courier"/>
+              </a:rPr>
+              <a:t>() </a:t>
+            </a:r>
+            <a:r>
+              <a:rPr>
+                <a:solidFill>
+                  <a:srgbClr val="4070A0"/>
+                </a:solidFill>
+                <a:latin typeface="Courier"/>
+              </a:rPr>
+              <a:t>+</a:t>
+            </a:r>
+            <a:r>
+              <a:rPr>
+                <a:latin typeface="Courier"/>
+              </a:rPr>
+              <a:t>  </a:t>
+            </a:r>
+            <a:br/>
+            <a:r>
+              <a:rPr>
+                <a:latin typeface="Courier"/>
+              </a:rPr>
+              <a:t>  </a:t>
+            </a:r>
+            <a:r>
+              <a:rPr>
+                <a:solidFill>
+                  <a:srgbClr val="06287E"/>
+                </a:solidFill>
+                <a:latin typeface="Courier"/>
+              </a:rPr>
+              <a:t>theme</a:t>
+            </a:r>
+            <a:r>
+              <a:rPr>
+                <a:latin typeface="Courier"/>
+              </a:rPr>
+              <a:t>(</a:t>
+            </a:r>
+            <a:br/>
+            <a:r>
+              <a:rPr>
+                <a:latin typeface="Courier"/>
+              </a:rPr>
+              <a:t>    </a:t>
+            </a:r>
+            <a:r>
+              <a:rPr>
+                <a:solidFill>
+                  <a:srgbClr val="7D9029"/>
+                </a:solidFill>
+                <a:latin typeface="Courier"/>
+              </a:rPr>
+              <a:t>plot.title =</a:t>
+            </a:r>
+            <a:r>
+              <a:rPr>
+                <a:latin typeface="Courier"/>
+              </a:rPr>
+              <a:t> </a:t>
+            </a:r>
+            <a:r>
+              <a:rPr>
+                <a:solidFill>
+                  <a:srgbClr val="06287E"/>
+                </a:solidFill>
+                <a:latin typeface="Courier"/>
+              </a:rPr>
+              <a:t>element_text</a:t>
+            </a:r>
+            <a:r>
+              <a:rPr>
+                <a:latin typeface="Courier"/>
+              </a:rPr>
+              <a:t>(</a:t>
+            </a:r>
+            <a:r>
+              <a:rPr>
+                <a:solidFill>
+                  <a:srgbClr val="7D9029"/>
+                </a:solidFill>
+                <a:latin typeface="Courier"/>
+              </a:rPr>
+              <a:t>hjust =</a:t>
+            </a:r>
+            <a:r>
+              <a:rPr>
+                <a:latin typeface="Courier"/>
+              </a:rPr>
+              <a:t> </a:t>
+            </a:r>
+            <a:r>
+              <a:rPr>
+                <a:solidFill>
+                  <a:srgbClr val="40A070"/>
+                </a:solidFill>
+                <a:latin typeface="Courier"/>
+              </a:rPr>
+              <a:t>0.5</a:t>
+            </a:r>
+            <a:r>
+              <a:rPr>
+                <a:latin typeface="Courier"/>
+              </a:rPr>
+              <a:t>),</a:t>
+            </a:r>
+            <a:br/>
+            <a:r>
+              <a:rPr>
+                <a:latin typeface="Courier"/>
+              </a:rPr>
+              <a:t>    </a:t>
+            </a:r>
+            <a:r>
+              <a:rPr>
+                <a:solidFill>
+                  <a:srgbClr val="7D9029"/>
+                </a:solidFill>
+                <a:latin typeface="Courier"/>
+              </a:rPr>
+              <a:t>legend.position =</a:t>
+            </a:r>
+            <a:r>
+              <a:rPr>
+                <a:latin typeface="Courier"/>
+              </a:rPr>
+              <a:t> </a:t>
+            </a:r>
+            <a:r>
+              <a:rPr>
+                <a:solidFill>
+                  <a:srgbClr val="4070A0"/>
+                </a:solidFill>
+                <a:latin typeface="Courier"/>
+              </a:rPr>
+              <a:t>"bottom"</a:t>
+            </a:r>
+            <a:br/>
+            <a:r>
+              <a:rPr>
+                <a:latin typeface="Courier"/>
+              </a:rPr>
+              <a:t>  )</a:t>
+            </a:r>
+          </a:p>
+        </p:txBody>
+      </p:sp>
+      <p:pic>
+        <p:nvPicPr>
+          <p:cNvPr descr="README_files/figure-pptx/unnamed-chunk-6-1.png" id="0" name="Picture 1"/>
+          <p:cNvPicPr>
+            <a:picLocks noGrp="1" noChangeAspect="1"/>
+          </p:cNvPicPr>
+          <p:nvPr/>
+        </p:nvPicPr>
+        <p:blipFill>
+          <a:blip r:embed="rId2"/>
+          <a:stretch>
+            <a:fillRect/>
+          </a:stretch>
+        </p:blipFill>
+        <p:spPr bwMode="auto">
+          <a:xfrm>
+            <a:off x="3568700" y="355600"/>
+            <a:ext cx="5105400" cy="4089400"/>
+          </a:xfrm>
+          <a:prstGeom prst="rect">
+            <a:avLst/>
+          </a:prstGeom>
+          <a:noFill/>
+          <a:ln w="9525">
+            <a:noFill/>
+            <a:headEnd/>
+            <a:tailEnd/>
+          </a:ln>
+        </p:spPr>
+      </p:pic>
+    </p:spTree>
+  </p:cSld>
+</p:sld>
+</file>
+
+<file path=ppt/slides/slide6.xml><?xml version="1.0" encoding="utf-8"?>
+<p:sld xmlns:a="http://schemas.openxmlformats.org/drawingml/2006/main" xmlns:r="http://schemas.openxmlformats.org/officeDocument/2006/relationships" xmlns:p="http://schemas.openxmlformats.org/presentationml/2006/main">
+  <p:cSld>
+    <p:spTree>
+      <p:nvGrpSpPr>
+        <p:cNvPr id="1" name=""/>
+        <p:cNvGrpSpPr/>
+        <p:nvPr/>
+      </p:nvGrpSpPr>
+      <p:grpSpPr>
+        <a:xfrm>
+          <a:off x="0" y="0"/>
+          <a:ext cx="0" cy="0"/>
+          <a:chOff x="0" y="0"/>
+          <a:chExt cx="0" cy="0"/>
+        </a:xfrm>
+      </p:grpSpPr>
+      <p:sp>
+        <p:nvSpPr>
+          <p:cNvPr id="4" name="Text Placeholder 3"/>
+          <p:cNvSpPr>
+            <a:spLocks noGrp="1"/>
+          </p:cNvSpPr>
+          <p:nvPr>
+            <p:ph idx="2" sz="half" type="body"/>
+          </p:nvPr>
+        </p:nvSpPr>
+        <p:spPr/>
+        <p:txBody>
+          <a:bodyPr/>
+          <a:lstStyle/>
+          <a:p>
+            <a:pPr lvl="0" indent="0" marL="0">
+              <a:buNone/>
+            </a:pPr>
+            <a:r>
+              <a:rPr/>
+              <a:t> ***</a:t>
+            </a:r>
+          </a:p>
+          <a:p>
+            <a:pPr lvl="0" indent="0">
+              <a:buNone/>
+            </a:pPr>
+            <a:r>
+              <a:rPr i="1">
+                <a:solidFill>
+                  <a:srgbClr val="60A0B0"/>
+                </a:solidFill>
+                <a:latin typeface="Courier"/>
+              </a:rPr>
+              <a:t># Calculate rolling volatility for the benchmark (BM)</a:t>
+            </a:r>
+            <a:br/>
+            <a:r>
+              <a:rPr>
+                <a:latin typeface="Courier"/>
+              </a:rPr>
+              <a:t>BM_volatility </a:t>
+            </a:r>
+            <a:r>
+              <a:rPr>
+                <a:solidFill>
+                  <a:srgbClr val="007020"/>
+                </a:solidFill>
+                <a:latin typeface="Courier"/>
+              </a:rPr>
+              <a:t>&lt;-</a:t>
+            </a:r>
+            <a:r>
+              <a:rPr>
+                <a:latin typeface="Courier"/>
+              </a:rPr>
+              <a:t> </a:t>
+            </a:r>
+            <a:r>
+              <a:rPr>
+                <a:solidFill>
+                  <a:srgbClr val="06287E"/>
+                </a:solidFill>
+                <a:latin typeface="Courier"/>
+              </a:rPr>
+              <a:t>calculate_rolling_volatility</a:t>
+            </a:r>
+            <a:r>
+              <a:rPr>
+                <a:latin typeface="Courier"/>
+              </a:rPr>
+              <a:t>(BM</a:t>
+            </a:r>
+            <a:r>
+              <a:rPr>
+                <a:solidFill>
+                  <a:srgbClr val="4070A0"/>
+                </a:solidFill>
+                <a:latin typeface="Courier"/>
+              </a:rPr>
+              <a:t>$</a:t>
+            </a:r>
+            <a:r>
+              <a:rPr>
+                <a:latin typeface="Courier"/>
+              </a:rPr>
+              <a:t>Returns, BM</a:t>
+            </a:r>
+            <a:r>
+              <a:rPr>
+                <a:solidFill>
+                  <a:srgbClr val="4070A0"/>
+                </a:solidFill>
+                <a:latin typeface="Courier"/>
+              </a:rPr>
+              <a:t>$</a:t>
+            </a:r>
+            <a:r>
+              <a:rPr>
+                <a:latin typeface="Courier"/>
+              </a:rPr>
+              <a:t>date, </a:t>
+            </a:r>
+            <a:r>
+              <a:rPr>
+                <a:solidFill>
+                  <a:srgbClr val="7D9029"/>
+                </a:solidFill>
+                <a:latin typeface="Courier"/>
+              </a:rPr>
+              <a:t>window_size =</a:t>
+            </a:r>
+            <a:r>
+              <a:rPr>
+                <a:latin typeface="Courier"/>
+              </a:rPr>
+              <a:t> </a:t>
+            </a:r>
+            <a:r>
+              <a:rPr>
+                <a:solidFill>
+                  <a:srgbClr val="40A070"/>
+                </a:solidFill>
+                <a:latin typeface="Courier"/>
+              </a:rPr>
+              <a:t>20</a:t>
+            </a:r>
+            <a:r>
+              <a:rPr>
+                <a:latin typeface="Courier"/>
+              </a:rPr>
+              <a:t>) </a:t>
+            </a:r>
+            <a:r>
+              <a:rPr>
+                <a:solidFill>
+                  <a:srgbClr val="4070A0"/>
+                </a:solidFill>
+                <a:latin typeface="Courier"/>
+              </a:rPr>
+              <a:t>%&gt;%</a:t>
+            </a:r>
+            <a:br/>
+            <a:r>
+              <a:rPr>
+                <a:latin typeface="Courier"/>
+              </a:rPr>
+              <a:t>  </a:t>
+            </a:r>
+            <a:r>
+              <a:rPr>
+                <a:solidFill>
+                  <a:srgbClr val="06287E"/>
+                </a:solidFill>
+                <a:latin typeface="Courier"/>
+              </a:rPr>
+              <a:t>mutate</a:t>
+            </a:r>
+            <a:r>
+              <a:rPr>
+                <a:latin typeface="Courier"/>
+              </a:rPr>
+              <a:t>(</a:t>
+            </a:r>
+            <a:r>
+              <a:rPr>
+                <a:solidFill>
+                  <a:srgbClr val="7D9029"/>
+                </a:solidFill>
+                <a:latin typeface="Courier"/>
+              </a:rPr>
+              <a:t>Volatility_Regime =</a:t>
+            </a:r>
+            <a:r>
+              <a:rPr>
+                <a:latin typeface="Courier"/>
+              </a:rPr>
+              <a:t> </a:t>
+            </a:r>
+            <a:r>
+              <a:rPr>
+                <a:solidFill>
+                  <a:srgbClr val="06287E"/>
+                </a:solidFill>
+                <a:latin typeface="Courier"/>
+              </a:rPr>
+              <a:t>stratify_volatility_regimes</a:t>
+            </a:r>
+            <a:r>
+              <a:rPr>
+                <a:latin typeface="Courier"/>
+              </a:rPr>
+              <a:t>(Rolling_Volatility))</a:t>
+            </a:r>
+            <a:br/>
+            <a:br/>
+            <a:br/>
+            <a:br/>
+            <a:br/>
+            <a:r>
+              <a:rPr i="1">
+                <a:solidFill>
+                  <a:srgbClr val="60A0B0"/>
+                </a:solidFill>
+                <a:latin typeface="Courier"/>
+              </a:rPr>
+              <a:t># Merge volatility regimes with combined rolling returns</a:t>
+            </a:r>
+            <a:br/>
+            <a:r>
+              <a:rPr>
+                <a:latin typeface="Courier"/>
+              </a:rPr>
+              <a:t>combined_rolling_with_volatility </a:t>
+            </a:r>
+            <a:r>
+              <a:rPr>
+                <a:solidFill>
+                  <a:srgbClr val="007020"/>
+                </a:solidFill>
+                <a:latin typeface="Courier"/>
+              </a:rPr>
+              <a:t>&lt;-</a:t>
+            </a:r>
+            <a:r>
+              <a:rPr>
+                <a:latin typeface="Courier"/>
+              </a:rPr>
+              <a:t> combined_rolling </a:t>
+            </a:r>
+            <a:r>
+              <a:rPr>
+                <a:solidFill>
+                  <a:srgbClr val="4070A0"/>
+                </a:solidFill>
+                <a:latin typeface="Courier"/>
+              </a:rPr>
+              <a:t>%&gt;%</a:t>
+            </a:r>
+            <a:br/>
+            <a:r>
+              <a:rPr>
+                <a:latin typeface="Courier"/>
+              </a:rPr>
+              <a:t>  </a:t>
+            </a:r>
+            <a:r>
+              <a:rPr>
+                <a:solidFill>
+                  <a:srgbClr val="06287E"/>
+                </a:solidFill>
+                <a:latin typeface="Courier"/>
+              </a:rPr>
+              <a:t>left_join</a:t>
+            </a:r>
+            <a:r>
+              <a:rPr>
+                <a:latin typeface="Courier"/>
+              </a:rPr>
+              <a:t>(BM_volatility </a:t>
+            </a:r>
+            <a:r>
+              <a:rPr>
+                <a:solidFill>
+                  <a:srgbClr val="4070A0"/>
+                </a:solidFill>
+                <a:latin typeface="Courier"/>
+              </a:rPr>
+              <a:t>%&gt;%</a:t>
+            </a:r>
+            <a:r>
+              <a:rPr>
+                <a:latin typeface="Courier"/>
+              </a:rPr>
+              <a:t> </a:t>
+            </a:r>
+            <a:r>
+              <a:rPr>
+                <a:solidFill>
+                  <a:srgbClr val="06287E"/>
+                </a:solidFill>
+                <a:latin typeface="Courier"/>
+              </a:rPr>
+              <a:t>select</a:t>
+            </a:r>
+            <a:r>
+              <a:rPr>
+                <a:latin typeface="Courier"/>
+              </a:rPr>
+              <a:t>(date, Volatility_Regime), </a:t>
+            </a:r>
+            <a:r>
+              <a:rPr>
+                <a:solidFill>
+                  <a:srgbClr val="7D9029"/>
+                </a:solidFill>
+                <a:latin typeface="Courier"/>
+              </a:rPr>
+              <a:t>by =</a:t>
+            </a:r>
+            <a:r>
+              <a:rPr>
+                <a:latin typeface="Courier"/>
+              </a:rPr>
+              <a:t> </a:t>
+            </a:r>
+            <a:r>
+              <a:rPr>
+                <a:solidFill>
+                  <a:srgbClr val="4070A0"/>
+                </a:solidFill>
+                <a:latin typeface="Courier"/>
+              </a:rPr>
+              <a:t>"date"</a:t>
+            </a:r>
+            <a:r>
+              <a:rPr>
+                <a:latin typeface="Courier"/>
+              </a:rPr>
+              <a:t>)</a:t>
+            </a:r>
+          </a:p>
+          <a:p>
+            <a:pPr lvl="0" indent="0">
+              <a:buNone/>
+            </a:pPr>
+            <a:r>
+              <a:rPr>
+                <a:latin typeface="Courier"/>
+              </a:rPr>
+              <a:t>combined_rolling_with_volatility </a:t>
+            </a:r>
+            <a:r>
+              <a:rPr>
+                <a:solidFill>
+                  <a:srgbClr val="4070A0"/>
+                </a:solidFill>
+                <a:latin typeface="Courier"/>
+              </a:rPr>
+              <a:t>%&gt;%</a:t>
+            </a:r>
+            <a:r>
+              <a:rPr>
+                <a:latin typeface="Courier"/>
+              </a:rPr>
+              <a:t> </a:t>
+            </a:r>
+            <a:r>
+              <a:rPr>
+                <a:solidFill>
+                  <a:srgbClr val="06287E"/>
+                </a:solidFill>
+                <a:latin typeface="Courier"/>
+              </a:rPr>
+              <a:t>filter</a:t>
+            </a:r>
+            <a:r>
+              <a:rPr>
+                <a:latin typeface="Courier"/>
+              </a:rPr>
+              <a:t>(</a:t>
+            </a:r>
+            <a:r>
+              <a:rPr>
+                <a:solidFill>
+                  <a:srgbClr val="4070A0"/>
+                </a:solidFill>
+                <a:latin typeface="Courier"/>
+              </a:rPr>
+              <a:t>!</a:t>
+            </a:r>
+            <a:r>
+              <a:rPr>
+                <a:solidFill>
+                  <a:srgbClr val="06287E"/>
+                </a:solidFill>
+                <a:latin typeface="Courier"/>
+              </a:rPr>
+              <a:t>is.na</a:t>
+            </a:r>
+            <a:r>
+              <a:rPr>
+                <a:latin typeface="Courier"/>
+              </a:rPr>
+              <a:t>(Volatility_Regime)</a:t>
+            </a:r>
+            <a:r>
+              <a:rPr>
+                <a:solidFill>
+                  <a:srgbClr val="4070A0"/>
+                </a:solidFill>
+                <a:latin typeface="Courier"/>
+              </a:rPr>
+              <a:t>&amp;</a:t>
+            </a:r>
+            <a:r>
+              <a:rPr>
+                <a:latin typeface="Courier"/>
+              </a:rPr>
+              <a:t>Period</a:t>
+            </a:r>
+            <a:r>
+              <a:rPr>
+                <a:solidFill>
+                  <a:srgbClr val="4070A0"/>
+                </a:solidFill>
+                <a:latin typeface="Courier"/>
+              </a:rPr>
+              <a:t>=="12M"&amp;</a:t>
+            </a:r>
+            <a:r>
+              <a:rPr>
+                <a:latin typeface="Courier"/>
+              </a:rPr>
+              <a:t>(</a:t>
+            </a:r>
+            <a:r>
+              <a:rPr>
+                <a:solidFill>
+                  <a:srgbClr val="4070A0"/>
+                </a:solidFill>
+                <a:latin typeface="Courier"/>
+              </a:rPr>
+              <a:t>!</a:t>
+            </a:r>
+            <a:r>
+              <a:rPr>
+                <a:solidFill>
+                  <a:srgbClr val="06287E"/>
+                </a:solidFill>
+                <a:latin typeface="Courier"/>
+              </a:rPr>
+              <a:t>is.na</a:t>
+            </a:r>
+            <a:r>
+              <a:rPr>
+                <a:latin typeface="Courier"/>
+              </a:rPr>
+              <a:t>(rolling_return))) </a:t>
+            </a:r>
+            <a:r>
+              <a:rPr>
+                <a:solidFill>
+                  <a:srgbClr val="4070A0"/>
+                </a:solidFill>
+                <a:latin typeface="Courier"/>
+              </a:rPr>
+              <a:t>%&gt;%</a:t>
+            </a:r>
+            <a:r>
+              <a:rPr>
+                <a:latin typeface="Courier"/>
+              </a:rPr>
+              <a:t> </a:t>
+            </a:r>
+            <a:br/>
+            <a:r>
+              <a:rPr>
+                <a:solidFill>
+                  <a:srgbClr val="06287E"/>
+                </a:solidFill>
+                <a:latin typeface="Courier"/>
+              </a:rPr>
+              <a:t>ggplot</a:t>
+            </a:r>
+            <a:r>
+              <a:rPr>
+                <a:latin typeface="Courier"/>
+              </a:rPr>
+              <a:t>( </a:t>
+            </a:r>
+            <a:br/>
+            <a:r>
+              <a:rPr>
+                <a:latin typeface="Courier"/>
+              </a:rPr>
+              <a:t>       </a:t>
+            </a:r>
+            <a:r>
+              <a:rPr>
+                <a:solidFill>
+                  <a:srgbClr val="06287E"/>
+                </a:solidFill>
+                <a:latin typeface="Courier"/>
+              </a:rPr>
+              <a:t>aes</a:t>
+            </a:r>
+            <a:r>
+              <a:rPr>
+                <a:latin typeface="Courier"/>
+              </a:rPr>
+              <a:t>(</a:t>
+            </a:r>
+            <a:r>
+              <a:rPr>
+                <a:solidFill>
+                  <a:srgbClr val="7D9029"/>
+                </a:solidFill>
+                <a:latin typeface="Courier"/>
+              </a:rPr>
+              <a:t>x =</a:t>
+            </a:r>
+            <a:r>
+              <a:rPr>
+                <a:latin typeface="Courier"/>
+              </a:rPr>
+              <a:t> rolling_return, </a:t>
+            </a:r>
+            <a:r>
+              <a:rPr>
+                <a:solidFill>
+                  <a:srgbClr val="7D9029"/>
+                </a:solidFill>
+                <a:latin typeface="Courier"/>
+              </a:rPr>
+              <a:t>fill =</a:t>
+            </a:r>
+            <a:r>
+              <a:rPr>
+                <a:latin typeface="Courier"/>
+              </a:rPr>
+              <a:t> Type)) </a:t>
+            </a:r>
+            <a:r>
+              <a:rPr>
+                <a:solidFill>
+                  <a:srgbClr val="4070A0"/>
+                </a:solidFill>
+                <a:latin typeface="Courier"/>
+              </a:rPr>
+              <a:t>+</a:t>
+            </a:r>
+            <a:br/>
+            <a:r>
+              <a:rPr>
+                <a:latin typeface="Courier"/>
+              </a:rPr>
+              <a:t>  </a:t>
+            </a:r>
+            <a:r>
+              <a:rPr>
+                <a:solidFill>
+                  <a:srgbClr val="06287E"/>
+                </a:solidFill>
+                <a:latin typeface="Courier"/>
+              </a:rPr>
+              <a:t>geom_density</a:t>
+            </a:r>
+            <a:r>
+              <a:rPr>
+                <a:latin typeface="Courier"/>
+              </a:rPr>
+              <a:t>(</a:t>
+            </a:r>
+            <a:r>
+              <a:rPr>
+                <a:solidFill>
+                  <a:srgbClr val="7D9029"/>
+                </a:solidFill>
+                <a:latin typeface="Courier"/>
+              </a:rPr>
+              <a:t>alpha =</a:t>
+            </a:r>
+            <a:r>
+              <a:rPr>
+                <a:latin typeface="Courier"/>
+              </a:rPr>
+              <a:t> </a:t>
+            </a:r>
+            <a:r>
+              <a:rPr>
+                <a:solidFill>
+                  <a:srgbClr val="40A070"/>
+                </a:solidFill>
+                <a:latin typeface="Courier"/>
+              </a:rPr>
+              <a:t>0.5</a:t>
+            </a:r>
+            <a:r>
+              <a:rPr>
+                <a:latin typeface="Courier"/>
+              </a:rPr>
+              <a:t>) </a:t>
+            </a:r>
+            <a:r>
+              <a:rPr>
+                <a:solidFill>
+                  <a:srgbClr val="4070A0"/>
+                </a:solidFill>
+                <a:latin typeface="Courier"/>
+              </a:rPr>
+              <a:t>+</a:t>
+            </a:r>
+            <a:br/>
+            <a:r>
+              <a:rPr>
+                <a:latin typeface="Courier"/>
+              </a:rPr>
+              <a:t>  </a:t>
+            </a:r>
+            <a:r>
+              <a:rPr>
+                <a:solidFill>
+                  <a:srgbClr val="06287E"/>
+                </a:solidFill>
+                <a:latin typeface="Courier"/>
+              </a:rPr>
+              <a:t>facet_wrap</a:t>
+            </a:r>
+            <a:r>
+              <a:rPr>
+                <a:latin typeface="Courier"/>
+              </a:rPr>
+              <a:t>(</a:t>
+            </a:r>
+            <a:r>
+              <a:rPr>
+                <a:solidFill>
+                  <a:srgbClr val="4070A0"/>
+                </a:solidFill>
+                <a:latin typeface="Courier"/>
+              </a:rPr>
+              <a:t>~</a:t>
+            </a:r>
+            <a:r>
+              <a:rPr>
+                <a:latin typeface="Courier"/>
+              </a:rPr>
+              <a:t> Volatility_Regime</a:t>
+            </a:r>
+            <a:r>
+              <a:rPr>
+                <a:solidFill>
+                  <a:srgbClr val="4070A0"/>
+                </a:solidFill>
+                <a:latin typeface="Courier"/>
+              </a:rPr>
+              <a:t>+</a:t>
+            </a:r>
+            <a:r>
+              <a:rPr>
+                <a:latin typeface="Courier"/>
+              </a:rPr>
+              <a:t>Period,</a:t>
+            </a:r>
+            <a:r>
+              <a:rPr>
+                <a:solidFill>
+                  <a:srgbClr val="7D9029"/>
+                </a:solidFill>
+                <a:latin typeface="Courier"/>
+              </a:rPr>
+              <a:t>scales =</a:t>
+            </a:r>
+            <a:r>
+              <a:rPr>
+                <a:latin typeface="Courier"/>
+              </a:rPr>
+              <a:t> </a:t>
+            </a:r>
+            <a:r>
+              <a:rPr>
+                <a:solidFill>
+                  <a:srgbClr val="4070A0"/>
+                </a:solidFill>
+                <a:latin typeface="Courier"/>
+              </a:rPr>
+              <a:t>"free"</a:t>
+            </a:r>
+            <a:r>
+              <a:rPr>
+                <a:latin typeface="Courier"/>
+              </a:rPr>
+              <a:t> ) </a:t>
+            </a:r>
+            <a:r>
+              <a:rPr>
+                <a:solidFill>
+                  <a:srgbClr val="4070A0"/>
+                </a:solidFill>
+                <a:latin typeface="Courier"/>
+              </a:rPr>
+              <a:t>+</a:t>
+            </a:r>
+            <a:br/>
+            <a:r>
+              <a:rPr>
+                <a:latin typeface="Courier"/>
+              </a:rPr>
+              <a:t>  </a:t>
+            </a:r>
+            <a:r>
+              <a:rPr>
+                <a:solidFill>
+                  <a:srgbClr val="06287E"/>
+                </a:solidFill>
+                <a:latin typeface="Courier"/>
+              </a:rPr>
+              <a:t>labs</a:t>
+            </a:r>
+            <a:r>
+              <a:rPr>
+                <a:latin typeface="Courier"/>
+              </a:rPr>
+              <a:t>(</a:t>
+            </a:r>
+            <a:br/>
+            <a:r>
+              <a:rPr>
+                <a:latin typeface="Courier"/>
+              </a:rPr>
+              <a:t>    </a:t>
+            </a:r>
+            <a:r>
+              <a:rPr>
+                <a:solidFill>
+                  <a:srgbClr val="7D9029"/>
+                </a:solidFill>
+                <a:latin typeface="Courier"/>
+              </a:rPr>
+              <a:t>title =</a:t>
+            </a:r>
+            <a:r>
+              <a:rPr>
+                <a:latin typeface="Courier"/>
+              </a:rPr>
+              <a:t> </a:t>
+            </a:r>
+            <a:r>
+              <a:rPr>
+                <a:solidFill>
+                  <a:srgbClr val="4070A0"/>
+                </a:solidFill>
+                <a:latin typeface="Courier"/>
+              </a:rPr>
+              <a:t>"Rolling Returns by Volatility Regime"</a:t>
+            </a:r>
+            <a:r>
+              <a:rPr>
+                <a:latin typeface="Courier"/>
+              </a:rPr>
+              <a:t>,</a:t>
+            </a:r>
+            <a:br/>
+            <a:r>
+              <a:rPr>
+                <a:latin typeface="Courier"/>
+              </a:rPr>
+              <a:t>    </a:t>
+            </a:r>
+            <a:r>
+              <a:rPr>
+                <a:solidFill>
+                  <a:srgbClr val="7D9029"/>
+                </a:solidFill>
+                <a:latin typeface="Courier"/>
+              </a:rPr>
+              <a:t>x =</a:t>
+            </a:r>
+            <a:r>
+              <a:rPr>
+                <a:latin typeface="Courier"/>
+              </a:rPr>
+              <a:t> </a:t>
+            </a:r>
+            <a:r>
+              <a:rPr>
+                <a:solidFill>
+                  <a:srgbClr val="4070A0"/>
+                </a:solidFill>
+                <a:latin typeface="Courier"/>
+              </a:rPr>
+              <a:t>"Rolling Return"</a:t>
+            </a:r>
+            <a:r>
+              <a:rPr>
+                <a:latin typeface="Courier"/>
+              </a:rPr>
+              <a:t>,</a:t>
+            </a:r>
+            <a:br/>
+            <a:r>
+              <a:rPr>
+                <a:latin typeface="Courier"/>
+              </a:rPr>
+              <a:t>    </a:t>
+            </a:r>
+            <a:r>
+              <a:rPr>
+                <a:solidFill>
+                  <a:srgbClr val="7D9029"/>
+                </a:solidFill>
+                <a:latin typeface="Courier"/>
+              </a:rPr>
+              <a:t>y =</a:t>
+            </a:r>
+            <a:r>
+              <a:rPr>
+                <a:latin typeface="Courier"/>
+              </a:rPr>
+              <a:t> </a:t>
+            </a:r>
+            <a:r>
+              <a:rPr>
+                <a:solidFill>
+                  <a:srgbClr val="4070A0"/>
+                </a:solidFill>
+                <a:latin typeface="Courier"/>
+              </a:rPr>
+              <a:t>"Density"</a:t>
+            </a:r>
+            <a:r>
+              <a:rPr>
+                <a:latin typeface="Courier"/>
+              </a:rPr>
+              <a:t>,</a:t>
+            </a:r>
+            <a:br/>
+            <a:r>
+              <a:rPr>
+                <a:latin typeface="Courier"/>
+              </a:rPr>
+              <a:t>    </a:t>
+            </a:r>
+            <a:r>
+              <a:rPr>
+                <a:solidFill>
+                  <a:srgbClr val="7D9029"/>
+                </a:solidFill>
+                <a:latin typeface="Courier"/>
+              </a:rPr>
+              <a:t>fill =</a:t>
+            </a:r>
+            <a:r>
+              <a:rPr>
+                <a:latin typeface="Courier"/>
+              </a:rPr>
+              <a:t> </a:t>
+            </a:r>
+            <a:r>
+              <a:rPr>
+                <a:solidFill>
+                  <a:srgbClr val="4070A0"/>
+                </a:solidFill>
+                <a:latin typeface="Courier"/>
+              </a:rPr>
+              <a:t>"Type"</a:t>
+            </a:r>
+            <a:br/>
+            <a:r>
+              <a:rPr>
+                <a:latin typeface="Courier"/>
+              </a:rPr>
+              <a:t>  ) </a:t>
+            </a:r>
+            <a:r>
+              <a:rPr>
+                <a:solidFill>
+                  <a:srgbClr val="4070A0"/>
+                </a:solidFill>
+                <a:latin typeface="Courier"/>
+              </a:rPr>
+              <a:t>+</a:t>
+            </a:r>
+            <a:br/>
+            <a:r>
+              <a:rPr>
+                <a:latin typeface="Courier"/>
+              </a:rPr>
+              <a:t>  </a:t>
+            </a:r>
+            <a:r>
+              <a:rPr>
+                <a:solidFill>
+                  <a:srgbClr val="06287E"/>
+                </a:solidFill>
+                <a:latin typeface="Courier"/>
+              </a:rPr>
+              <a:t>theme_bw</a:t>
+            </a:r>
+            <a:r>
+              <a:rPr>
+                <a:latin typeface="Courier"/>
+              </a:rPr>
+              <a:t>() </a:t>
+            </a:r>
+            <a:r>
+              <a:rPr>
+                <a:solidFill>
+                  <a:srgbClr val="4070A0"/>
+                </a:solidFill>
+                <a:latin typeface="Courier"/>
+              </a:rPr>
+              <a:t>+</a:t>
+            </a:r>
+            <a:br/>
+            <a:r>
+              <a:rPr>
+                <a:latin typeface="Courier"/>
+              </a:rPr>
+              <a:t>  </a:t>
+            </a:r>
+            <a:r>
+              <a:rPr>
+                <a:solidFill>
+                  <a:srgbClr val="06287E"/>
+                </a:solidFill>
+                <a:latin typeface="Courier"/>
+              </a:rPr>
+              <a:t>theme</a:t>
+            </a:r>
+            <a:r>
+              <a:rPr>
+                <a:latin typeface="Courier"/>
+              </a:rPr>
+              <a:t>(</a:t>
+            </a:r>
+            <a:r>
+              <a:rPr>
+                <a:solidFill>
+                  <a:srgbClr val="7D9029"/>
+                </a:solidFill>
+                <a:latin typeface="Courier"/>
+              </a:rPr>
+              <a:t>plot.title =</a:t>
+            </a:r>
+            <a:r>
+              <a:rPr>
+                <a:latin typeface="Courier"/>
+              </a:rPr>
+              <a:t> </a:t>
+            </a:r>
+            <a:r>
+              <a:rPr>
+                <a:solidFill>
+                  <a:srgbClr val="06287E"/>
+                </a:solidFill>
+                <a:latin typeface="Courier"/>
+              </a:rPr>
+              <a:t>element_text</a:t>
+            </a:r>
+            <a:r>
+              <a:rPr>
+                <a:latin typeface="Courier"/>
+              </a:rPr>
+              <a:t>(</a:t>
+            </a:r>
+            <a:r>
+              <a:rPr>
+                <a:solidFill>
+                  <a:srgbClr val="7D9029"/>
+                </a:solidFill>
+                <a:latin typeface="Courier"/>
+              </a:rPr>
+              <a:t>hjust =</a:t>
+            </a:r>
+            <a:r>
+              <a:rPr>
+                <a:latin typeface="Courier"/>
+              </a:rPr>
+              <a:t> </a:t>
+            </a:r>
+            <a:r>
+              <a:rPr>
+                <a:solidFill>
+                  <a:srgbClr val="40A070"/>
+                </a:solidFill>
+                <a:latin typeface="Courier"/>
+              </a:rPr>
+              <a:t>0.5</a:t>
+            </a:r>
+            <a:r>
+              <a:rPr>
+                <a:latin typeface="Courier"/>
+              </a:rPr>
+              <a:t>), </a:t>
+            </a:r>
+            <a:r>
+              <a:rPr>
+                <a:solidFill>
+                  <a:srgbClr val="7D9029"/>
+                </a:solidFill>
+                <a:latin typeface="Courier"/>
+              </a:rPr>
+              <a:t>legend.position =</a:t>
+            </a:r>
+            <a:r>
+              <a:rPr>
+                <a:latin typeface="Courier"/>
+              </a:rPr>
+              <a:t> </a:t>
+            </a:r>
+            <a:r>
+              <a:rPr>
+                <a:solidFill>
+                  <a:srgbClr val="4070A0"/>
+                </a:solidFill>
+                <a:latin typeface="Courier"/>
+              </a:rPr>
+              <a:t>"bottom"</a:t>
+            </a:r>
+            <a:r>
+              <a:rPr>
+                <a:latin typeface="Courier"/>
+              </a:rPr>
+              <a:t>)</a:t>
+            </a:r>
+          </a:p>
+        </p:txBody>
+      </p:sp>
+      <p:pic>
+        <p:nvPicPr>
+          <p:cNvPr descr="README_files/figure-pptx/unnamed-chunk-8-1.png" id="0" name="Picture 1"/>
           <p:cNvPicPr>
             <a:picLocks noGrp="1" noChangeAspect="1"/>
           </p:cNvPicPr>

--- a/Questions/Question 1/README.pptx
+++ b/Questions/Question 1/README.pptx
@@ -3254,27 +3254,6 @@
           <a:chExt cx="0" cy="0"/>
         </a:xfrm>
       </p:grpSpPr>
-      <p:sp>
-        <p:nvSpPr>
-          <p:cNvPr id="4" name="Text Placeholder 3"/>
-          <p:cNvSpPr>
-            <a:spLocks noGrp="1"/>
-          </p:cNvSpPr>
-          <p:nvPr>
-            <p:ph idx="2" sz="half" type="body"/>
-          </p:nvPr>
-        </p:nvSpPr>
-        <p:spPr/>
-        <p:txBody>
-          <a:bodyPr/>
-          <a:lstStyle/>
-          <a:p>
-            <a:pPr lvl="0" indent="0" marL="0">
-              <a:buNone/>
-            </a:pPr>
-          </a:p>
-        </p:txBody>
-      </p:sp>
       <p:pic>
         <p:nvPicPr>
           <p:cNvPr descr="README_files/figure-pptx/plotting-density-by_rolling_period-1.png" id="0" name="Picture 1"/>
@@ -3291,8 +3270,8 @@
         </p:blipFill>
         <p:spPr bwMode="auto">
           <a:xfrm>
-            <a:off x="3568700" y="266700"/>
-            <a:ext cx="5105400" cy="4254500"/>
+            <a:off x="2540000" y="1193800"/>
+            <a:ext cx="4064000" cy="3390900"/>
           </a:xfrm>
           <a:prstGeom prst="rect">
             <a:avLst/>
@@ -3327,27 +3306,6 @@
           <a:chExt cx="0" cy="0"/>
         </a:xfrm>
       </p:grpSpPr>
-      <p:sp>
-        <p:nvSpPr>
-          <p:cNvPr id="4" name="Text Placeholder 3"/>
-          <p:cNvSpPr>
-            <a:spLocks noGrp="1"/>
-          </p:cNvSpPr>
-          <p:nvPr>
-            <p:ph idx="2" sz="half" type="body"/>
-          </p:nvPr>
-        </p:nvSpPr>
-        <p:spPr/>
-        <p:txBody>
-          <a:bodyPr/>
-          <a:lstStyle/>
-          <a:p>
-            <a:pPr lvl="0" indent="0" marL="0">
-              <a:buNone/>
-            </a:pPr>
-          </a:p>
-        </p:txBody>
-      </p:sp>
       <p:pic>
         <p:nvPicPr>
           <p:cNvPr descr="README_files/figure-pptx/plotting-returns-by-vol-1.png" id="0" name="Picture 1"/>
@@ -3364,8 +3322,8 @@
         </p:blipFill>
         <p:spPr bwMode="auto">
           <a:xfrm>
-            <a:off x="3568700" y="266700"/>
-            <a:ext cx="5105400" cy="4254500"/>
+            <a:off x="2540000" y="1193800"/>
+            <a:ext cx="4064000" cy="3390900"/>
           </a:xfrm>
           <a:prstGeom prst="rect">
             <a:avLst/>
